--- a/40.pptx
+++ b/40.pptx
@@ -6,19 +6,16 @@
     <p:sldMasterId id="2147483660" r:id="rId2"/>
   </p:sldMasterIdLst>
   <p:handoutMasterIdLst>
-    <p:handoutMasterId r:id="rId13"/>
+    <p:handoutMasterId r:id="rId10"/>
   </p:handoutMasterIdLst>
   <p:sldIdLst>
     <p:sldId id="256" r:id="rId3"/>
     <p:sldId id="257" r:id="rId4"/>
     <p:sldId id="258" r:id="rId5"/>
-    <p:sldId id="269" r:id="rId6"/>
-    <p:sldId id="259" r:id="rId7"/>
-    <p:sldId id="260" r:id="rId8"/>
-    <p:sldId id="261" r:id="rId9"/>
-    <p:sldId id="263" r:id="rId10"/>
-    <p:sldId id="268" r:id="rId11"/>
-    <p:sldId id="264" r:id="rId12"/>
+    <p:sldId id="259" r:id="rId6"/>
+    <p:sldId id="271" r:id="rId7"/>
+    <p:sldId id="269" r:id="rId8"/>
+    <p:sldId id="270" r:id="rId9"/>
   </p:sldIdLst>
   <p:sldSz cx="9144000" cy="6858000" type="screen4x3"/>
   <p:notesSz cx="6858000" cy="9144000"/>
@@ -117,6 +114,36 @@
       </a:defRPr>
     </a:lvl9pPr>
   </p:defaultTextStyle>
+  <p:extLst>
+    <p:ext uri="{EFAFB233-063F-42B5-8137-9DF3F51BA10A}">
+      <p15:sldGuideLst xmlns:p15="http://schemas.microsoft.com/office/powerpoint/2012/main">
+        <p15:guide id="1" orient="horz" pos="2160">
+          <p15:clr>
+            <a:srgbClr val="A4A3A4"/>
+          </p15:clr>
+        </p15:guide>
+        <p15:guide id="2" pos="2880">
+          <p15:clr>
+            <a:srgbClr val="A4A3A4"/>
+          </p15:clr>
+        </p15:guide>
+      </p15:sldGuideLst>
+    </p:ext>
+    <p:ext uri="{2D200454-40CA-4A62-9FC3-DE9A4176ACB9}">
+      <p15:notesGuideLst xmlns:p15="http://schemas.microsoft.com/office/powerpoint/2012/main">
+        <p15:guide id="1" orient="horz" pos="2880">
+          <p15:clr>
+            <a:srgbClr val="A4A3A4"/>
+          </p15:clr>
+        </p15:guide>
+        <p15:guide id="2" pos="2160">
+          <p15:clr>
+            <a:srgbClr val="A4A3A4"/>
+          </p15:clr>
+        </p15:guide>
+      </p15:notesGuideLst>
+    </p:ext>
+  </p:extLst>
 </p:presentation>
 </file>
 
@@ -203,7 +230,7 @@
             <a:fld id="{BF687C3B-A0D7-4DF4-8ABE-AB86F94B7659}" type="datetimeFigureOut">
               <a:rPr lang="de-DE" smtClean="0"/>
               <a:pPr/>
-              <a:t>12.05.2018</a:t>
+              <a:t>04.03.2019</a:t>
             </a:fld>
             <a:endParaRPr lang="de-DE"/>
           </a:p>
@@ -279,7 +306,7 @@
     </p:spTree>
     <p:extLst>
       <p:ext uri="{BB962C8B-B14F-4D97-AF65-F5344CB8AC3E}">
-        <p14:creationId xmlns:p14="http://schemas.microsoft.com/office/powerpoint/2010/main" xmlns="" val="1828463762"/>
+        <p14:creationId xmlns:p14="http://schemas.microsoft.com/office/powerpoint/2010/main" val="1828463762"/>
       </p:ext>
     </p:extLst>
   </p:cSld>
@@ -469,7 +496,7 @@
             <a:fld id="{465E5954-C325-41FF-8307-C2ABF66F88AC}" type="datetimeFigureOut">
               <a:rPr lang="de-DE" smtClean="0"/>
               <a:pPr/>
-              <a:t>12.05.2018</a:t>
+              <a:t>04.03.2019</a:t>
             </a:fld>
             <a:endParaRPr lang="de-DE"/>
           </a:p>
@@ -518,46 +545,23 @@
           </a:p>
         </p:txBody>
       </p:sp>
-      <p:pic>
-        <p:nvPicPr>
-          <p:cNvPr id="10" name="Picture 9"/>
-          <p:cNvPicPr>
-            <a:picLocks noChangeAspect="1"/>
-          </p:cNvPicPr>
-          <p:nvPr userDrawn="1"/>
-        </p:nvPicPr>
-        <p:blipFill>
-          <a:blip r:embed="rId2" cstate="print">
-            <a:extLst>
-              <a:ext uri="{28A0092B-C50C-407E-A947-70E740481C1C}">
-                <a14:useLocalDpi xmlns:a14="http://schemas.microsoft.com/office/drawing/2010/main" xmlns="" val="0"/>
-              </a:ext>
-            </a:extLst>
-          </a:blip>
-          <a:stretch>
-            <a:fillRect/>
-          </a:stretch>
-        </p:blipFill>
-        <p:spPr>
-          <a:xfrm>
-            <a:off x="0" y="0"/>
-            <a:ext cx="9144000" cy="603504"/>
-          </a:xfrm>
-          <a:prstGeom prst="rect">
-            <a:avLst/>
-          </a:prstGeom>
-        </p:spPr>
-      </p:pic>
     </p:spTree>
     <p:extLst>
       <p:ext uri="{BB962C8B-B14F-4D97-AF65-F5344CB8AC3E}">
-        <p14:creationId xmlns:p14="http://schemas.microsoft.com/office/powerpoint/2010/main" xmlns="" val="3414974358"/>
+        <p14:creationId xmlns:p14="http://schemas.microsoft.com/office/powerpoint/2010/main" val="3414974358"/>
       </p:ext>
     </p:extLst>
   </p:cSld>
   <p:clrMapOvr>
     <a:masterClrMapping/>
   </p:clrMapOvr>
+  <p:timing>
+    <p:tnLst>
+      <p:par>
+        <p:cTn id="1" dur="indefinite" restart="never" nodeType="tmRoot"/>
+      </p:par>
+    </p:tnLst>
+  </p:timing>
 </p:sldLayout>
 </file>
 
@@ -671,7 +675,7 @@
             <a:fld id="{465E5954-C325-41FF-8307-C2ABF66F88AC}" type="datetimeFigureOut">
               <a:rPr lang="de-DE" smtClean="0"/>
               <a:pPr/>
-              <a:t>12.05.2018</a:t>
+              <a:t>04.03.2019</a:t>
             </a:fld>
             <a:endParaRPr lang="de-DE"/>
           </a:p>
@@ -723,13 +727,20 @@
     </p:spTree>
     <p:extLst>
       <p:ext uri="{BB962C8B-B14F-4D97-AF65-F5344CB8AC3E}">
-        <p14:creationId xmlns:p14="http://schemas.microsoft.com/office/powerpoint/2010/main" xmlns="" val="1775905934"/>
+        <p14:creationId xmlns:p14="http://schemas.microsoft.com/office/powerpoint/2010/main" val="1775905934"/>
       </p:ext>
     </p:extLst>
   </p:cSld>
   <p:clrMapOvr>
     <a:masterClrMapping/>
   </p:clrMapOvr>
+  <p:timing>
+    <p:tnLst>
+      <p:par>
+        <p:cTn id="1" dur="indefinite" restart="never" nodeType="tmRoot"/>
+      </p:par>
+    </p:tnLst>
+  </p:timing>
 </p:sldLayout>
 </file>
 
@@ -853,7 +864,7 @@
             <a:fld id="{465E5954-C325-41FF-8307-C2ABF66F88AC}" type="datetimeFigureOut">
               <a:rPr lang="de-DE" smtClean="0"/>
               <a:pPr/>
-              <a:t>12.05.2018</a:t>
+              <a:t>04.03.2019</a:t>
             </a:fld>
             <a:endParaRPr lang="de-DE"/>
           </a:p>
@@ -905,7 +916,7 @@
     </p:spTree>
     <p:extLst>
       <p:ext uri="{BB962C8B-B14F-4D97-AF65-F5344CB8AC3E}">
-        <p14:creationId xmlns:p14="http://schemas.microsoft.com/office/powerpoint/2010/main" xmlns="" val="4117795385"/>
+        <p14:creationId xmlns:p14="http://schemas.microsoft.com/office/powerpoint/2010/main" val="4117795385"/>
       </p:ext>
     </p:extLst>
   </p:cSld>
@@ -1097,7 +1108,7 @@
             <a:fld id="{BA3302DC-27B2-41BB-AAD9-1F7041790541}" type="datetimeFigureOut">
               <a:rPr lang="de-DE" smtClean="0"/>
               <a:pPr/>
-              <a:t>12.05.2018</a:t>
+              <a:t>04.03.2019</a:t>
             </a:fld>
             <a:endParaRPr lang="de-DE"/>
           </a:p>
@@ -1149,13 +1160,20 @@
     </p:spTree>
     <p:extLst>
       <p:ext uri="{BB962C8B-B14F-4D97-AF65-F5344CB8AC3E}">
-        <p14:creationId xmlns:p14="http://schemas.microsoft.com/office/powerpoint/2010/main" xmlns="" val="1915555323"/>
+        <p14:creationId xmlns:p14="http://schemas.microsoft.com/office/powerpoint/2010/main" val="1915555323"/>
       </p:ext>
     </p:extLst>
   </p:cSld>
   <p:clrMapOvr>
     <a:masterClrMapping/>
   </p:clrMapOvr>
+  <p:timing>
+    <p:tnLst>
+      <p:par>
+        <p:cTn id="1" dur="indefinite" restart="never" nodeType="tmRoot"/>
+      </p:par>
+    </p:tnLst>
+  </p:timing>
 </p:sldLayout>
 </file>
 
@@ -1269,7 +1287,7 @@
             <a:fld id="{BA3302DC-27B2-41BB-AAD9-1F7041790541}" type="datetimeFigureOut">
               <a:rPr lang="de-DE" smtClean="0"/>
               <a:pPr/>
-              <a:t>12.05.2018</a:t>
+              <a:t>04.03.2019</a:t>
             </a:fld>
             <a:endParaRPr lang="de-DE"/>
           </a:p>
@@ -1321,13 +1339,20 @@
     </p:spTree>
     <p:extLst>
       <p:ext uri="{BB962C8B-B14F-4D97-AF65-F5344CB8AC3E}">
-        <p14:creationId xmlns:p14="http://schemas.microsoft.com/office/powerpoint/2010/main" xmlns="" val="1049752035"/>
+        <p14:creationId xmlns:p14="http://schemas.microsoft.com/office/powerpoint/2010/main" val="1049752035"/>
       </p:ext>
     </p:extLst>
   </p:cSld>
   <p:clrMapOvr>
     <a:masterClrMapping/>
   </p:clrMapOvr>
+  <p:timing>
+    <p:tnLst>
+      <p:par>
+        <p:cTn id="1" dur="indefinite" restart="never" nodeType="tmRoot"/>
+      </p:par>
+    </p:tnLst>
+  </p:timing>
 </p:sldLayout>
 </file>
 
@@ -1517,7 +1542,7 @@
             <a:fld id="{BA3302DC-27B2-41BB-AAD9-1F7041790541}" type="datetimeFigureOut">
               <a:rPr lang="de-DE" smtClean="0"/>
               <a:pPr/>
-              <a:t>12.05.2018</a:t>
+              <a:t>04.03.2019</a:t>
             </a:fld>
             <a:endParaRPr lang="de-DE"/>
           </a:p>
@@ -1569,7 +1594,7 @@
     </p:spTree>
     <p:extLst>
       <p:ext uri="{BB962C8B-B14F-4D97-AF65-F5344CB8AC3E}">
-        <p14:creationId xmlns:p14="http://schemas.microsoft.com/office/powerpoint/2010/main" xmlns="" val="2290416218"/>
+        <p14:creationId xmlns:p14="http://schemas.microsoft.com/office/powerpoint/2010/main" val="2290416218"/>
       </p:ext>
     </p:extLst>
   </p:cSld>
@@ -1807,7 +1832,7 @@
             <a:fld id="{BA3302DC-27B2-41BB-AAD9-1F7041790541}" type="datetimeFigureOut">
               <a:rPr lang="de-DE" smtClean="0"/>
               <a:pPr/>
-              <a:t>12.05.2018</a:t>
+              <a:t>04.03.2019</a:t>
             </a:fld>
             <a:endParaRPr lang="de-DE"/>
           </a:p>
@@ -1859,7 +1884,7 @@
     </p:spTree>
     <p:extLst>
       <p:ext uri="{BB962C8B-B14F-4D97-AF65-F5344CB8AC3E}">
-        <p14:creationId xmlns:p14="http://schemas.microsoft.com/office/powerpoint/2010/main" xmlns="" val="1118479880"/>
+        <p14:creationId xmlns:p14="http://schemas.microsoft.com/office/powerpoint/2010/main" val="1118479880"/>
       </p:ext>
     </p:extLst>
   </p:cSld>
@@ -2231,7 +2256,7 @@
             <a:fld id="{BA3302DC-27B2-41BB-AAD9-1F7041790541}" type="datetimeFigureOut">
               <a:rPr lang="de-DE" smtClean="0"/>
               <a:pPr/>
-              <a:t>12.05.2018</a:t>
+              <a:t>04.03.2019</a:t>
             </a:fld>
             <a:endParaRPr lang="de-DE"/>
           </a:p>
@@ -2283,7 +2308,7 @@
     </p:spTree>
     <p:extLst>
       <p:ext uri="{BB962C8B-B14F-4D97-AF65-F5344CB8AC3E}">
-        <p14:creationId xmlns:p14="http://schemas.microsoft.com/office/powerpoint/2010/main" xmlns="" val="2570394712"/>
+        <p14:creationId xmlns:p14="http://schemas.microsoft.com/office/powerpoint/2010/main" val="2570394712"/>
       </p:ext>
     </p:extLst>
   </p:cSld>
@@ -2351,7 +2376,7 @@
             <a:fld id="{BA3302DC-27B2-41BB-AAD9-1F7041790541}" type="datetimeFigureOut">
               <a:rPr lang="de-DE" smtClean="0"/>
               <a:pPr/>
-              <a:t>12.05.2018</a:t>
+              <a:t>04.03.2019</a:t>
             </a:fld>
             <a:endParaRPr lang="de-DE"/>
           </a:p>
@@ -2403,7 +2428,7 @@
     </p:spTree>
     <p:extLst>
       <p:ext uri="{BB962C8B-B14F-4D97-AF65-F5344CB8AC3E}">
-        <p14:creationId xmlns:p14="http://schemas.microsoft.com/office/powerpoint/2010/main" xmlns="" val="3411118503"/>
+        <p14:creationId xmlns:p14="http://schemas.microsoft.com/office/powerpoint/2010/main" val="3411118503"/>
       </p:ext>
     </p:extLst>
   </p:cSld>
@@ -2448,7 +2473,7 @@
             <a:fld id="{BA3302DC-27B2-41BB-AAD9-1F7041790541}" type="datetimeFigureOut">
               <a:rPr lang="de-DE" smtClean="0"/>
               <a:pPr/>
-              <a:t>12.05.2018</a:t>
+              <a:t>04.03.2019</a:t>
             </a:fld>
             <a:endParaRPr lang="de-DE"/>
           </a:p>
@@ -2500,7 +2525,7 @@
     </p:spTree>
     <p:extLst>
       <p:ext uri="{BB962C8B-B14F-4D97-AF65-F5344CB8AC3E}">
-        <p14:creationId xmlns:p14="http://schemas.microsoft.com/office/powerpoint/2010/main" xmlns="" val="1133826822"/>
+        <p14:creationId xmlns:p14="http://schemas.microsoft.com/office/powerpoint/2010/main" val="1133826822"/>
       </p:ext>
     </p:extLst>
   </p:cSld>
@@ -2727,7 +2752,7 @@
             <a:fld id="{BA3302DC-27B2-41BB-AAD9-1F7041790541}" type="datetimeFigureOut">
               <a:rPr lang="de-DE" smtClean="0"/>
               <a:pPr/>
-              <a:t>12.05.2018</a:t>
+              <a:t>04.03.2019</a:t>
             </a:fld>
             <a:endParaRPr lang="de-DE"/>
           </a:p>
@@ -2779,7 +2804,7 @@
     </p:spTree>
     <p:extLst>
       <p:ext uri="{BB962C8B-B14F-4D97-AF65-F5344CB8AC3E}">
-        <p14:creationId xmlns:p14="http://schemas.microsoft.com/office/powerpoint/2010/main" xmlns="" val="3245038587"/>
+        <p14:creationId xmlns:p14="http://schemas.microsoft.com/office/powerpoint/2010/main" val="3245038587"/>
       </p:ext>
     </p:extLst>
   </p:cSld>
@@ -2899,7 +2924,7 @@
             <a:fld id="{465E5954-C325-41FF-8307-C2ABF66F88AC}" type="datetimeFigureOut">
               <a:rPr lang="de-DE" smtClean="0"/>
               <a:pPr/>
-              <a:t>12.05.2018</a:t>
+              <a:t>04.03.2019</a:t>
             </a:fld>
             <a:endParaRPr lang="de-DE"/>
           </a:p>
@@ -2948,64 +2973,10 @@
           </a:p>
         </p:txBody>
       </p:sp>
-      <p:pic>
-        <p:nvPicPr>
-          <p:cNvPr id="1027" name="Picture 3"/>
-          <p:cNvPicPr>
-            <a:picLocks noChangeAspect="1" noChangeArrowheads="1"/>
-          </p:cNvPicPr>
-          <p:nvPr userDrawn="1"/>
-        </p:nvPicPr>
-        <p:blipFill>
-          <a:blip r:embed="rId2" cstate="print">
-            <a:extLst>
-              <a:ext uri="{28A0092B-C50C-407E-A947-70E740481C1C}">
-                <a14:useLocalDpi xmlns:a14="http://schemas.microsoft.com/office/drawing/2010/main" xmlns="" val="0"/>
-              </a:ext>
-            </a:extLst>
-          </a:blip>
-          <a:srcRect/>
-          <a:stretch>
-            <a:fillRect/>
-          </a:stretch>
-        </p:blipFill>
-        <p:spPr bwMode="auto">
-          <a:xfrm>
-            <a:off x="0" y="0"/>
-            <a:ext cx="9144000" cy="561975"/>
-          </a:xfrm>
-          <a:prstGeom prst="rect">
-            <a:avLst/>
-          </a:prstGeom>
-          <a:noFill/>
-          <a:ln>
-            <a:noFill/>
-          </a:ln>
-          <a:extLst>
-            <a:ext uri="{909E8E84-426E-40DD-AFC4-6F175D3DCCD1}">
-              <a14:hiddenFill xmlns:a14="http://schemas.microsoft.com/office/drawing/2010/main" xmlns="">
-                <a:solidFill>
-                  <a:schemeClr val="accent1"/>
-                </a:solidFill>
-              </a14:hiddenFill>
-            </a:ext>
-            <a:ext uri="{91240B29-F687-4F45-9708-019B960494DF}">
-              <a14:hiddenLine xmlns:a14="http://schemas.microsoft.com/office/drawing/2010/main" xmlns="" w="9525">
-                <a:solidFill>
-                  <a:schemeClr val="tx1"/>
-                </a:solidFill>
-                <a:miter lim="800000"/>
-                <a:headEnd/>
-                <a:tailEnd/>
-              </a14:hiddenLine>
-            </a:ext>
-          </a:extLst>
-        </p:spPr>
-      </p:pic>
     </p:spTree>
     <p:extLst>
       <p:ext uri="{BB962C8B-B14F-4D97-AF65-F5344CB8AC3E}">
-        <p14:creationId xmlns:p14="http://schemas.microsoft.com/office/powerpoint/2010/main" xmlns="" val="2333001744"/>
+        <p14:creationId xmlns:p14="http://schemas.microsoft.com/office/powerpoint/2010/main" val="2333001744"/>
       </p:ext>
     </p:extLst>
   </p:cSld>
@@ -3215,7 +3186,7 @@
             <a:fld id="{BA3302DC-27B2-41BB-AAD9-1F7041790541}" type="datetimeFigureOut">
               <a:rPr lang="de-DE" smtClean="0"/>
               <a:pPr/>
-              <a:t>12.05.2018</a:t>
+              <a:t>04.03.2019</a:t>
             </a:fld>
             <a:endParaRPr lang="de-DE"/>
           </a:p>
@@ -3267,7 +3238,7 @@
     </p:spTree>
     <p:extLst>
       <p:ext uri="{BB962C8B-B14F-4D97-AF65-F5344CB8AC3E}">
-        <p14:creationId xmlns:p14="http://schemas.microsoft.com/office/powerpoint/2010/main" xmlns="" val="2042129193"/>
+        <p14:creationId xmlns:p14="http://schemas.microsoft.com/office/powerpoint/2010/main" val="2042129193"/>
       </p:ext>
     </p:extLst>
   </p:cSld>
@@ -3387,7 +3358,7 @@
             <a:fld id="{BA3302DC-27B2-41BB-AAD9-1F7041790541}" type="datetimeFigureOut">
               <a:rPr lang="de-DE" smtClean="0"/>
               <a:pPr/>
-              <a:t>12.05.2018</a:t>
+              <a:t>04.03.2019</a:t>
             </a:fld>
             <a:endParaRPr lang="de-DE"/>
           </a:p>
@@ -3439,7 +3410,7 @@
     </p:spTree>
     <p:extLst>
       <p:ext uri="{BB962C8B-B14F-4D97-AF65-F5344CB8AC3E}">
-        <p14:creationId xmlns:p14="http://schemas.microsoft.com/office/powerpoint/2010/main" xmlns="" val="3803080014"/>
+        <p14:creationId xmlns:p14="http://schemas.microsoft.com/office/powerpoint/2010/main" val="3803080014"/>
       </p:ext>
     </p:extLst>
   </p:cSld>
@@ -3569,7 +3540,7 @@
             <a:fld id="{BA3302DC-27B2-41BB-AAD9-1F7041790541}" type="datetimeFigureOut">
               <a:rPr lang="de-DE" smtClean="0"/>
               <a:pPr/>
-              <a:t>12.05.2018</a:t>
+              <a:t>04.03.2019</a:t>
             </a:fld>
             <a:endParaRPr lang="de-DE"/>
           </a:p>
@@ -3621,7 +3592,7 @@
     </p:spTree>
     <p:extLst>
       <p:ext uri="{BB962C8B-B14F-4D97-AF65-F5344CB8AC3E}">
-        <p14:creationId xmlns:p14="http://schemas.microsoft.com/office/powerpoint/2010/main" xmlns="" val="1995480986"/>
+        <p14:creationId xmlns:p14="http://schemas.microsoft.com/office/powerpoint/2010/main" val="1995480986"/>
       </p:ext>
     </p:extLst>
   </p:cSld>
@@ -3817,7 +3788,7 @@
             <a:fld id="{465E5954-C325-41FF-8307-C2ABF66F88AC}" type="datetimeFigureOut">
               <a:rPr lang="de-DE" smtClean="0"/>
               <a:pPr/>
-              <a:t>12.05.2018</a:t>
+              <a:t>04.03.2019</a:t>
             </a:fld>
             <a:endParaRPr lang="de-DE"/>
           </a:p>
@@ -3869,13 +3840,20 @@
     </p:spTree>
     <p:extLst>
       <p:ext uri="{BB962C8B-B14F-4D97-AF65-F5344CB8AC3E}">
-        <p14:creationId xmlns:p14="http://schemas.microsoft.com/office/powerpoint/2010/main" xmlns="" val="2537637530"/>
+        <p14:creationId xmlns:p14="http://schemas.microsoft.com/office/powerpoint/2010/main" val="2537637530"/>
       </p:ext>
     </p:extLst>
   </p:cSld>
   <p:clrMapOvr>
     <a:masterClrMapping/>
   </p:clrMapOvr>
+  <p:timing>
+    <p:tnLst>
+      <p:par>
+        <p:cTn id="1" dur="indefinite" restart="never" nodeType="tmRoot"/>
+      </p:par>
+    </p:tnLst>
+  </p:timing>
 </p:sldLayout>
 </file>
 
@@ -4107,7 +4085,7 @@
             <a:fld id="{465E5954-C325-41FF-8307-C2ABF66F88AC}" type="datetimeFigureOut">
               <a:rPr lang="de-DE" smtClean="0"/>
               <a:pPr/>
-              <a:t>12.05.2018</a:t>
+              <a:t>04.03.2019</a:t>
             </a:fld>
             <a:endParaRPr lang="de-DE"/>
           </a:p>
@@ -4159,7 +4137,7 @@
     </p:spTree>
     <p:extLst>
       <p:ext uri="{BB962C8B-B14F-4D97-AF65-F5344CB8AC3E}">
-        <p14:creationId xmlns:p14="http://schemas.microsoft.com/office/powerpoint/2010/main" xmlns="" val="111033966"/>
+        <p14:creationId xmlns:p14="http://schemas.microsoft.com/office/powerpoint/2010/main" val="111033966"/>
       </p:ext>
     </p:extLst>
   </p:cSld>
@@ -4531,7 +4509,7 @@
             <a:fld id="{465E5954-C325-41FF-8307-C2ABF66F88AC}" type="datetimeFigureOut">
               <a:rPr lang="de-DE" smtClean="0"/>
               <a:pPr/>
-              <a:t>12.05.2018</a:t>
+              <a:t>04.03.2019</a:t>
             </a:fld>
             <a:endParaRPr lang="de-DE"/>
           </a:p>
@@ -4583,13 +4561,20 @@
     </p:spTree>
     <p:extLst>
       <p:ext uri="{BB962C8B-B14F-4D97-AF65-F5344CB8AC3E}">
-        <p14:creationId xmlns:p14="http://schemas.microsoft.com/office/powerpoint/2010/main" xmlns="" val="2319414151"/>
+        <p14:creationId xmlns:p14="http://schemas.microsoft.com/office/powerpoint/2010/main" val="2319414151"/>
       </p:ext>
     </p:extLst>
   </p:cSld>
   <p:clrMapOvr>
     <a:masterClrMapping/>
   </p:clrMapOvr>
+  <p:timing>
+    <p:tnLst>
+      <p:par>
+        <p:cTn id="1" dur="indefinite" restart="never" nodeType="tmRoot"/>
+      </p:par>
+    </p:tnLst>
+  </p:timing>
 </p:sldLayout>
 </file>
 
@@ -4651,7 +4636,7 @@
             <a:fld id="{465E5954-C325-41FF-8307-C2ABF66F88AC}" type="datetimeFigureOut">
               <a:rPr lang="de-DE" smtClean="0"/>
               <a:pPr/>
-              <a:t>12.05.2018</a:t>
+              <a:t>04.03.2019</a:t>
             </a:fld>
             <a:endParaRPr lang="de-DE"/>
           </a:p>
@@ -4703,13 +4688,20 @@
     </p:spTree>
     <p:extLst>
       <p:ext uri="{BB962C8B-B14F-4D97-AF65-F5344CB8AC3E}">
-        <p14:creationId xmlns:p14="http://schemas.microsoft.com/office/powerpoint/2010/main" xmlns="" val="2385675310"/>
+        <p14:creationId xmlns:p14="http://schemas.microsoft.com/office/powerpoint/2010/main" val="2385675310"/>
       </p:ext>
     </p:extLst>
   </p:cSld>
   <p:clrMapOvr>
     <a:masterClrMapping/>
   </p:clrMapOvr>
+  <p:timing>
+    <p:tnLst>
+      <p:par>
+        <p:cTn id="1" dur="indefinite" restart="never" nodeType="tmRoot"/>
+      </p:par>
+    </p:tnLst>
+  </p:timing>
 </p:sldLayout>
 </file>
 
@@ -4748,7 +4740,7 @@
             <a:fld id="{465E5954-C325-41FF-8307-C2ABF66F88AC}" type="datetimeFigureOut">
               <a:rPr lang="de-DE" smtClean="0"/>
               <a:pPr/>
-              <a:t>12.05.2018</a:t>
+              <a:t>04.03.2019</a:t>
             </a:fld>
             <a:endParaRPr lang="de-DE"/>
           </a:p>
@@ -4800,13 +4792,20 @@
     </p:spTree>
     <p:extLst>
       <p:ext uri="{BB962C8B-B14F-4D97-AF65-F5344CB8AC3E}">
-        <p14:creationId xmlns:p14="http://schemas.microsoft.com/office/powerpoint/2010/main" xmlns="" val="319868095"/>
+        <p14:creationId xmlns:p14="http://schemas.microsoft.com/office/powerpoint/2010/main" val="319868095"/>
       </p:ext>
     </p:extLst>
   </p:cSld>
   <p:clrMapOvr>
     <a:masterClrMapping/>
   </p:clrMapOvr>
+  <p:timing>
+    <p:tnLst>
+      <p:par>
+        <p:cTn id="1" dur="indefinite" restart="never" nodeType="tmRoot"/>
+      </p:par>
+    </p:tnLst>
+  </p:timing>
 </p:sldLayout>
 </file>
 
@@ -5027,7 +5026,7 @@
             <a:fld id="{465E5954-C325-41FF-8307-C2ABF66F88AC}" type="datetimeFigureOut">
               <a:rPr lang="de-DE" smtClean="0"/>
               <a:pPr/>
-              <a:t>12.05.2018</a:t>
+              <a:t>04.03.2019</a:t>
             </a:fld>
             <a:endParaRPr lang="de-DE"/>
           </a:p>
@@ -5079,13 +5078,20 @@
     </p:spTree>
     <p:extLst>
       <p:ext uri="{BB962C8B-B14F-4D97-AF65-F5344CB8AC3E}">
-        <p14:creationId xmlns:p14="http://schemas.microsoft.com/office/powerpoint/2010/main" xmlns="" val="585356278"/>
+        <p14:creationId xmlns:p14="http://schemas.microsoft.com/office/powerpoint/2010/main" val="585356278"/>
       </p:ext>
     </p:extLst>
   </p:cSld>
   <p:clrMapOvr>
     <a:masterClrMapping/>
   </p:clrMapOvr>
+  <p:timing>
+    <p:tnLst>
+      <p:par>
+        <p:cTn id="1" dur="indefinite" restart="never" nodeType="tmRoot"/>
+      </p:par>
+    </p:tnLst>
+  </p:timing>
 </p:sldLayout>
 </file>
 
@@ -5282,7 +5288,7 @@
             <a:fld id="{465E5954-C325-41FF-8307-C2ABF66F88AC}" type="datetimeFigureOut">
               <a:rPr lang="de-DE" smtClean="0"/>
               <a:pPr/>
-              <a:t>12.05.2018</a:t>
+              <a:t>04.03.2019</a:t>
             </a:fld>
             <a:endParaRPr lang="de-DE"/>
           </a:p>
@@ -5334,13 +5340,20 @@
     </p:spTree>
     <p:extLst>
       <p:ext uri="{BB962C8B-B14F-4D97-AF65-F5344CB8AC3E}">
-        <p14:creationId xmlns:p14="http://schemas.microsoft.com/office/powerpoint/2010/main" xmlns="" val="3062415251"/>
+        <p14:creationId xmlns:p14="http://schemas.microsoft.com/office/powerpoint/2010/main" val="3062415251"/>
       </p:ext>
     </p:extLst>
   </p:cSld>
   <p:clrMapOvr>
     <a:masterClrMapping/>
   </p:clrMapOvr>
+  <p:timing>
+    <p:tnLst>
+      <p:par>
+        <p:cTn id="1" dur="indefinite" restart="never" nodeType="tmRoot"/>
+      </p:par>
+    </p:tnLst>
+  </p:timing>
 </p:sldLayout>
 </file>
 
@@ -5348,9 +5361,12 @@
 <p:sldMaster xmlns:a="http://schemas.openxmlformats.org/drawingml/2006/main" xmlns:r="http://schemas.openxmlformats.org/officeDocument/2006/relationships" xmlns:p="http://schemas.openxmlformats.org/presentationml/2006/main">
   <p:cSld>
     <p:bg>
-      <p:bgRef idx="1001">
-        <a:schemeClr val="bg1"/>
-      </p:bgRef>
+      <p:bgPr>
+        <a:solidFill>
+          <a:srgbClr val="0589E8"/>
+        </a:solidFill>
+        <a:effectLst/>
+      </p:bgPr>
     </p:bg>
     <p:spTree>
       <p:nvGrpSpPr>
@@ -5497,7 +5513,7 @@
             <a:fld id="{465E5954-C325-41FF-8307-C2ABF66F88AC}" type="datetimeFigureOut">
               <a:rPr lang="de-DE" smtClean="0"/>
               <a:pPr/>
-              <a:t>12.05.2018</a:t>
+              <a:t>04.03.2019</a:t>
             </a:fld>
             <a:endParaRPr lang="de-DE"/>
           </a:p>
@@ -5585,7 +5601,7 @@
     </p:spTree>
     <p:extLst>
       <p:ext uri="{BB962C8B-B14F-4D97-AF65-F5344CB8AC3E}">
-        <p14:creationId xmlns:p14="http://schemas.microsoft.com/office/powerpoint/2010/main" xmlns="" val="154728123"/>
+        <p14:creationId xmlns:p14="http://schemas.microsoft.com/office/powerpoint/2010/main" val="154728123"/>
       </p:ext>
     </p:extLst>
   </p:cSld>
@@ -5867,9 +5883,12 @@
 <p:sldMaster xmlns:a="http://schemas.openxmlformats.org/drawingml/2006/main" xmlns:r="http://schemas.openxmlformats.org/officeDocument/2006/relationships" xmlns:p="http://schemas.openxmlformats.org/presentationml/2006/main" preserve="1">
   <p:cSld>
     <p:bg>
-      <p:bgRef idx="1001">
-        <a:schemeClr val="bg1"/>
-      </p:bgRef>
+      <p:bgPr>
+        <a:solidFill>
+          <a:srgbClr val="0589E8"/>
+        </a:solidFill>
+        <a:effectLst/>
+      </p:bgPr>
     </p:bg>
     <p:spTree>
       <p:nvGrpSpPr>
@@ -6016,7 +6035,7 @@
             <a:fld id="{BA3302DC-27B2-41BB-AAD9-1F7041790541}" type="datetimeFigureOut">
               <a:rPr lang="de-DE" smtClean="0"/>
               <a:pPr/>
-              <a:t>12.05.2018</a:t>
+              <a:t>04.03.2019</a:t>
             </a:fld>
             <a:endParaRPr lang="de-DE"/>
           </a:p>
@@ -6104,7 +6123,7 @@
     </p:spTree>
     <p:extLst>
       <p:ext uri="{BB962C8B-B14F-4D97-AF65-F5344CB8AC3E}">
-        <p14:creationId xmlns:p14="http://schemas.microsoft.com/office/powerpoint/2010/main" xmlns="" val="3388046774"/>
+        <p14:creationId xmlns:p14="http://schemas.microsoft.com/office/powerpoint/2010/main" val="3388046774"/>
       </p:ext>
     </p:extLst>
   </p:cSld>
@@ -6122,6 +6141,13 @@
     <p:sldLayoutId id="2147483670" r:id="rId10"/>
     <p:sldLayoutId id="2147483671" r:id="rId11"/>
   </p:sldLayoutIdLst>
+  <p:timing>
+    <p:tnLst>
+      <p:par>
+        <p:cTn id="1" dur="indefinite" restart="never" nodeType="tmRoot"/>
+      </p:par>
+    </p:tnLst>
+  </p:timing>
   <p:txStyles>
     <p:titleStyle>
       <a:lvl1pPr algn="ctr" defTabSz="914400" rtl="0" eaLnBrk="1" latinLnBrk="0" hangingPunct="1">
@@ -6376,136 +6402,6 @@
 </file>
 
 <file path=ppt/slides/slide1.xml><?xml version="1.0" encoding="utf-8"?>
-<p:sld xmlns:a="http://schemas.openxmlformats.org/drawingml/2006/main" xmlns:r="http://schemas.openxmlformats.org/officeDocument/2006/relationships" xmlns:p="http://schemas.openxmlformats.org/presentationml/2006/main" showMasterSp="0">
-  <p:cSld>
-    <p:spTree>
-      <p:nvGrpSpPr>
-        <p:cNvPr id="1" name=""/>
-        <p:cNvGrpSpPr/>
-        <p:nvPr/>
-      </p:nvGrpSpPr>
-      <p:grpSpPr>
-        <a:xfrm>
-          <a:off x="0" y="0"/>
-          <a:ext cx="0" cy="0"/>
-          <a:chOff x="0" y="0"/>
-          <a:chExt cx="0" cy="0"/>
-        </a:xfrm>
-      </p:grpSpPr>
-      <p:sp>
-        <p:nvSpPr>
-          <p:cNvPr id="2" name="Title 1"/>
-          <p:cNvSpPr>
-            <a:spLocks noGrp="1"/>
-          </p:cNvSpPr>
-          <p:nvPr>
-            <p:ph type="ctrTitle"/>
-          </p:nvPr>
-        </p:nvSpPr>
-        <p:spPr/>
-        <p:txBody>
-          <a:bodyPr>
-            <a:normAutofit/>
-            <a:scene3d>
-              <a:camera prst="orthographicFront"/>
-              <a:lightRig rig="brightRoom" dir="t"/>
-            </a:scene3d>
-            <a:sp3d contourW="6350" prstMaterial="plastic">
-              <a:bevelT w="20320" h="20320" prst="angle"/>
-              <a:contourClr>
-                <a:schemeClr val="accent1">
-                  <a:tint val="100000"/>
-                  <a:shade val="100000"/>
-                  <a:hueMod val="100000"/>
-                  <a:satMod val="100000"/>
-                </a:schemeClr>
-              </a:contourClr>
-            </a:sp3d>
-          </a:bodyPr>
-          <a:lstStyle/>
-          <a:p>
-            <a:r>
-              <a:rPr lang="en-US" sz="5400" b="1" cap="all" dirty="0" smtClean="0">
-                <a:ln/>
-                <a:solidFill>
-                  <a:schemeClr val="accent1"/>
-                </a:solidFill>
-                <a:effectLst>
-                  <a:outerShdw blurRad="19685" dist="12700" dir="5400000" algn="tl" rotWithShape="0">
-                    <a:schemeClr val="accent1">
-                      <a:satMod val="130000"/>
-                      <a:alpha val="60000"/>
-                    </a:schemeClr>
-                  </a:outerShdw>
-                  <a:reflection blurRad="10000" stA="55000" endPos="48000" dist="500" dir="5400000" sy="-100000" algn="bl" rotWithShape="0"/>
-                </a:effectLst>
-              </a:rPr>
-              <a:t>Dobrich Services</a:t>
-            </a:r>
-            <a:endParaRPr lang="de-DE" sz="5400" b="1" cap="all" dirty="0">
-              <a:ln/>
-              <a:solidFill>
-                <a:schemeClr val="accent1"/>
-              </a:solidFill>
-              <a:effectLst>
-                <a:outerShdw blurRad="19685" dist="12700" dir="5400000" algn="tl" rotWithShape="0">
-                  <a:schemeClr val="accent1">
-                    <a:satMod val="130000"/>
-                    <a:alpha val="60000"/>
-                  </a:schemeClr>
-                </a:outerShdw>
-                <a:reflection blurRad="10000" stA="55000" endPos="48000" dist="500" dir="5400000" sy="-100000" algn="bl" rotWithShape="0"/>
-              </a:effectLst>
-            </a:endParaRPr>
-          </a:p>
-        </p:txBody>
-      </p:sp>
-      <p:sp>
-        <p:nvSpPr>
-          <p:cNvPr id="3" name="Subtitle 2"/>
-          <p:cNvSpPr>
-            <a:spLocks noGrp="1"/>
-          </p:cNvSpPr>
-          <p:nvPr>
-            <p:ph type="subTitle" idx="1"/>
-          </p:nvPr>
-        </p:nvSpPr>
-        <p:spPr/>
-        <p:txBody>
-          <a:bodyPr>
-            <a:normAutofit/>
-          </a:bodyPr>
-          <a:lstStyle/>
-          <a:p>
-            <a:r>
-              <a:rPr lang="bg-BG" sz="2400" dirty="0" smtClean="0"/>
-              <a:t>автори: Траян Райковски и Мартин Попов</a:t>
-            </a:r>
-            <a:endParaRPr lang="de-DE" sz="2400" dirty="0"/>
-          </a:p>
-        </p:txBody>
-      </p:sp>
-    </p:spTree>
-    <p:extLst>
-      <p:ext uri="{BB962C8B-B14F-4D97-AF65-F5344CB8AC3E}">
-        <p14:creationId xmlns:p14="http://schemas.microsoft.com/office/powerpoint/2010/main" xmlns="" val="656877563"/>
-      </p:ext>
-    </p:extLst>
-  </p:cSld>
-  <p:clrMapOvr>
-    <a:masterClrMapping/>
-  </p:clrMapOvr>
-  <p:timing>
-    <p:tnLst>
-      <p:par>
-        <p:cTn id="1" dur="indefinite" restart="never" nodeType="tmRoot"/>
-      </p:par>
-    </p:tnLst>
-  </p:timing>
-</p:sld>
-</file>
-
-<file path=ppt/slides/slide10.xml><?xml version="1.0" encoding="utf-8"?>
 <p:sld xmlns:a="http://schemas.openxmlformats.org/drawingml/2006/main" xmlns:r="http://schemas.openxmlformats.org/officeDocument/2006/relationships" xmlns:p="http://schemas.openxmlformats.org/presentationml/2006/main">
   <p:cSld>
     <p:spTree>
@@ -6522,43 +6418,76 @@
           <a:chExt cx="0" cy="0"/>
         </a:xfrm>
       </p:grpSpPr>
+      <p:sp>
+        <p:nvSpPr>
+          <p:cNvPr id="3" name="Subtitle 2"/>
+          <p:cNvSpPr>
+            <a:spLocks noGrp="1"/>
+          </p:cNvSpPr>
+          <p:nvPr>
+            <p:ph type="subTitle" idx="1"/>
+          </p:nvPr>
+        </p:nvSpPr>
+        <p:spPr/>
+        <p:txBody>
+          <a:bodyPr>
+            <a:normAutofit/>
+          </a:bodyPr>
+          <a:lstStyle/>
+          <a:p>
+            <a:r>
+              <a:rPr lang="bg-BG" sz="2400" dirty="0" smtClean="0">
+                <a:solidFill>
+                  <a:schemeClr val="bg1"/>
+                </a:solidFill>
+              </a:rPr>
+              <a:t>автори: Траян Райковски и Мартин Попов</a:t>
+            </a:r>
+            <a:endParaRPr lang="de-DE" sz="2400" dirty="0">
+              <a:solidFill>
+                <a:schemeClr val="bg1"/>
+              </a:solidFill>
+            </a:endParaRPr>
+          </a:p>
+        </p:txBody>
+      </p:sp>
       <p:pic>
         <p:nvPicPr>
-          <p:cNvPr id="1026" name="Picture 2"/>
+          <p:cNvPr id="4" name="Picture 3"/>
           <p:cNvPicPr>
-            <a:picLocks noChangeAspect="1" noChangeArrowheads="1"/>
+            <a:picLocks noChangeAspect="1"/>
           </p:cNvPicPr>
           <p:nvPr/>
         </p:nvPicPr>
         <p:blipFill>
-          <a:blip r:embed="rId2" cstate="print"/>
-          <a:srcRect/>
+          <a:blip r:embed="rId2">
+            <a:extLst>
+              <a:ext uri="{28A0092B-C50C-407E-A947-70E740481C1C}">
+                <a14:useLocalDpi xmlns:a14="http://schemas.microsoft.com/office/drawing/2010/main" val="0"/>
+              </a:ext>
+            </a:extLst>
+          </a:blip>
           <a:stretch>
             <a:fillRect/>
           </a:stretch>
         </p:blipFill>
-        <p:spPr bwMode="auto">
+        <p:spPr>
           <a:xfrm>
-            <a:off x="304801" y="1143000"/>
-            <a:ext cx="8591669" cy="5289740"/>
+            <a:off x="2104629" y="2064327"/>
+            <a:ext cx="4934742" cy="1821873"/>
           </a:xfrm>
           <a:prstGeom prst="rect">
             <a:avLst/>
           </a:prstGeom>
-          <a:noFill/>
-          <a:ln w="9525">
-            <a:noFill/>
-            <a:miter lim="800000"/>
-            <a:headEnd/>
-            <a:tailEnd/>
-          </a:ln>
-          <a:effectLst/>
+          <a:solidFill>
+            <a:srgbClr val="0589E8"/>
+          </a:solidFill>
         </p:spPr>
       </p:pic>
     </p:spTree>
     <p:extLst>
       <p:ext uri="{BB962C8B-B14F-4D97-AF65-F5344CB8AC3E}">
-        <p14:creationId xmlns:p14="http://schemas.microsoft.com/office/powerpoint/2010/main" xmlns="" val="103671861"/>
+        <p14:creationId xmlns:p14="http://schemas.microsoft.com/office/powerpoint/2010/main" val="656877563"/>
       </p:ext>
     </p:extLst>
   </p:cSld>
@@ -6578,14 +6507,6 @@
 <file path=ppt/slides/slide2.xml><?xml version="1.0" encoding="utf-8"?>
 <p:sld xmlns:a="http://schemas.openxmlformats.org/drawingml/2006/main" xmlns:r="http://schemas.openxmlformats.org/officeDocument/2006/relationships" xmlns:p="http://schemas.openxmlformats.org/presentationml/2006/main">
   <p:cSld>
-    <p:bg>
-      <p:bgPr>
-        <a:solidFill>
-          <a:schemeClr val="bg1"/>
-        </a:solidFill>
-        <a:effectLst/>
-      </p:bgPr>
-    </p:bg>
     <p:spTree>
       <p:nvGrpSpPr>
         <p:cNvPr id="1" name=""/>
@@ -6612,7 +6533,7 @@
         </p:nvSpPr>
         <p:spPr>
           <a:xfrm>
-            <a:off x="457200" y="762000"/>
+            <a:off x="457200" y="381000"/>
             <a:ext cx="8229600" cy="1143000"/>
           </a:xfrm>
         </p:spPr>
@@ -6633,7 +6554,7 @@
                   <a:prstDash val="solid"/>
                 </a:ln>
                 <a:solidFill>
-                  <a:srgbClr val="00B050"/>
+                  <a:srgbClr val="00C853"/>
                 </a:solidFill>
                 <a:effectLst>
                   <a:reflection blurRad="12700" stA="28000" endPos="45000" dist="1000" dir="5400000" sy="-100000" algn="bl" rotWithShape="0"/>
@@ -6652,7 +6573,7 @@
                 <a:prstDash val="solid"/>
               </a:ln>
               <a:solidFill>
-                <a:srgbClr val="00B050"/>
+                <a:srgbClr val="00C853"/>
               </a:solidFill>
               <a:effectLst>
                 <a:reflection blurRad="12700" stA="28000" endPos="45000" dist="1000" dir="5400000" sy="-100000" algn="bl" rotWithShape="0"/>
@@ -6673,7 +6594,7 @@
         </p:nvSpPr>
         <p:spPr>
           <a:xfrm>
-            <a:off x="457200" y="1981200"/>
+            <a:off x="457200" y="1752600"/>
             <a:ext cx="8229600" cy="4525963"/>
           </a:xfrm>
         </p:spPr>
@@ -6689,14 +6610,34 @@
               </a:buClr>
             </a:pPr>
             <a:r>
-              <a:rPr lang="bg-BG" sz="2800" dirty="0"/>
+              <a:rPr lang="bg-BG" sz="2800" dirty="0">
+                <a:solidFill>
+                  <a:schemeClr val="bg1"/>
+                </a:solidFill>
+              </a:rPr>
               <a:t>у</a:t>
             </a:r>
             <a:r>
-              <a:rPr lang="bg-BG" sz="2800" dirty="0" smtClean="0"/>
-              <a:t>лесняване на записването на часове по електронен път</a:t>
-            </a:r>
-            <a:endParaRPr lang="bg-BG" sz="2800" dirty="0"/>
+              <a:rPr lang="bg-BG" sz="2800" dirty="0" smtClean="0">
+                <a:solidFill>
+                  <a:schemeClr val="bg1"/>
+                </a:solidFill>
+              </a:rPr>
+              <a:t>лесняване на </a:t>
+            </a:r>
+            <a:r>
+              <a:rPr lang="bg-BG" sz="2800" dirty="0" smtClean="0">
+                <a:solidFill>
+                  <a:schemeClr val="bg1"/>
+                </a:solidFill>
+              </a:rPr>
+              <a:t>организирането на учебната програма</a:t>
+            </a:r>
+            <a:endParaRPr lang="bg-BG" sz="2800" dirty="0">
+              <a:solidFill>
+                <a:schemeClr val="bg1"/>
+              </a:solidFill>
+            </a:endParaRPr>
           </a:p>
           <a:p>
             <a:pPr>
@@ -6705,12 +6646,12 @@
               </a:buClr>
             </a:pPr>
             <a:r>
-              <a:rPr lang="bg-BG" sz="2800" dirty="0"/>
-              <a:t>п</a:t>
-            </a:r>
-            <a:r>
-              <a:rPr lang="bg-BG" sz="2800" dirty="0" smtClean="0"/>
-              <a:t>ремахването на хартиените тефтерчата и замяната им с таблица, достъпна в интернет пространството</a:t>
+              <a:rPr lang="bg-BG" sz="2800" dirty="0" smtClean="0">
+                <a:solidFill>
+                  <a:schemeClr val="bg1"/>
+                </a:solidFill>
+              </a:rPr>
+              <a:t>график с тестове и контролни и лесното им следене</a:t>
             </a:r>
           </a:p>
           <a:p>
@@ -6720,16 +6661,25 @@
               </a:buClr>
             </a:pPr>
             <a:r>
-              <a:rPr lang="bg-BG" sz="2800" dirty="0" smtClean="0"/>
-              <a:t>иновация в начина на взаимодействие между клиенти и хора, които предлагат услугите си</a:t>
-            </a:r>
+              <a:rPr lang="bg-BG" sz="2800" dirty="0" smtClean="0">
+                <a:solidFill>
+                  <a:schemeClr val="bg1"/>
+                </a:solidFill>
+              </a:rPr>
+              <a:t>място за въвеждане на оценки и удобното им организиране</a:t>
+            </a:r>
+            <a:endParaRPr lang="bg-BG" sz="2800" dirty="0" smtClean="0">
+              <a:solidFill>
+                <a:schemeClr val="bg1"/>
+              </a:solidFill>
+            </a:endParaRPr>
           </a:p>
         </p:txBody>
       </p:sp>
     </p:spTree>
     <p:extLst>
       <p:ext uri="{BB962C8B-B14F-4D97-AF65-F5344CB8AC3E}">
-        <p14:creationId xmlns:p14="http://schemas.microsoft.com/office/powerpoint/2010/main" xmlns="" val="470546804"/>
+        <p14:creationId xmlns:p14="http://schemas.microsoft.com/office/powerpoint/2010/main" val="470546804"/>
       </p:ext>
     </p:extLst>
   </p:cSld>
@@ -6775,7 +6725,7 @@
         </p:nvSpPr>
         <p:spPr>
           <a:xfrm>
-            <a:off x="457200" y="762000"/>
+            <a:off x="457200" y="381000"/>
             <a:ext cx="8229600" cy="1143000"/>
           </a:xfrm>
         </p:spPr>
@@ -6796,7 +6746,7 @@
                   <a:prstDash val="solid"/>
                 </a:ln>
                 <a:solidFill>
-                  <a:srgbClr val="00B050"/>
+                  <a:srgbClr val="00C853"/>
                 </a:solidFill>
                 <a:effectLst>
                   <a:reflection blurRad="12700" stA="28000" endPos="45000" dist="1000" dir="5400000" sy="-100000" algn="bl" rotWithShape="0"/>
@@ -6815,7 +6765,7 @@
                 <a:prstDash val="solid"/>
               </a:ln>
               <a:solidFill>
-                <a:srgbClr val="00B050"/>
+                <a:srgbClr val="00C853"/>
               </a:solidFill>
               <a:effectLst>
                 <a:reflection blurRad="12700" stA="28000" endPos="45000" dist="1000" dir="5400000" sy="-100000" algn="bl" rotWithShape="0"/>
@@ -6836,7 +6786,7 @@
         </p:nvSpPr>
         <p:spPr>
           <a:xfrm>
-            <a:off x="457200" y="1981200"/>
+            <a:off x="457200" y="1752600"/>
             <a:ext cx="8229600" cy="4525963"/>
           </a:xfrm>
         </p:spPr>
@@ -6852,7 +6802,11 @@
               </a:buClr>
             </a:pPr>
             <a:r>
-              <a:rPr lang="bg-BG" dirty="0" smtClean="0"/>
+              <a:rPr lang="bg-BG" dirty="0" smtClean="0">
+                <a:solidFill>
+                  <a:schemeClr val="bg1"/>
+                </a:solidFill>
+              </a:rPr>
               <a:t>измисляне на водеща идея</a:t>
             </a:r>
           </a:p>
@@ -6863,8 +6817,20 @@
               </a:buClr>
             </a:pPr>
             <a:r>
-              <a:rPr lang="bg-BG" dirty="0" smtClean="0"/>
-              <a:t>отделяне на време за изучаване и практикуване на нови технологии</a:t>
+              <a:rPr lang="bg-BG" dirty="0" smtClean="0">
+                <a:solidFill>
+                  <a:schemeClr val="bg1"/>
+                </a:solidFill>
+              </a:rPr>
+              <a:t>отделяне на време за изучаване и практикуване на нови </a:t>
+            </a:r>
+            <a:r>
+              <a:rPr lang="bg-BG" dirty="0" smtClean="0">
+                <a:solidFill>
+                  <a:schemeClr val="bg1"/>
+                </a:solidFill>
+              </a:rPr>
+              <a:t>технологии</a:t>
             </a:r>
           </a:p>
           <a:p>
@@ -6874,9 +6840,18 @@
               </a:buClr>
             </a:pPr>
             <a:r>
-              <a:rPr lang="bg-BG" dirty="0" smtClean="0"/>
-              <a:t>измисляне на прост и функционален дизайн</a:t>
-            </a:r>
+              <a:rPr lang="bg-BG" dirty="0" smtClean="0">
+                <a:solidFill>
+                  <a:schemeClr val="bg1"/>
+                </a:solidFill>
+              </a:rPr>
+              <a:t>измисляне на мобилен и десктоп дизайн</a:t>
+            </a:r>
+            <a:endParaRPr lang="bg-BG" dirty="0">
+              <a:solidFill>
+                <a:schemeClr val="bg1"/>
+              </a:solidFill>
+            </a:endParaRPr>
           </a:p>
           <a:p>
             <a:pPr>
@@ -6885,24 +6860,33 @@
               </a:buClr>
             </a:pPr>
             <a:r>
-              <a:rPr lang="bg-BG" dirty="0" smtClean="0"/>
-              <a:t>изготвяне на план, съдържащ структурата на цялата страница</a:t>
-            </a:r>
-          </a:p>
-          <a:p>
-            <a:pPr>
+              <a:rPr lang="bg-BG" dirty="0" smtClean="0">
+                <a:solidFill>
+                  <a:schemeClr val="bg1"/>
+                </a:solidFill>
+              </a:rPr>
+              <a:t>изготвяне на план за действие</a:t>
+            </a:r>
+          </a:p>
+          <a:p>
+            <a:pPr marL="0" indent="0">
               <a:buClr>
                 <a:srgbClr val="0070C0"/>
               </a:buClr>
+              <a:buNone/>
             </a:pPr>
-            <a:endParaRPr lang="bg-BG" sz="2400" dirty="0" smtClean="0"/>
+            <a:endParaRPr lang="bg-BG" sz="2400" dirty="0" smtClean="0">
+              <a:solidFill>
+                <a:schemeClr val="bg1"/>
+              </a:solidFill>
+            </a:endParaRPr>
           </a:p>
         </p:txBody>
       </p:sp>
     </p:spTree>
     <p:extLst>
       <p:ext uri="{BB962C8B-B14F-4D97-AF65-F5344CB8AC3E}">
-        <p14:creationId xmlns:p14="http://schemas.microsoft.com/office/powerpoint/2010/main" xmlns="" val="4012929670"/>
+        <p14:creationId xmlns:p14="http://schemas.microsoft.com/office/powerpoint/2010/main" val="4012929670"/>
       </p:ext>
     </p:extLst>
   </p:cSld>
@@ -6936,9 +6920,70 @@
           <a:chExt cx="0" cy="0"/>
         </a:xfrm>
       </p:grpSpPr>
+      <p:sp>
+        <p:nvSpPr>
+          <p:cNvPr id="6" name="Title 5"/>
+          <p:cNvSpPr>
+            <a:spLocks noGrp="1"/>
+          </p:cNvSpPr>
+          <p:nvPr>
+            <p:ph type="title"/>
+          </p:nvPr>
+        </p:nvSpPr>
+        <p:spPr>
+          <a:xfrm>
+            <a:off x="457200" y="444132"/>
+            <a:ext cx="8229600" cy="1143000"/>
+          </a:xfrm>
+        </p:spPr>
+        <p:txBody>
+          <a:bodyPr/>
+          <a:lstStyle/>
+          <a:p>
+            <a:pPr algn="l"/>
+            <a:r>
+              <a:rPr lang="bg-BG" b="1" dirty="0" smtClean="0">
+                <a:ln w="9000" cmpd="sng">
+                  <a:solidFill>
+                    <a:schemeClr val="accent4">
+                      <a:shade val="50000"/>
+                      <a:satMod val="120000"/>
+                    </a:schemeClr>
+                  </a:solidFill>
+                  <a:prstDash val="solid"/>
+                </a:ln>
+                <a:solidFill>
+                  <a:srgbClr val="00C853"/>
+                </a:solidFill>
+                <a:effectLst>
+                  <a:reflection blurRad="12700" stA="28000" endPos="45000" dist="1000" dir="5400000" sy="-100000" algn="bl" rotWithShape="0"/>
+                </a:effectLst>
+              </a:rPr>
+              <a:t>Реализация на идеята</a:t>
+            </a:r>
+            <a:endParaRPr lang="de-DE" b="1" dirty="0">
+              <a:ln w="9000" cmpd="sng">
+                <a:solidFill>
+                  <a:schemeClr val="accent4">
+                    <a:shade val="50000"/>
+                    <a:satMod val="120000"/>
+                  </a:schemeClr>
+                </a:solidFill>
+                <a:prstDash val="solid"/>
+              </a:ln>
+              <a:solidFill>
+                <a:srgbClr val="00C853"/>
+              </a:solidFill>
+              <a:effectLst>
+                <a:reflection blurRad="12700" stA="28000" endPos="45000" dist="1000" dir="5400000" sy="-100000" algn="bl" rotWithShape="0"/>
+              </a:effectLst>
+            </a:endParaRPr>
+          </a:p>
+        </p:txBody>
+      </p:sp>
       <p:pic>
         <p:nvPicPr>
-          <p:cNvPr id="7" name="Picture 6"/>
+          <p:cNvPr id="4" name="Picture 3"/>
           <p:cNvPicPr>
             <a:picLocks noChangeAspect="1"/>
           </p:cNvPicPr>
@@ -6948,7 +6993,7 @@
           <a:blip r:embed="rId2" cstate="print">
             <a:extLst>
               <a:ext uri="{28A0092B-C50C-407E-A947-70E740481C1C}">
-                <a14:useLocalDpi xmlns:a14="http://schemas.microsoft.com/office/drawing/2010/main" xmlns="" val="0"/>
+                <a14:useLocalDpi xmlns:a14="http://schemas.microsoft.com/office/drawing/2010/main" val="0"/>
               </a:ext>
             </a:extLst>
           </a:blip>
@@ -6958,8 +7003,68 @@
         </p:blipFill>
         <p:spPr>
           <a:xfrm>
-            <a:off x="6648450" y="3789156"/>
-            <a:ext cx="2095500" cy="1285875"/>
+            <a:off x="4491425" y="1914610"/>
+            <a:ext cx="4495800" cy="2665792"/>
+          </a:xfrm>
+          <a:prstGeom prst="rect">
+            <a:avLst/>
+          </a:prstGeom>
+        </p:spPr>
+      </p:pic>
+      <p:pic>
+        <p:nvPicPr>
+          <p:cNvPr id="3" name="Picture 2"/>
+          <p:cNvPicPr>
+            <a:picLocks noChangeAspect="1"/>
+          </p:cNvPicPr>
+          <p:nvPr/>
+        </p:nvPicPr>
+        <p:blipFill>
+          <a:blip r:embed="rId3">
+            <a:extLst>
+              <a:ext uri="{28A0092B-C50C-407E-A947-70E740481C1C}">
+                <a14:useLocalDpi xmlns:a14="http://schemas.microsoft.com/office/drawing/2010/main" val="0"/>
+              </a:ext>
+            </a:extLst>
+          </a:blip>
+          <a:stretch>
+            <a:fillRect/>
+          </a:stretch>
+        </p:blipFill>
+        <p:spPr>
+          <a:xfrm>
+            <a:off x="457200" y="1905000"/>
+            <a:ext cx="2895600" cy="2685012"/>
+          </a:xfrm>
+          <a:prstGeom prst="rect">
+            <a:avLst/>
+          </a:prstGeom>
+        </p:spPr>
+      </p:pic>
+      <p:pic>
+        <p:nvPicPr>
+          <p:cNvPr id="5" name="Picture 4"/>
+          <p:cNvPicPr>
+            <a:picLocks noChangeAspect="1"/>
+          </p:cNvPicPr>
+          <p:nvPr/>
+        </p:nvPicPr>
+        <p:blipFill>
+          <a:blip r:embed="rId4" cstate="print">
+            <a:extLst>
+              <a:ext uri="{28A0092B-C50C-407E-A947-70E740481C1C}">
+                <a14:useLocalDpi xmlns:a14="http://schemas.microsoft.com/office/drawing/2010/main" val="0"/>
+              </a:ext>
+            </a:extLst>
+          </a:blip>
+          <a:stretch>
+            <a:fillRect/>
+          </a:stretch>
+        </p:blipFill>
+        <p:spPr>
+          <a:xfrm>
+            <a:off x="4517858" y="4624648"/>
+            <a:ext cx="4442934" cy="1760718"/>
           </a:xfrm>
           <a:prstGeom prst="rect">
             <a:avLst/>
@@ -6975,10 +7080,10 @@
           <p:nvPr/>
         </p:nvPicPr>
         <p:blipFill>
-          <a:blip r:embed="rId3" cstate="print">
+          <a:blip r:embed="rId5">
             <a:extLst>
               <a:ext uri="{28A0092B-C50C-407E-A947-70E740481C1C}">
-                <a14:useLocalDpi xmlns:a14="http://schemas.microsoft.com/office/drawing/2010/main" xmlns="" val="0"/>
+                <a14:useLocalDpi xmlns:a14="http://schemas.microsoft.com/office/drawing/2010/main" val="0"/>
               </a:ext>
             </a:extLst>
           </a:blip>
@@ -6988,242 +7093,56 @@
         </p:blipFill>
         <p:spPr>
           <a:xfrm>
-            <a:off x="4572000" y="2094439"/>
-            <a:ext cx="2667000" cy="1581402"/>
+            <a:off x="0" y="4813849"/>
+            <a:ext cx="3676650" cy="1838325"/>
           </a:xfrm>
           <a:prstGeom prst="rect">
             <a:avLst/>
           </a:prstGeom>
         </p:spPr>
       </p:pic>
-      <p:pic>
-        <p:nvPicPr>
-          <p:cNvPr id="9" name="Picture 8"/>
-          <p:cNvPicPr>
-            <a:picLocks noChangeAspect="1"/>
-          </p:cNvPicPr>
+      <p:sp>
+        <p:nvSpPr>
+          <p:cNvPr id="9" name="TextBox 8"/>
+          <p:cNvSpPr txBox="1"/>
           <p:nvPr/>
-        </p:nvPicPr>
-        <p:blipFill>
-          <a:blip r:embed="rId4" cstate="print">
-            <a:extLst>
-              <a:ext uri="{28A0092B-C50C-407E-A947-70E740481C1C}">
-                <a14:useLocalDpi xmlns:a14="http://schemas.microsoft.com/office/drawing/2010/main" xmlns="" val="0"/>
-              </a:ext>
-            </a:extLst>
-          </a:blip>
-          <a:stretch>
-            <a:fillRect/>
-          </a:stretch>
-        </p:blipFill>
+        </p:nvSpPr>
         <p:spPr>
           <a:xfrm>
-            <a:off x="1963323" y="3555117"/>
-            <a:ext cx="3743706" cy="1247902"/>
-          </a:xfrm>
-          <a:prstGeom prst="rect">
-            <a:avLst/>
-          </a:prstGeom>
-        </p:spPr>
-      </p:pic>
-      <p:pic>
-        <p:nvPicPr>
-          <p:cNvPr id="10" name="Picture 9"/>
-          <p:cNvPicPr>
-            <a:picLocks noChangeAspect="1"/>
-          </p:cNvPicPr>
-          <p:nvPr/>
-        </p:nvPicPr>
-        <p:blipFill>
-          <a:blip r:embed="rId5" cstate="print">
-            <a:extLst>
-              <a:ext uri="{28A0092B-C50C-407E-A947-70E740481C1C}">
-                <a14:useLocalDpi xmlns:a14="http://schemas.microsoft.com/office/drawing/2010/main" xmlns="" val="0"/>
-              </a:ext>
-            </a:extLst>
-          </a:blip>
-          <a:stretch>
-            <a:fillRect/>
-          </a:stretch>
-        </p:blipFill>
-        <p:spPr>
-          <a:xfrm>
-            <a:off x="263851" y="2266015"/>
-            <a:ext cx="2857500" cy="1238250"/>
-          </a:xfrm>
-          <a:prstGeom prst="rect">
-            <a:avLst/>
-          </a:prstGeom>
-        </p:spPr>
-      </p:pic>
-      <p:pic>
-        <p:nvPicPr>
-          <p:cNvPr id="4098" name="Picture 2" descr="C:\Users\Lion\Desktop\red-line-512.gif"/>
-          <p:cNvPicPr>
-            <a:picLocks noChangeAspect="1" noChangeArrowheads="1"/>
-          </p:cNvPicPr>
-          <p:nvPr/>
-        </p:nvPicPr>
-        <p:blipFill>
-          <a:blip r:embed="rId6" cstate="print">
-            <a:extLst>
-              <a:ext uri="{28A0092B-C50C-407E-A947-70E740481C1C}">
-                <a14:useLocalDpi xmlns:a14="http://schemas.microsoft.com/office/drawing/2010/main" xmlns="" val="0"/>
-              </a:ext>
-            </a:extLst>
-          </a:blip>
-          <a:srcRect/>
-          <a:stretch>
-            <a:fillRect/>
-          </a:stretch>
-        </p:blipFill>
-        <p:spPr bwMode="auto">
-          <a:xfrm>
-            <a:off x="3107496" y="3458063"/>
-            <a:ext cx="1635954" cy="1635954"/>
+            <a:off x="7086600" y="2416508"/>
+            <a:ext cx="443608" cy="830997"/>
           </a:xfrm>
           <a:prstGeom prst="rect">
             <a:avLst/>
           </a:prstGeom>
           <a:noFill/>
-          <a:extLst>
-            <a:ext uri="{909E8E84-426E-40DD-AFC4-6F175D3DCCD1}">
-              <a14:hiddenFill xmlns:a14="http://schemas.microsoft.com/office/drawing/2010/main" xmlns="">
+        </p:spPr>
+        <p:txBody>
+          <a:bodyPr wrap="square" rtlCol="0">
+            <a:spAutoFit/>
+          </a:bodyPr>
+          <a:lstStyle/>
+          <a:p>
+            <a:r>
+              <a:rPr lang="en-US" sz="4800" b="1" dirty="0" smtClean="0">
                 <a:solidFill>
-                  <a:srgbClr val="FFFFFF"/>
+                  <a:schemeClr val="bg1"/>
                 </a:solidFill>
-              </a14:hiddenFill>
-            </a:ext>
-          </a:extLst>
-        </p:spPr>
-      </p:pic>
-      <p:pic>
-        <p:nvPicPr>
-          <p:cNvPr id="12" name="Picture 2" descr="C:\Users\Lion\Desktop\red-line-512.gif"/>
-          <p:cNvPicPr>
-            <a:picLocks noChangeAspect="1" noChangeArrowheads="1"/>
-          </p:cNvPicPr>
-          <p:nvPr/>
-        </p:nvPicPr>
-        <p:blipFill>
-          <a:blip r:embed="rId6" cstate="print">
-            <a:extLst>
-              <a:ext uri="{28A0092B-C50C-407E-A947-70E740481C1C}">
-                <a14:useLocalDpi xmlns:a14="http://schemas.microsoft.com/office/drawing/2010/main" xmlns="" val="0"/>
-              </a:ext>
-            </a:extLst>
-          </a:blip>
-          <a:srcRect/>
-          <a:stretch>
-            <a:fillRect/>
-          </a:stretch>
-        </p:blipFill>
-        <p:spPr bwMode="auto">
-          <a:xfrm rot="5400000">
-            <a:off x="3107496" y="3458063"/>
-            <a:ext cx="1635954" cy="1635954"/>
-          </a:xfrm>
-          <a:prstGeom prst="rect">
-            <a:avLst/>
-          </a:prstGeom>
-          <a:noFill/>
-          <a:extLst>
-            <a:ext uri="{909E8E84-426E-40DD-AFC4-6F175D3DCCD1}">
-              <a14:hiddenFill xmlns:a14="http://schemas.microsoft.com/office/drawing/2010/main" xmlns="">
-                <a:solidFill>
-                  <a:srgbClr val="FFFFFF"/>
-                </a:solidFill>
-              </a14:hiddenFill>
-            </a:ext>
-          </a:extLst>
-        </p:spPr>
-      </p:pic>
-      <p:pic>
-        <p:nvPicPr>
-          <p:cNvPr id="13" name="Picture 2" descr="C:\Users\Lion\Desktop\red-line-512.gif"/>
-          <p:cNvPicPr>
-            <a:picLocks noChangeAspect="1" noChangeArrowheads="1"/>
-          </p:cNvPicPr>
-          <p:nvPr/>
-        </p:nvPicPr>
-        <p:blipFill>
-          <a:blip r:embed="rId6" cstate="print">
-            <a:extLst>
-              <a:ext uri="{28A0092B-C50C-407E-A947-70E740481C1C}">
-                <a14:useLocalDpi xmlns:a14="http://schemas.microsoft.com/office/drawing/2010/main" xmlns="" val="0"/>
-              </a:ext>
-            </a:extLst>
-          </a:blip>
-          <a:srcRect/>
-          <a:stretch>
-            <a:fillRect/>
-          </a:stretch>
-        </p:blipFill>
-        <p:spPr bwMode="auto">
-          <a:xfrm>
-            <a:off x="6878223" y="3439077"/>
-            <a:ext cx="1635954" cy="1635954"/>
-          </a:xfrm>
-          <a:prstGeom prst="rect">
-            <a:avLst/>
-          </a:prstGeom>
-          <a:noFill/>
-          <a:extLst>
-            <a:ext uri="{909E8E84-426E-40DD-AFC4-6F175D3DCCD1}">
-              <a14:hiddenFill xmlns:a14="http://schemas.microsoft.com/office/drawing/2010/main" xmlns="">
-                <a:solidFill>
-                  <a:srgbClr val="FFFFFF"/>
-                </a:solidFill>
-              </a14:hiddenFill>
-            </a:ext>
-          </a:extLst>
-        </p:spPr>
-      </p:pic>
-      <p:pic>
-        <p:nvPicPr>
-          <p:cNvPr id="14" name="Picture 2" descr="C:\Users\Lion\Desktop\red-line-512.gif"/>
-          <p:cNvPicPr>
-            <a:picLocks noChangeAspect="1" noChangeArrowheads="1"/>
-          </p:cNvPicPr>
-          <p:nvPr/>
-        </p:nvPicPr>
-        <p:blipFill>
-          <a:blip r:embed="rId6" cstate="print">
-            <a:extLst>
-              <a:ext uri="{28A0092B-C50C-407E-A947-70E740481C1C}">
-                <a14:useLocalDpi xmlns:a14="http://schemas.microsoft.com/office/drawing/2010/main" xmlns="" val="0"/>
-              </a:ext>
-            </a:extLst>
-          </a:blip>
-          <a:srcRect/>
-          <a:stretch>
-            <a:fillRect/>
-          </a:stretch>
-        </p:blipFill>
-        <p:spPr bwMode="auto">
-          <a:xfrm rot="5400000">
-            <a:off x="6878223" y="3439077"/>
-            <a:ext cx="1635954" cy="1635954"/>
-          </a:xfrm>
-          <a:prstGeom prst="rect">
-            <a:avLst/>
-          </a:prstGeom>
-          <a:noFill/>
-          <a:extLst>
-            <a:ext uri="{909E8E84-426E-40DD-AFC4-6F175D3DCCD1}">
-              <a14:hiddenFill xmlns:a14="http://schemas.microsoft.com/office/drawing/2010/main" xmlns="">
-                <a:solidFill>
-                  <a:srgbClr val="FFFFFF"/>
-                </a:solidFill>
-              </a14:hiddenFill>
-            </a:ext>
-          </a:extLst>
-        </p:spPr>
-      </p:pic>
+              </a:rPr>
+              <a:t>7</a:t>
+            </a:r>
+            <a:endParaRPr lang="en-US" sz="4800" b="1" dirty="0">
+              <a:solidFill>
+                <a:schemeClr val="bg1"/>
+              </a:solidFill>
+            </a:endParaRPr>
+          </a:p>
+        </p:txBody>
+      </p:sp>
     </p:spTree>
     <p:extLst>
       <p:ext uri="{BB962C8B-B14F-4D97-AF65-F5344CB8AC3E}">
-        <p14:creationId xmlns:p14="http://schemas.microsoft.com/office/powerpoint/2010/main" xmlns="" val="3768736238"/>
+        <p14:creationId xmlns:p14="http://schemas.microsoft.com/office/powerpoint/2010/main" val="1242382202"/>
       </p:ext>
     </p:extLst>
   </p:cSld>
@@ -7233,206 +7152,7 @@
   <p:timing>
     <p:tnLst>
       <p:par>
-        <p:cTn id="1" dur="indefinite" restart="never" nodeType="tmRoot">
-          <p:childTnLst>
-            <p:seq concurrent="1" nextAc="seek">
-              <p:cTn id="2" dur="indefinite" nodeType="mainSeq">
-                <p:childTnLst>
-                  <p:par>
-                    <p:cTn id="3" fill="hold">
-                      <p:stCondLst>
-                        <p:cond delay="indefinite"/>
-                      </p:stCondLst>
-                      <p:childTnLst>
-                        <p:par>
-                          <p:cTn id="4" fill="hold">
-                            <p:stCondLst>
-                              <p:cond delay="0"/>
-                            </p:stCondLst>
-                            <p:childTnLst>
-                              <p:par>
-                                <p:cTn id="5" presetID="10" presetClass="entr" presetSubtype="0" fill="hold" nodeType="clickEffect">
-                                  <p:stCondLst>
-                                    <p:cond delay="0"/>
-                                  </p:stCondLst>
-                                  <p:childTnLst>
-                                    <p:set>
-                                      <p:cBhvr>
-                                        <p:cTn id="6" dur="1" fill="hold">
-                                          <p:stCondLst>
-                                            <p:cond delay="0"/>
-                                          </p:stCondLst>
-                                        </p:cTn>
-                                        <p:tgtEl>
-                                          <p:spTgt spid="12"/>
-                                        </p:tgtEl>
-                                        <p:attrNameLst>
-                                          <p:attrName>style.visibility</p:attrName>
-                                        </p:attrNameLst>
-                                      </p:cBhvr>
-                                      <p:to>
-                                        <p:strVal val="visible"/>
-                                      </p:to>
-                                    </p:set>
-                                    <p:animEffect transition="in" filter="fade">
-                                      <p:cBhvr>
-                                        <p:cTn id="7" dur="500"/>
-                                        <p:tgtEl>
-                                          <p:spTgt spid="12"/>
-                                        </p:tgtEl>
-                                      </p:cBhvr>
-                                    </p:animEffect>
-                                  </p:childTnLst>
-                                </p:cTn>
-                              </p:par>
-                              <p:par>
-                                <p:cTn id="8" presetID="10" presetClass="entr" presetSubtype="0" fill="hold" nodeType="withEffect">
-                                  <p:stCondLst>
-                                    <p:cond delay="0"/>
-                                  </p:stCondLst>
-                                  <p:childTnLst>
-                                    <p:set>
-                                      <p:cBhvr>
-                                        <p:cTn id="9" dur="1" fill="hold">
-                                          <p:stCondLst>
-                                            <p:cond delay="0"/>
-                                          </p:stCondLst>
-                                        </p:cTn>
-                                        <p:tgtEl>
-                                          <p:spTgt spid="4098"/>
-                                        </p:tgtEl>
-                                        <p:attrNameLst>
-                                          <p:attrName>style.visibility</p:attrName>
-                                        </p:attrNameLst>
-                                      </p:cBhvr>
-                                      <p:to>
-                                        <p:strVal val="visible"/>
-                                      </p:to>
-                                    </p:set>
-                                    <p:animEffect transition="in" filter="fade">
-                                      <p:cBhvr>
-                                        <p:cTn id="10" dur="500"/>
-                                        <p:tgtEl>
-                                          <p:spTgt spid="4098"/>
-                                        </p:tgtEl>
-                                      </p:cBhvr>
-                                    </p:animEffect>
-                                  </p:childTnLst>
-                                </p:cTn>
-                              </p:par>
-                            </p:childTnLst>
-                          </p:cTn>
-                        </p:par>
-                      </p:childTnLst>
-                    </p:cTn>
-                  </p:par>
-                  <p:par>
-                    <p:cTn id="11" fill="hold">
-                      <p:stCondLst>
-                        <p:cond delay="indefinite"/>
-                      </p:stCondLst>
-                      <p:childTnLst>
-                        <p:par>
-                          <p:cTn id="12" fill="hold">
-                            <p:stCondLst>
-                              <p:cond delay="0"/>
-                            </p:stCondLst>
-                            <p:childTnLst>
-                              <p:par>
-                                <p:cTn id="13" presetID="10" presetClass="entr" presetSubtype="0" fill="hold" nodeType="clickEffect">
-                                  <p:stCondLst>
-                                    <p:cond delay="0"/>
-                                  </p:stCondLst>
-                                  <p:childTnLst>
-                                    <p:set>
-                                      <p:cBhvr>
-                                        <p:cTn id="14" dur="1" fill="hold">
-                                          <p:stCondLst>
-                                            <p:cond delay="0"/>
-                                          </p:stCondLst>
-                                        </p:cTn>
-                                        <p:tgtEl>
-                                          <p:spTgt spid="13"/>
-                                        </p:tgtEl>
-                                        <p:attrNameLst>
-                                          <p:attrName>style.visibility</p:attrName>
-                                        </p:attrNameLst>
-                                      </p:cBhvr>
-                                      <p:to>
-                                        <p:strVal val="visible"/>
-                                      </p:to>
-                                    </p:set>
-                                    <p:animEffect transition="in" filter="fade">
-                                      <p:cBhvr>
-                                        <p:cTn id="15" dur="500"/>
-                                        <p:tgtEl>
-                                          <p:spTgt spid="13"/>
-                                        </p:tgtEl>
-                                      </p:cBhvr>
-                                    </p:animEffect>
-                                  </p:childTnLst>
-                                </p:cTn>
-                              </p:par>
-                              <p:par>
-                                <p:cTn id="16" presetID="10" presetClass="entr" presetSubtype="0" fill="hold" nodeType="withEffect">
-                                  <p:stCondLst>
-                                    <p:cond delay="0"/>
-                                  </p:stCondLst>
-                                  <p:childTnLst>
-                                    <p:set>
-                                      <p:cBhvr>
-                                        <p:cTn id="17" dur="1" fill="hold">
-                                          <p:stCondLst>
-                                            <p:cond delay="0"/>
-                                          </p:stCondLst>
-                                        </p:cTn>
-                                        <p:tgtEl>
-                                          <p:spTgt spid="14"/>
-                                        </p:tgtEl>
-                                        <p:attrNameLst>
-                                          <p:attrName>style.visibility</p:attrName>
-                                        </p:attrNameLst>
-                                      </p:cBhvr>
-                                      <p:to>
-                                        <p:strVal val="visible"/>
-                                      </p:to>
-                                    </p:set>
-                                    <p:animEffect transition="in" filter="fade">
-                                      <p:cBhvr>
-                                        <p:cTn id="18" dur="500"/>
-                                        <p:tgtEl>
-                                          <p:spTgt spid="14"/>
-                                        </p:tgtEl>
-                                      </p:cBhvr>
-                                    </p:animEffect>
-                                  </p:childTnLst>
-                                </p:cTn>
-                              </p:par>
-                            </p:childTnLst>
-                          </p:cTn>
-                        </p:par>
-                      </p:childTnLst>
-                    </p:cTn>
-                  </p:par>
-                </p:childTnLst>
-              </p:cTn>
-              <p:prevCondLst>
-                <p:cond evt="onPrev" delay="0">
-                  <p:tgtEl>
-                    <p:sldTgt/>
-                  </p:tgtEl>
-                </p:cond>
-              </p:prevCondLst>
-              <p:nextCondLst>
-                <p:cond evt="onNext" delay="0">
-                  <p:tgtEl>
-                    <p:sldTgt/>
-                  </p:tgtEl>
-                </p:cond>
-              </p:nextCondLst>
-            </p:seq>
-          </p:childTnLst>
-        </p:cTn>
+        <p:cTn id="1" dur="indefinite" restart="never" nodeType="tmRoot"/>
       </p:par>
     </p:tnLst>
   </p:timing>
@@ -7456,185 +7176,10 @@
           <a:chExt cx="0" cy="0"/>
         </a:xfrm>
       </p:grpSpPr>
-      <p:sp>
-        <p:nvSpPr>
-          <p:cNvPr id="6" name="Title 5"/>
-          <p:cNvSpPr>
-            <a:spLocks noGrp="1"/>
-          </p:cNvSpPr>
-          <p:nvPr>
-            <p:ph type="title"/>
-          </p:nvPr>
-        </p:nvSpPr>
-        <p:spPr>
-          <a:xfrm>
-            <a:off x="457200" y="762000"/>
-            <a:ext cx="8229600" cy="1143000"/>
-          </a:xfrm>
-        </p:spPr>
-        <p:txBody>
-          <a:bodyPr/>
-          <a:lstStyle/>
-          <a:p>
-            <a:pPr algn="l"/>
-            <a:r>
-              <a:rPr lang="bg-BG" b="1" dirty="0" smtClean="0">
-                <a:ln w="9000" cmpd="sng">
-                  <a:solidFill>
-                    <a:schemeClr val="accent4">
-                      <a:shade val="50000"/>
-                      <a:satMod val="120000"/>
-                    </a:schemeClr>
-                  </a:solidFill>
-                  <a:prstDash val="solid"/>
-                </a:ln>
-                <a:solidFill>
-                  <a:srgbClr val="00B050"/>
-                </a:solidFill>
-                <a:effectLst>
-                  <a:reflection blurRad="12700" stA="28000" endPos="45000" dist="1000" dir="5400000" sy="-100000" algn="bl" rotWithShape="0"/>
-                </a:effectLst>
-              </a:rPr>
-              <a:t>Реализация на идеята</a:t>
-            </a:r>
-            <a:endParaRPr lang="de-DE" b="1" dirty="0">
-              <a:ln w="9000" cmpd="sng">
-                <a:solidFill>
-                  <a:schemeClr val="accent4">
-                    <a:shade val="50000"/>
-                    <a:satMod val="120000"/>
-                  </a:schemeClr>
-                </a:solidFill>
-                <a:prstDash val="solid"/>
-              </a:ln>
-              <a:solidFill>
-                <a:srgbClr val="00B050"/>
-              </a:solidFill>
-              <a:effectLst>
-                <a:reflection blurRad="12700" stA="28000" endPos="45000" dist="1000" dir="5400000" sy="-100000" algn="bl" rotWithShape="0"/>
-              </a:effectLst>
-            </a:endParaRPr>
-          </a:p>
-        </p:txBody>
-      </p:sp>
-      <p:pic>
-        <p:nvPicPr>
-          <p:cNvPr id="4" name="Picture 3"/>
-          <p:cNvPicPr>
-            <a:picLocks noChangeAspect="1"/>
-          </p:cNvPicPr>
-          <p:nvPr/>
-        </p:nvPicPr>
-        <p:blipFill>
-          <a:blip r:embed="rId2" cstate="print">
-            <a:extLst>
-              <a:ext uri="{28A0092B-C50C-407E-A947-70E740481C1C}">
-                <a14:useLocalDpi xmlns:a14="http://schemas.microsoft.com/office/drawing/2010/main" xmlns="" val="0"/>
-              </a:ext>
-            </a:extLst>
-          </a:blip>
-          <a:stretch>
-            <a:fillRect/>
-          </a:stretch>
-        </p:blipFill>
-        <p:spPr>
-          <a:xfrm>
-            <a:off x="3048000" y="2883485"/>
-            <a:ext cx="2667000" cy="1581402"/>
-          </a:xfrm>
-          <a:prstGeom prst="rect">
-            <a:avLst/>
-          </a:prstGeom>
-        </p:spPr>
-      </p:pic>
-      <p:pic>
-        <p:nvPicPr>
-          <p:cNvPr id="2050" name="Picture 2"/>
-          <p:cNvPicPr>
-            <a:picLocks noChangeAspect="1" noChangeArrowheads="1"/>
-          </p:cNvPicPr>
-          <p:nvPr/>
-        </p:nvPicPr>
-        <p:blipFill>
-          <a:blip r:embed="rId3" cstate="print">
-            <a:extLst>
-              <a:ext uri="{28A0092B-C50C-407E-A947-70E740481C1C}">
-                <a14:useLocalDpi xmlns:a14="http://schemas.microsoft.com/office/drawing/2010/main" xmlns="" val="0"/>
-              </a:ext>
-            </a:extLst>
-          </a:blip>
-          <a:srcRect/>
-          <a:stretch>
-            <a:fillRect/>
-          </a:stretch>
-        </p:blipFill>
-        <p:spPr bwMode="auto">
-          <a:xfrm>
-            <a:off x="5943600" y="2826327"/>
-            <a:ext cx="2667000" cy="1695718"/>
-          </a:xfrm>
-          <a:prstGeom prst="rect">
-            <a:avLst/>
-          </a:prstGeom>
-          <a:noFill/>
-          <a:ln>
-            <a:noFill/>
-          </a:ln>
-          <a:extLst>
-            <a:ext uri="{909E8E84-426E-40DD-AFC4-6F175D3DCCD1}">
-              <a14:hiddenFill xmlns:a14="http://schemas.microsoft.com/office/drawing/2010/main" xmlns="">
-                <a:solidFill>
-                  <a:schemeClr val="accent1"/>
-                </a:solidFill>
-              </a14:hiddenFill>
-            </a:ext>
-            <a:ext uri="{91240B29-F687-4F45-9708-019B960494DF}">
-              <a14:hiddenLine xmlns:a14="http://schemas.microsoft.com/office/drawing/2010/main" xmlns="" w="9525">
-                <a:solidFill>
-                  <a:schemeClr val="tx1"/>
-                </a:solidFill>
-                <a:miter lim="800000"/>
-                <a:headEnd/>
-                <a:tailEnd/>
-              </a14:hiddenLine>
-            </a:ext>
-          </a:extLst>
-        </p:spPr>
-      </p:pic>
-      <p:pic>
-        <p:nvPicPr>
-          <p:cNvPr id="7" name="Picture 6"/>
-          <p:cNvPicPr>
-            <a:picLocks noChangeAspect="1"/>
-          </p:cNvPicPr>
-          <p:nvPr/>
-        </p:nvPicPr>
-        <p:blipFill>
-          <a:blip r:embed="rId4" cstate="print">
-            <a:extLst>
-              <a:ext uri="{28A0092B-C50C-407E-A947-70E740481C1C}">
-                <a14:useLocalDpi xmlns:a14="http://schemas.microsoft.com/office/drawing/2010/main" xmlns="" val="0"/>
-              </a:ext>
-            </a:extLst>
-          </a:blip>
-          <a:stretch>
-            <a:fillRect/>
-          </a:stretch>
-        </p:blipFill>
-        <p:spPr>
-          <a:xfrm>
-            <a:off x="381000" y="3055061"/>
-            <a:ext cx="2857500" cy="1238250"/>
-          </a:xfrm>
-          <a:prstGeom prst="rect">
-            <a:avLst/>
-          </a:prstGeom>
-        </p:spPr>
-      </p:pic>
     </p:spTree>
     <p:extLst>
       <p:ext uri="{BB962C8B-B14F-4D97-AF65-F5344CB8AC3E}">
-        <p14:creationId xmlns:p14="http://schemas.microsoft.com/office/powerpoint/2010/main" xmlns="" val="1242382202"/>
+        <p14:creationId xmlns:p14="http://schemas.microsoft.com/office/powerpoint/2010/main" val="1206945115"/>
       </p:ext>
     </p:extLst>
   </p:cSld>
@@ -7680,7 +7225,7 @@
         </p:nvSpPr>
         <p:spPr>
           <a:xfrm>
-            <a:off x="457200" y="762000"/>
+            <a:off x="457200" y="381000"/>
             <a:ext cx="8229600" cy="1143000"/>
           </a:xfrm>
         </p:spPr>
@@ -7701,7 +7246,7 @@
                   <a:prstDash val="solid"/>
                 </a:ln>
                 <a:solidFill>
-                  <a:srgbClr val="00B050"/>
+                  <a:srgbClr val="00C853"/>
                 </a:solidFill>
                 <a:effectLst>
                   <a:reflection blurRad="12700" stA="28000" endPos="45000" dist="1000" dir="5400000" sy="-100000" algn="bl" rotWithShape="0"/>
@@ -7720,7 +7265,7 @@
                 <a:prstDash val="solid"/>
               </a:ln>
               <a:solidFill>
-                <a:srgbClr val="00B050"/>
+                <a:srgbClr val="00C853"/>
               </a:solidFill>
               <a:effectLst>
                 <a:reflection blurRad="12700" stA="28000" endPos="45000" dist="1000" dir="5400000" sy="-100000" algn="bl" rotWithShape="0"/>
@@ -7731,7 +7276,7 @@
       </p:sp>
       <p:pic>
         <p:nvPicPr>
-          <p:cNvPr id="4" name="Picture 3"/>
+          <p:cNvPr id="8" name="Picture 7"/>
           <p:cNvPicPr>
             <a:picLocks noChangeAspect="1"/>
           </p:cNvPicPr>
@@ -7741,7 +7286,7 @@
           <a:blip r:embed="rId2" cstate="print">
             <a:extLst>
               <a:ext uri="{28A0092B-C50C-407E-A947-70E740481C1C}">
-                <a14:useLocalDpi xmlns:a14="http://schemas.microsoft.com/office/drawing/2010/main" xmlns="" val="0"/>
+                <a14:useLocalDpi xmlns:a14="http://schemas.microsoft.com/office/drawing/2010/main" val="0"/>
               </a:ext>
             </a:extLst>
           </a:blip>
@@ -7751,8 +7296,76 @@
         </p:blipFill>
         <p:spPr>
           <a:xfrm>
-            <a:off x="762000" y="2236641"/>
-            <a:ext cx="7950319" cy="2716359"/>
+            <a:off x="4156364" y="1219200"/>
+            <a:ext cx="4495800" cy="2665792"/>
+          </a:xfrm>
+          <a:prstGeom prst="rect">
+            <a:avLst/>
+          </a:prstGeom>
+        </p:spPr>
+      </p:pic>
+      <p:sp>
+        <p:nvSpPr>
+          <p:cNvPr id="4" name="TextBox 3"/>
+          <p:cNvSpPr txBox="1"/>
+          <p:nvPr/>
+        </p:nvSpPr>
+        <p:spPr>
+          <a:xfrm>
+            <a:off x="4911002" y="3592604"/>
+            <a:ext cx="2986523" cy="584775"/>
+          </a:xfrm>
+          <a:prstGeom prst="rect">
+            <a:avLst/>
+          </a:prstGeom>
+          <a:noFill/>
+        </p:spPr>
+        <p:txBody>
+          <a:bodyPr wrap="square" rtlCol="0">
+            <a:spAutoFit/>
+          </a:bodyPr>
+          <a:lstStyle/>
+          <a:p>
+            <a:r>
+              <a:rPr lang="en-US" sz="3200" dirty="0" smtClean="0">
+                <a:solidFill>
+                  <a:schemeClr val="bg1"/>
+                </a:solidFill>
+              </a:rPr>
+              <a:t>Angular Material</a:t>
+            </a:r>
+            <a:endParaRPr lang="en-US" sz="3200" dirty="0">
+              <a:solidFill>
+                <a:schemeClr val="bg1"/>
+              </a:solidFill>
+            </a:endParaRPr>
+          </a:p>
+        </p:txBody>
+      </p:sp>
+      <p:pic>
+        <p:nvPicPr>
+          <p:cNvPr id="5" name="Picture 4"/>
+          <p:cNvPicPr>
+            <a:picLocks noChangeAspect="1"/>
+          </p:cNvPicPr>
+          <p:nvPr/>
+        </p:nvPicPr>
+        <p:blipFill>
+          <a:blip r:embed="rId3">
+            <a:extLst>
+              <a:ext uri="{28A0092B-C50C-407E-A947-70E740481C1C}">
+                <a14:useLocalDpi xmlns:a14="http://schemas.microsoft.com/office/drawing/2010/main" val="0"/>
+              </a:ext>
+            </a:extLst>
+          </a:blip>
+          <a:stretch>
+            <a:fillRect/>
+          </a:stretch>
+        </p:blipFill>
+        <p:spPr>
+          <a:xfrm>
+            <a:off x="-609600" y="1413834"/>
+            <a:ext cx="6392174" cy="2516997"/>
           </a:xfrm>
           <a:prstGeom prst="rect">
             <a:avLst/>
@@ -7762,7 +7375,7 @@
     </p:spTree>
     <p:extLst>
       <p:ext uri="{BB962C8B-B14F-4D97-AF65-F5344CB8AC3E}">
-        <p14:creationId xmlns:p14="http://schemas.microsoft.com/office/powerpoint/2010/main" xmlns="" val="1242382202"/>
+        <p14:creationId xmlns:p14="http://schemas.microsoft.com/office/powerpoint/2010/main" val="1915065326"/>
       </p:ext>
     </p:extLst>
   </p:cSld>
@@ -7808,7 +7421,7 @@
         </p:nvSpPr>
         <p:spPr>
           <a:xfrm>
-            <a:off x="457200" y="762000"/>
+            <a:off x="457200" y="381000"/>
             <a:ext cx="8229600" cy="1143000"/>
           </a:xfrm>
         </p:spPr>
@@ -7829,7 +7442,7 @@
                   <a:prstDash val="solid"/>
                 </a:ln>
                 <a:solidFill>
-                  <a:srgbClr val="00B050"/>
+                  <a:srgbClr val="00C853"/>
                 </a:solidFill>
                 <a:effectLst>
                   <a:reflection blurRad="12700" stA="28000" endPos="45000" dist="1000" dir="5400000" sy="-100000" algn="bl" rotWithShape="0"/>
@@ -7848,7 +7461,7 @@
                 <a:prstDash val="solid"/>
               </a:ln>
               <a:solidFill>
-                <a:srgbClr val="00B050"/>
+                <a:srgbClr val="00C853"/>
               </a:solidFill>
               <a:effectLst>
                 <a:reflection blurRad="12700" stA="28000" endPos="45000" dist="1000" dir="5400000" sy="-100000" algn="bl" rotWithShape="0"/>
@@ -7857,373 +7470,10 @@
           </a:p>
         </p:txBody>
       </p:sp>
-      <p:pic>
-        <p:nvPicPr>
-          <p:cNvPr id="2" name="Picture 1"/>
-          <p:cNvPicPr>
-            <a:picLocks noChangeAspect="1"/>
-          </p:cNvPicPr>
-          <p:nvPr/>
-        </p:nvPicPr>
-        <p:blipFill>
-          <a:blip r:embed="rId2" cstate="print">
-            <a:extLst>
-              <a:ext uri="{28A0092B-C50C-407E-A947-70E740481C1C}">
-                <a14:useLocalDpi xmlns:a14="http://schemas.microsoft.com/office/drawing/2010/main" xmlns="" val="0"/>
-              </a:ext>
-            </a:extLst>
-          </a:blip>
-          <a:stretch>
-            <a:fillRect/>
-          </a:stretch>
-        </p:blipFill>
-        <p:spPr>
-          <a:xfrm>
-            <a:off x="533400" y="2133600"/>
-            <a:ext cx="1828800" cy="1828800"/>
-          </a:xfrm>
-          <a:prstGeom prst="rect">
-            <a:avLst/>
-          </a:prstGeom>
-        </p:spPr>
-      </p:pic>
-      <p:pic>
-        <p:nvPicPr>
-          <p:cNvPr id="3" name="Picture 2"/>
-          <p:cNvPicPr>
-            <a:picLocks noChangeAspect="1"/>
-          </p:cNvPicPr>
-          <p:nvPr/>
-        </p:nvPicPr>
-        <p:blipFill>
-          <a:blip r:embed="rId3" cstate="print">
-            <a:extLst>
-              <a:ext uri="{28A0092B-C50C-407E-A947-70E740481C1C}">
-                <a14:useLocalDpi xmlns:a14="http://schemas.microsoft.com/office/drawing/2010/main" xmlns="" val="0"/>
-              </a:ext>
-            </a:extLst>
-          </a:blip>
-          <a:stretch>
-            <a:fillRect/>
-          </a:stretch>
-        </p:blipFill>
-        <p:spPr>
-          <a:xfrm>
-            <a:off x="2175164" y="3962400"/>
-            <a:ext cx="2057400" cy="2057400"/>
-          </a:xfrm>
-          <a:prstGeom prst="rect">
-            <a:avLst/>
-          </a:prstGeom>
-        </p:spPr>
-      </p:pic>
-      <p:pic>
-        <p:nvPicPr>
-          <p:cNvPr id="4" name="Picture 3"/>
-          <p:cNvPicPr>
-            <a:picLocks noChangeAspect="1"/>
-          </p:cNvPicPr>
-          <p:nvPr/>
-        </p:nvPicPr>
-        <p:blipFill>
-          <a:blip r:embed="rId4" cstate="print">
-            <a:extLst>
-              <a:ext uri="{28A0092B-C50C-407E-A947-70E740481C1C}">
-                <a14:useLocalDpi xmlns:a14="http://schemas.microsoft.com/office/drawing/2010/main" xmlns="" val="0"/>
-              </a:ext>
-            </a:extLst>
-          </a:blip>
-          <a:stretch>
-            <a:fillRect/>
-          </a:stretch>
-        </p:blipFill>
-        <p:spPr>
-          <a:xfrm>
-            <a:off x="4267200" y="2247900"/>
-            <a:ext cx="1600200" cy="1600200"/>
-          </a:xfrm>
-          <a:prstGeom prst="rect">
-            <a:avLst/>
-          </a:prstGeom>
-        </p:spPr>
-      </p:pic>
-      <p:pic>
-        <p:nvPicPr>
-          <p:cNvPr id="8" name="Picture 7"/>
-          <p:cNvPicPr>
-            <a:picLocks noChangeAspect="1"/>
-          </p:cNvPicPr>
-          <p:nvPr/>
-        </p:nvPicPr>
-        <p:blipFill>
-          <a:blip r:embed="rId5" cstate="print">
-            <a:extLst>
-              <a:ext uri="{28A0092B-C50C-407E-A947-70E740481C1C}">
-                <a14:useLocalDpi xmlns:a14="http://schemas.microsoft.com/office/drawing/2010/main" xmlns="" val="0"/>
-              </a:ext>
-            </a:extLst>
-          </a:blip>
-          <a:stretch>
-            <a:fillRect/>
-          </a:stretch>
-        </p:blipFill>
-        <p:spPr>
-          <a:xfrm>
-            <a:off x="6289964" y="4114800"/>
-            <a:ext cx="1941848" cy="1752600"/>
-          </a:xfrm>
-          <a:prstGeom prst="rect">
-            <a:avLst/>
-          </a:prstGeom>
-        </p:spPr>
-      </p:pic>
     </p:spTree>
     <p:extLst>
       <p:ext uri="{BB962C8B-B14F-4D97-AF65-F5344CB8AC3E}">
-        <p14:creationId xmlns:p14="http://schemas.microsoft.com/office/powerpoint/2010/main" xmlns="" val="1242382202"/>
-      </p:ext>
-    </p:extLst>
-  </p:cSld>
-  <p:clrMapOvr>
-    <a:masterClrMapping/>
-  </p:clrMapOvr>
-  <p:timing>
-    <p:tnLst>
-      <p:par>
-        <p:cTn id="1" dur="indefinite" restart="never" nodeType="tmRoot"/>
-      </p:par>
-    </p:tnLst>
-  </p:timing>
-</p:sld>
-</file>
-
-<file path=ppt/slides/slide8.xml><?xml version="1.0" encoding="utf-8"?>
-<p:sld xmlns:a="http://schemas.openxmlformats.org/drawingml/2006/main" xmlns:r="http://schemas.openxmlformats.org/officeDocument/2006/relationships" xmlns:p="http://schemas.openxmlformats.org/presentationml/2006/main">
-  <p:cSld>
-    <p:spTree>
-      <p:nvGrpSpPr>
-        <p:cNvPr id="1" name=""/>
-        <p:cNvGrpSpPr/>
-        <p:nvPr/>
-      </p:nvGrpSpPr>
-      <p:grpSpPr>
-        <a:xfrm>
-          <a:off x="0" y="0"/>
-          <a:ext cx="0" cy="0"/>
-          <a:chOff x="0" y="0"/>
-          <a:chExt cx="0" cy="0"/>
-        </a:xfrm>
-      </p:grpSpPr>
-      <p:sp>
-        <p:nvSpPr>
-          <p:cNvPr id="6" name="Title 5"/>
-          <p:cNvSpPr>
-            <a:spLocks noGrp="1"/>
-          </p:cNvSpPr>
-          <p:nvPr>
-            <p:ph type="title"/>
-          </p:nvPr>
-        </p:nvSpPr>
-        <p:spPr>
-          <a:xfrm>
-            <a:off x="457200" y="762000"/>
-            <a:ext cx="8229600" cy="1143000"/>
-          </a:xfrm>
-        </p:spPr>
-        <p:txBody>
-          <a:bodyPr/>
-          <a:lstStyle/>
-          <a:p>
-            <a:pPr algn="l"/>
-            <a:r>
-              <a:rPr lang="bg-BG" b="1" dirty="0" smtClean="0">
-                <a:ln w="9000" cmpd="sng">
-                  <a:solidFill>
-                    <a:schemeClr val="accent4">
-                      <a:shade val="50000"/>
-                      <a:satMod val="120000"/>
-                    </a:schemeClr>
-                  </a:solidFill>
-                  <a:prstDash val="solid"/>
-                </a:ln>
-                <a:solidFill>
-                  <a:srgbClr val="00B050"/>
-                </a:solidFill>
-                <a:effectLst>
-                  <a:reflection blurRad="12700" stA="28000" endPos="45000" dist="1000" dir="5400000" sy="-100000" algn="bl" rotWithShape="0"/>
-                </a:effectLst>
-              </a:rPr>
-              <a:t>Снимки от сайта</a:t>
-            </a:r>
-            <a:endParaRPr lang="de-DE" b="1" dirty="0">
-              <a:ln w="9000" cmpd="sng">
-                <a:solidFill>
-                  <a:schemeClr val="accent4">
-                    <a:shade val="50000"/>
-                    <a:satMod val="120000"/>
-                  </a:schemeClr>
-                </a:solidFill>
-                <a:prstDash val="solid"/>
-              </a:ln>
-              <a:solidFill>
-                <a:srgbClr val="00B050"/>
-              </a:solidFill>
-              <a:effectLst>
-                <a:reflection blurRad="12700" stA="28000" endPos="45000" dist="1000" dir="5400000" sy="-100000" algn="bl" rotWithShape="0"/>
-              </a:effectLst>
-            </a:endParaRPr>
-          </a:p>
-        </p:txBody>
-      </p:sp>
-      <p:pic>
-        <p:nvPicPr>
-          <p:cNvPr id="2056" name="Picture 8"/>
-          <p:cNvPicPr>
-            <a:picLocks noChangeAspect="1" noChangeArrowheads="1"/>
-          </p:cNvPicPr>
-          <p:nvPr/>
-        </p:nvPicPr>
-        <p:blipFill>
-          <a:blip r:embed="rId2" cstate="print">
-            <a:extLst>
-              <a:ext uri="{28A0092B-C50C-407E-A947-70E740481C1C}">
-                <a14:useLocalDpi xmlns:a14="http://schemas.microsoft.com/office/drawing/2010/main" xmlns="" val="0"/>
-              </a:ext>
-            </a:extLst>
-          </a:blip>
-          <a:srcRect/>
-          <a:stretch>
-            <a:fillRect/>
-          </a:stretch>
-        </p:blipFill>
-        <p:spPr bwMode="auto">
-          <a:xfrm>
-            <a:off x="152400" y="2015836"/>
-            <a:ext cx="8751823" cy="3943350"/>
-          </a:xfrm>
-          <a:prstGeom prst="rect">
-            <a:avLst/>
-          </a:prstGeom>
-          <a:noFill/>
-          <a:ln>
-            <a:noFill/>
-          </a:ln>
-          <a:extLst>
-            <a:ext uri="{909E8E84-426E-40DD-AFC4-6F175D3DCCD1}">
-              <a14:hiddenFill xmlns:a14="http://schemas.microsoft.com/office/drawing/2010/main" xmlns="">
-                <a:solidFill>
-                  <a:schemeClr val="accent1"/>
-                </a:solidFill>
-              </a14:hiddenFill>
-            </a:ext>
-            <a:ext uri="{91240B29-F687-4F45-9708-019B960494DF}">
-              <a14:hiddenLine xmlns:a14="http://schemas.microsoft.com/office/drawing/2010/main" xmlns="" w="9525">
-                <a:solidFill>
-                  <a:schemeClr val="tx1"/>
-                </a:solidFill>
-                <a:miter lim="800000"/>
-                <a:headEnd/>
-                <a:tailEnd/>
-              </a14:hiddenLine>
-            </a:ext>
-          </a:extLst>
-        </p:spPr>
-      </p:pic>
-    </p:spTree>
-    <p:extLst>
-      <p:ext uri="{BB962C8B-B14F-4D97-AF65-F5344CB8AC3E}">
-        <p14:creationId xmlns:p14="http://schemas.microsoft.com/office/powerpoint/2010/main" xmlns="" val="103671861"/>
-      </p:ext>
-    </p:extLst>
-  </p:cSld>
-  <p:clrMapOvr>
-    <a:masterClrMapping/>
-  </p:clrMapOvr>
-  <p:timing>
-    <p:tnLst>
-      <p:par>
-        <p:cTn id="1" dur="indefinite" restart="never" nodeType="tmRoot"/>
-      </p:par>
-    </p:tnLst>
-  </p:timing>
-</p:sld>
-</file>
-
-<file path=ppt/slides/slide9.xml><?xml version="1.0" encoding="utf-8"?>
-<p:sld xmlns:a="http://schemas.openxmlformats.org/drawingml/2006/main" xmlns:r="http://schemas.openxmlformats.org/officeDocument/2006/relationships" xmlns:p="http://schemas.openxmlformats.org/presentationml/2006/main">
-  <p:cSld>
-    <p:spTree>
-      <p:nvGrpSpPr>
-        <p:cNvPr id="1" name=""/>
-        <p:cNvGrpSpPr/>
-        <p:nvPr/>
-      </p:nvGrpSpPr>
-      <p:grpSpPr>
-        <a:xfrm>
-          <a:off x="0" y="0"/>
-          <a:ext cx="0" cy="0"/>
-          <a:chOff x="0" y="0"/>
-          <a:chExt cx="0" cy="0"/>
-        </a:xfrm>
-      </p:grpSpPr>
-      <p:pic>
-        <p:nvPicPr>
-          <p:cNvPr id="2050" name="Picture 2"/>
-          <p:cNvPicPr>
-            <a:picLocks noChangeAspect="1" noChangeArrowheads="1"/>
-          </p:cNvPicPr>
-          <p:nvPr/>
-        </p:nvPicPr>
-        <p:blipFill>
-          <a:blip r:embed="rId2" cstate="print">
-            <a:extLst>
-              <a:ext uri="{28A0092B-C50C-407E-A947-70E740481C1C}">
-                <a14:useLocalDpi xmlns:a14="http://schemas.microsoft.com/office/drawing/2010/main" xmlns="" val="0"/>
-              </a:ext>
-            </a:extLst>
-          </a:blip>
-          <a:srcRect/>
-          <a:stretch>
-            <a:fillRect/>
-          </a:stretch>
-        </p:blipFill>
-        <p:spPr bwMode="auto">
-          <a:xfrm>
-            <a:off x="152400" y="1066800"/>
-            <a:ext cx="8827127" cy="5172075"/>
-          </a:xfrm>
-          <a:prstGeom prst="rect">
-            <a:avLst/>
-          </a:prstGeom>
-          <a:noFill/>
-          <a:ln>
-            <a:noFill/>
-          </a:ln>
-          <a:extLst>
-            <a:ext uri="{909E8E84-426E-40DD-AFC4-6F175D3DCCD1}">
-              <a14:hiddenFill xmlns:a14="http://schemas.microsoft.com/office/drawing/2010/main" xmlns="">
-                <a:solidFill>
-                  <a:schemeClr val="accent1"/>
-                </a:solidFill>
-              </a14:hiddenFill>
-            </a:ext>
-            <a:ext uri="{91240B29-F687-4F45-9708-019B960494DF}">
-              <a14:hiddenLine xmlns:a14="http://schemas.microsoft.com/office/drawing/2010/main" xmlns="" w="9525">
-                <a:solidFill>
-                  <a:schemeClr val="tx1"/>
-                </a:solidFill>
-                <a:miter lim="800000"/>
-                <a:headEnd/>
-                <a:tailEnd/>
-              </a14:hiddenLine>
-            </a:ext>
-          </a:extLst>
-        </p:spPr>
-      </p:pic>
-    </p:spTree>
-    <p:extLst>
-      <p:ext uri="{BB962C8B-B14F-4D97-AF65-F5344CB8AC3E}">
-        <p14:creationId xmlns:p14="http://schemas.microsoft.com/office/powerpoint/2010/main" xmlns="" val="248249212"/>
+        <p14:creationId xmlns:p14="http://schemas.microsoft.com/office/powerpoint/2010/main" val="2609491997"/>
       </p:ext>
     </p:extLst>
   </p:cSld>

--- a/40.pptx
+++ b/40.pptx
@@ -6,16 +6,17 @@
     <p:sldMasterId id="2147483660" r:id="rId2"/>
   </p:sldMasterIdLst>
   <p:handoutMasterIdLst>
-    <p:handoutMasterId r:id="rId10"/>
+    <p:handoutMasterId r:id="rId11"/>
   </p:handoutMasterIdLst>
   <p:sldIdLst>
     <p:sldId id="256" r:id="rId3"/>
     <p:sldId id="257" r:id="rId4"/>
     <p:sldId id="258" r:id="rId5"/>
     <p:sldId id="259" r:id="rId6"/>
-    <p:sldId id="271" r:id="rId7"/>
-    <p:sldId id="269" r:id="rId8"/>
-    <p:sldId id="270" r:id="rId9"/>
+    <p:sldId id="272" r:id="rId7"/>
+    <p:sldId id="271" r:id="rId8"/>
+    <p:sldId id="269" r:id="rId9"/>
+    <p:sldId id="270" r:id="rId10"/>
   </p:sldIdLst>
   <p:sldSz cx="9144000" cy="6858000" type="screen4x3"/>
   <p:notesSz cx="6858000" cy="9144000"/>
@@ -230,7 +231,7 @@
             <a:fld id="{BF687C3B-A0D7-4DF4-8ABE-AB86F94B7659}" type="datetimeFigureOut">
               <a:rPr lang="de-DE" smtClean="0"/>
               <a:pPr/>
-              <a:t>04.03.2019</a:t>
+              <a:t>05.03.2019</a:t>
             </a:fld>
             <a:endParaRPr lang="de-DE"/>
           </a:p>
@@ -496,7 +497,7 @@
             <a:fld id="{465E5954-C325-41FF-8307-C2ABF66F88AC}" type="datetimeFigureOut">
               <a:rPr lang="de-DE" smtClean="0"/>
               <a:pPr/>
-              <a:t>04.03.2019</a:t>
+              <a:t>05.03.2019</a:t>
             </a:fld>
             <a:endParaRPr lang="de-DE"/>
           </a:p>
@@ -675,7 +676,7 @@
             <a:fld id="{465E5954-C325-41FF-8307-C2ABF66F88AC}" type="datetimeFigureOut">
               <a:rPr lang="de-DE" smtClean="0"/>
               <a:pPr/>
-              <a:t>04.03.2019</a:t>
+              <a:t>05.03.2019</a:t>
             </a:fld>
             <a:endParaRPr lang="de-DE"/>
           </a:p>
@@ -864,7 +865,7 @@
             <a:fld id="{465E5954-C325-41FF-8307-C2ABF66F88AC}" type="datetimeFigureOut">
               <a:rPr lang="de-DE" smtClean="0"/>
               <a:pPr/>
-              <a:t>04.03.2019</a:t>
+              <a:t>05.03.2019</a:t>
             </a:fld>
             <a:endParaRPr lang="de-DE"/>
           </a:p>
@@ -1108,7 +1109,7 @@
             <a:fld id="{BA3302DC-27B2-41BB-AAD9-1F7041790541}" type="datetimeFigureOut">
               <a:rPr lang="de-DE" smtClean="0"/>
               <a:pPr/>
-              <a:t>04.03.2019</a:t>
+              <a:t>05.03.2019</a:t>
             </a:fld>
             <a:endParaRPr lang="de-DE"/>
           </a:p>
@@ -1287,7 +1288,7 @@
             <a:fld id="{BA3302DC-27B2-41BB-AAD9-1F7041790541}" type="datetimeFigureOut">
               <a:rPr lang="de-DE" smtClean="0"/>
               <a:pPr/>
-              <a:t>04.03.2019</a:t>
+              <a:t>05.03.2019</a:t>
             </a:fld>
             <a:endParaRPr lang="de-DE"/>
           </a:p>
@@ -1542,7 +1543,7 @@
             <a:fld id="{BA3302DC-27B2-41BB-AAD9-1F7041790541}" type="datetimeFigureOut">
               <a:rPr lang="de-DE" smtClean="0"/>
               <a:pPr/>
-              <a:t>04.03.2019</a:t>
+              <a:t>05.03.2019</a:t>
             </a:fld>
             <a:endParaRPr lang="de-DE"/>
           </a:p>
@@ -1832,7 +1833,7 @@
             <a:fld id="{BA3302DC-27B2-41BB-AAD9-1F7041790541}" type="datetimeFigureOut">
               <a:rPr lang="de-DE" smtClean="0"/>
               <a:pPr/>
-              <a:t>04.03.2019</a:t>
+              <a:t>05.03.2019</a:t>
             </a:fld>
             <a:endParaRPr lang="de-DE"/>
           </a:p>
@@ -2256,7 +2257,7 @@
             <a:fld id="{BA3302DC-27B2-41BB-AAD9-1F7041790541}" type="datetimeFigureOut">
               <a:rPr lang="de-DE" smtClean="0"/>
               <a:pPr/>
-              <a:t>04.03.2019</a:t>
+              <a:t>05.03.2019</a:t>
             </a:fld>
             <a:endParaRPr lang="de-DE"/>
           </a:p>
@@ -2376,7 +2377,7 @@
             <a:fld id="{BA3302DC-27B2-41BB-AAD9-1F7041790541}" type="datetimeFigureOut">
               <a:rPr lang="de-DE" smtClean="0"/>
               <a:pPr/>
-              <a:t>04.03.2019</a:t>
+              <a:t>05.03.2019</a:t>
             </a:fld>
             <a:endParaRPr lang="de-DE"/>
           </a:p>
@@ -2473,7 +2474,7 @@
             <a:fld id="{BA3302DC-27B2-41BB-AAD9-1F7041790541}" type="datetimeFigureOut">
               <a:rPr lang="de-DE" smtClean="0"/>
               <a:pPr/>
-              <a:t>04.03.2019</a:t>
+              <a:t>05.03.2019</a:t>
             </a:fld>
             <a:endParaRPr lang="de-DE"/>
           </a:p>
@@ -2752,7 +2753,7 @@
             <a:fld id="{BA3302DC-27B2-41BB-AAD9-1F7041790541}" type="datetimeFigureOut">
               <a:rPr lang="de-DE" smtClean="0"/>
               <a:pPr/>
-              <a:t>04.03.2019</a:t>
+              <a:t>05.03.2019</a:t>
             </a:fld>
             <a:endParaRPr lang="de-DE"/>
           </a:p>
@@ -2924,7 +2925,7 @@
             <a:fld id="{465E5954-C325-41FF-8307-C2ABF66F88AC}" type="datetimeFigureOut">
               <a:rPr lang="de-DE" smtClean="0"/>
               <a:pPr/>
-              <a:t>04.03.2019</a:t>
+              <a:t>05.03.2019</a:t>
             </a:fld>
             <a:endParaRPr lang="de-DE"/>
           </a:p>
@@ -3186,7 +3187,7 @@
             <a:fld id="{BA3302DC-27B2-41BB-AAD9-1F7041790541}" type="datetimeFigureOut">
               <a:rPr lang="de-DE" smtClean="0"/>
               <a:pPr/>
-              <a:t>04.03.2019</a:t>
+              <a:t>05.03.2019</a:t>
             </a:fld>
             <a:endParaRPr lang="de-DE"/>
           </a:p>
@@ -3358,7 +3359,7 @@
             <a:fld id="{BA3302DC-27B2-41BB-AAD9-1F7041790541}" type="datetimeFigureOut">
               <a:rPr lang="de-DE" smtClean="0"/>
               <a:pPr/>
-              <a:t>04.03.2019</a:t>
+              <a:t>05.03.2019</a:t>
             </a:fld>
             <a:endParaRPr lang="de-DE"/>
           </a:p>
@@ -3540,7 +3541,7 @@
             <a:fld id="{BA3302DC-27B2-41BB-AAD9-1F7041790541}" type="datetimeFigureOut">
               <a:rPr lang="de-DE" smtClean="0"/>
               <a:pPr/>
-              <a:t>04.03.2019</a:t>
+              <a:t>05.03.2019</a:t>
             </a:fld>
             <a:endParaRPr lang="de-DE"/>
           </a:p>
@@ -3788,7 +3789,7 @@
             <a:fld id="{465E5954-C325-41FF-8307-C2ABF66F88AC}" type="datetimeFigureOut">
               <a:rPr lang="de-DE" smtClean="0"/>
               <a:pPr/>
-              <a:t>04.03.2019</a:t>
+              <a:t>05.03.2019</a:t>
             </a:fld>
             <a:endParaRPr lang="de-DE"/>
           </a:p>
@@ -4085,7 +4086,7 @@
             <a:fld id="{465E5954-C325-41FF-8307-C2ABF66F88AC}" type="datetimeFigureOut">
               <a:rPr lang="de-DE" smtClean="0"/>
               <a:pPr/>
-              <a:t>04.03.2019</a:t>
+              <a:t>05.03.2019</a:t>
             </a:fld>
             <a:endParaRPr lang="de-DE"/>
           </a:p>
@@ -4509,7 +4510,7 @@
             <a:fld id="{465E5954-C325-41FF-8307-C2ABF66F88AC}" type="datetimeFigureOut">
               <a:rPr lang="de-DE" smtClean="0"/>
               <a:pPr/>
-              <a:t>04.03.2019</a:t>
+              <a:t>05.03.2019</a:t>
             </a:fld>
             <a:endParaRPr lang="de-DE"/>
           </a:p>
@@ -4636,7 +4637,7 @@
             <a:fld id="{465E5954-C325-41FF-8307-C2ABF66F88AC}" type="datetimeFigureOut">
               <a:rPr lang="de-DE" smtClean="0"/>
               <a:pPr/>
-              <a:t>04.03.2019</a:t>
+              <a:t>05.03.2019</a:t>
             </a:fld>
             <a:endParaRPr lang="de-DE"/>
           </a:p>
@@ -4740,7 +4741,7 @@
             <a:fld id="{465E5954-C325-41FF-8307-C2ABF66F88AC}" type="datetimeFigureOut">
               <a:rPr lang="de-DE" smtClean="0"/>
               <a:pPr/>
-              <a:t>04.03.2019</a:t>
+              <a:t>05.03.2019</a:t>
             </a:fld>
             <a:endParaRPr lang="de-DE"/>
           </a:p>
@@ -5026,7 +5027,7 @@
             <a:fld id="{465E5954-C325-41FF-8307-C2ABF66F88AC}" type="datetimeFigureOut">
               <a:rPr lang="de-DE" smtClean="0"/>
               <a:pPr/>
-              <a:t>04.03.2019</a:t>
+              <a:t>05.03.2019</a:t>
             </a:fld>
             <a:endParaRPr lang="de-DE"/>
           </a:p>
@@ -5288,7 +5289,7 @@
             <a:fld id="{465E5954-C325-41FF-8307-C2ABF66F88AC}" type="datetimeFigureOut">
               <a:rPr lang="de-DE" smtClean="0"/>
               <a:pPr/>
-              <a:t>04.03.2019</a:t>
+              <a:t>05.03.2019</a:t>
             </a:fld>
             <a:endParaRPr lang="de-DE"/>
           </a:p>
@@ -5513,7 +5514,7 @@
             <a:fld id="{465E5954-C325-41FF-8307-C2ABF66F88AC}" type="datetimeFigureOut">
               <a:rPr lang="de-DE" smtClean="0"/>
               <a:pPr/>
-              <a:t>04.03.2019</a:t>
+              <a:t>05.03.2019</a:t>
             </a:fld>
             <a:endParaRPr lang="de-DE"/>
           </a:p>
@@ -6035,7 +6036,7 @@
             <a:fld id="{BA3302DC-27B2-41BB-AAD9-1F7041790541}" type="datetimeFigureOut">
               <a:rPr lang="de-DE" smtClean="0"/>
               <a:pPr/>
-              <a:t>04.03.2019</a:t>
+              <a:t>05.03.2019</a:t>
             </a:fld>
             <a:endParaRPr lang="de-DE"/>
           </a:p>
@@ -6623,15 +6624,7 @@
                   <a:schemeClr val="bg1"/>
                 </a:solidFill>
               </a:rPr>
-              <a:t>лесняване на </a:t>
-            </a:r>
-            <a:r>
-              <a:rPr lang="bg-BG" sz="2800" dirty="0" smtClean="0">
-                <a:solidFill>
-                  <a:schemeClr val="bg1"/>
-                </a:solidFill>
-              </a:rPr>
-              <a:t>организирането на учебната програма</a:t>
+              <a:t>лесняване на организирането на учебната програма</a:t>
             </a:r>
             <a:endParaRPr lang="bg-BG" sz="2800" dirty="0">
               <a:solidFill>
@@ -6668,11 +6661,6 @@
               </a:rPr>
               <a:t>място за въвеждане на оценки и удобното им организиране</a:t>
             </a:r>
-            <a:endParaRPr lang="bg-BG" sz="2800" dirty="0" smtClean="0">
-              <a:solidFill>
-                <a:schemeClr val="bg1"/>
-              </a:solidFill>
-            </a:endParaRPr>
           </a:p>
         </p:txBody>
       </p:sp>
@@ -6822,15 +6810,7 @@
                   <a:schemeClr val="bg1"/>
                 </a:solidFill>
               </a:rPr>
-              <a:t>отделяне на време за изучаване и практикуване на нови </a:t>
-            </a:r>
-            <a:r>
-              <a:rPr lang="bg-BG" dirty="0" smtClean="0">
-                <a:solidFill>
-                  <a:schemeClr val="bg1"/>
-                </a:solidFill>
-              </a:rPr>
-              <a:t>технологии</a:t>
+              <a:t>отделяне на време за изучаване и практикуване на нови технологии</a:t>
             </a:r>
           </a:p>
           <a:p>
@@ -7176,10 +7156,40 @@
           <a:chExt cx="0" cy="0"/>
         </a:xfrm>
       </p:grpSpPr>
+      <p:pic>
+        <p:nvPicPr>
+          <p:cNvPr id="2" name="Picture 1"/>
+          <p:cNvPicPr>
+            <a:picLocks noChangeAspect="1"/>
+          </p:cNvPicPr>
+          <p:nvPr/>
+        </p:nvPicPr>
+        <p:blipFill>
+          <a:blip r:embed="rId2">
+            <a:extLst>
+              <a:ext uri="{28A0092B-C50C-407E-A947-70E740481C1C}">
+                <a14:useLocalDpi xmlns:a14="http://schemas.microsoft.com/office/drawing/2010/main" val="0"/>
+              </a:ext>
+            </a:extLst>
+          </a:blip>
+          <a:stretch>
+            <a:fillRect/>
+          </a:stretch>
+        </p:blipFill>
+        <p:spPr>
+          <a:xfrm>
+            <a:off x="-1082162" y="228600"/>
+            <a:ext cx="11237143" cy="6248400"/>
+          </a:xfrm>
+          <a:prstGeom prst="rect">
+            <a:avLst/>
+          </a:prstGeom>
+        </p:spPr>
+      </p:pic>
     </p:spTree>
     <p:extLst>
       <p:ext uri="{BB962C8B-B14F-4D97-AF65-F5344CB8AC3E}">
-        <p14:creationId xmlns:p14="http://schemas.microsoft.com/office/powerpoint/2010/main" val="1206945115"/>
+        <p14:creationId xmlns:p14="http://schemas.microsoft.com/office/powerpoint/2010/main" val="1049665628"/>
       </p:ext>
     </p:extLst>
   </p:cSld>
@@ -7213,77 +7223,16 @@
           <a:chExt cx="0" cy="0"/>
         </a:xfrm>
       </p:grpSpPr>
-      <p:sp>
-        <p:nvSpPr>
-          <p:cNvPr id="6" name="Title 5"/>
-          <p:cNvSpPr>
-            <a:spLocks noGrp="1"/>
-          </p:cNvSpPr>
-          <p:nvPr>
-            <p:ph type="title"/>
-          </p:nvPr>
-        </p:nvSpPr>
-        <p:spPr>
-          <a:xfrm>
-            <a:off x="457200" y="381000"/>
-            <a:ext cx="8229600" cy="1143000"/>
-          </a:xfrm>
-        </p:spPr>
-        <p:txBody>
-          <a:bodyPr/>
-          <a:lstStyle/>
-          <a:p>
-            <a:pPr algn="l"/>
-            <a:r>
-              <a:rPr lang="bg-BG" b="1" dirty="0" smtClean="0">
-                <a:ln w="9000" cmpd="sng">
-                  <a:solidFill>
-                    <a:schemeClr val="accent4">
-                      <a:shade val="50000"/>
-                      <a:satMod val="120000"/>
-                    </a:schemeClr>
-                  </a:solidFill>
-                  <a:prstDash val="solid"/>
-                </a:ln>
-                <a:solidFill>
-                  <a:srgbClr val="00C853"/>
-                </a:solidFill>
-                <a:effectLst>
-                  <a:reflection blurRad="12700" stA="28000" endPos="45000" dist="1000" dir="5400000" sy="-100000" algn="bl" rotWithShape="0"/>
-                </a:effectLst>
-              </a:rPr>
-              <a:t>Дизайн</a:t>
-            </a:r>
-            <a:endParaRPr lang="de-DE" b="1" dirty="0">
-              <a:ln w="9000" cmpd="sng">
-                <a:solidFill>
-                  <a:schemeClr val="accent4">
-                    <a:shade val="50000"/>
-                    <a:satMod val="120000"/>
-                  </a:schemeClr>
-                </a:solidFill>
-                <a:prstDash val="solid"/>
-              </a:ln>
-              <a:solidFill>
-                <a:srgbClr val="00C853"/>
-              </a:solidFill>
-              <a:effectLst>
-                <a:reflection blurRad="12700" stA="28000" endPos="45000" dist="1000" dir="5400000" sy="-100000" algn="bl" rotWithShape="0"/>
-              </a:effectLst>
-            </a:endParaRPr>
-          </a:p>
-        </p:txBody>
-      </p:sp>
       <p:pic>
         <p:nvPicPr>
-          <p:cNvPr id="8" name="Picture 7"/>
+          <p:cNvPr id="3" name="Picture 2"/>
           <p:cNvPicPr>
             <a:picLocks noChangeAspect="1"/>
           </p:cNvPicPr>
           <p:nvPr/>
         </p:nvPicPr>
         <p:blipFill>
-          <a:blip r:embed="rId2" cstate="print">
+          <a:blip r:embed="rId2">
             <a:extLst>
               <a:ext uri="{28A0092B-C50C-407E-A947-70E740481C1C}">
                 <a14:useLocalDpi xmlns:a14="http://schemas.microsoft.com/office/drawing/2010/main" val="0"/>
@@ -7296,76 +7245,8 @@
         </p:blipFill>
         <p:spPr>
           <a:xfrm>
-            <a:off x="4156364" y="1219200"/>
-            <a:ext cx="4495800" cy="2665792"/>
-          </a:xfrm>
-          <a:prstGeom prst="rect">
-            <a:avLst/>
-          </a:prstGeom>
-        </p:spPr>
-      </p:pic>
-      <p:sp>
-        <p:nvSpPr>
-          <p:cNvPr id="4" name="TextBox 3"/>
-          <p:cNvSpPr txBox="1"/>
-          <p:nvPr/>
-        </p:nvSpPr>
-        <p:spPr>
-          <a:xfrm>
-            <a:off x="4911002" y="3592604"/>
-            <a:ext cx="2986523" cy="584775"/>
-          </a:xfrm>
-          <a:prstGeom prst="rect">
-            <a:avLst/>
-          </a:prstGeom>
-          <a:noFill/>
-        </p:spPr>
-        <p:txBody>
-          <a:bodyPr wrap="square" rtlCol="0">
-            <a:spAutoFit/>
-          </a:bodyPr>
-          <a:lstStyle/>
-          <a:p>
-            <a:r>
-              <a:rPr lang="en-US" sz="3200" dirty="0" smtClean="0">
-                <a:solidFill>
-                  <a:schemeClr val="bg1"/>
-                </a:solidFill>
-              </a:rPr>
-              <a:t>Angular Material</a:t>
-            </a:r>
-            <a:endParaRPr lang="en-US" sz="3200" dirty="0">
-              <a:solidFill>
-                <a:schemeClr val="bg1"/>
-              </a:solidFill>
-            </a:endParaRPr>
-          </a:p>
-        </p:txBody>
-      </p:sp>
-      <p:pic>
-        <p:nvPicPr>
-          <p:cNvPr id="5" name="Picture 4"/>
-          <p:cNvPicPr>
-            <a:picLocks noChangeAspect="1"/>
-          </p:cNvPicPr>
-          <p:nvPr/>
-        </p:nvPicPr>
-        <p:blipFill>
-          <a:blip r:embed="rId3">
-            <a:extLst>
-              <a:ext uri="{28A0092B-C50C-407E-A947-70E740481C1C}">
-                <a14:useLocalDpi xmlns:a14="http://schemas.microsoft.com/office/drawing/2010/main" val="0"/>
-              </a:ext>
-            </a:extLst>
-          </a:blip>
-          <a:stretch>
-            <a:fillRect/>
-          </a:stretch>
-        </p:blipFill>
-        <p:spPr>
-          <a:xfrm>
-            <a:off x="-609600" y="1413834"/>
-            <a:ext cx="6392174" cy="2516997"/>
+            <a:off x="0" y="1170323"/>
+            <a:ext cx="9144000" cy="4517354"/>
           </a:xfrm>
           <a:prstGeom prst="rect">
             <a:avLst/>
@@ -7375,7 +7256,7 @@
     </p:spTree>
     <p:extLst>
       <p:ext uri="{BB962C8B-B14F-4D97-AF65-F5344CB8AC3E}">
-        <p14:creationId xmlns:p14="http://schemas.microsoft.com/office/powerpoint/2010/main" val="1915065326"/>
+        <p14:creationId xmlns:p14="http://schemas.microsoft.com/office/powerpoint/2010/main" val="1206945115"/>
       </p:ext>
     </p:extLst>
   </p:cSld>
@@ -7448,7 +7329,7 @@
                   <a:reflection blurRad="12700" stA="28000" endPos="45000" dist="1000" dir="5400000" sy="-100000" algn="bl" rotWithShape="0"/>
                 </a:effectLst>
               </a:rPr>
-              <a:t>Допълнителни програми</a:t>
+              <a:t>Дизайн</a:t>
             </a:r>
             <a:endParaRPr lang="de-DE" b="1" dirty="0">
               <a:ln w="9000" cmpd="sng">
@@ -7462,6 +7343,280 @@
               </a:ln>
               <a:solidFill>
                 <a:srgbClr val="00C853"/>
+              </a:solidFill>
+              <a:effectLst>
+                <a:reflection blurRad="12700" stA="28000" endPos="45000" dist="1000" dir="5400000" sy="-100000" algn="bl" rotWithShape="0"/>
+              </a:effectLst>
+            </a:endParaRPr>
+          </a:p>
+        </p:txBody>
+      </p:sp>
+      <p:pic>
+        <p:nvPicPr>
+          <p:cNvPr id="8" name="Picture 7"/>
+          <p:cNvPicPr>
+            <a:picLocks noChangeAspect="1"/>
+          </p:cNvPicPr>
+          <p:nvPr/>
+        </p:nvPicPr>
+        <p:blipFill>
+          <a:blip r:embed="rId2" cstate="print">
+            <a:extLst>
+              <a:ext uri="{28A0092B-C50C-407E-A947-70E740481C1C}">
+                <a14:useLocalDpi xmlns:a14="http://schemas.microsoft.com/office/drawing/2010/main" val="0"/>
+              </a:ext>
+            </a:extLst>
+          </a:blip>
+          <a:stretch>
+            <a:fillRect/>
+          </a:stretch>
+        </p:blipFill>
+        <p:spPr>
+          <a:xfrm>
+            <a:off x="159762" y="2098730"/>
+            <a:ext cx="4495800" cy="2665792"/>
+          </a:xfrm>
+          <a:prstGeom prst="rect">
+            <a:avLst/>
+          </a:prstGeom>
+        </p:spPr>
+      </p:pic>
+      <p:sp>
+        <p:nvSpPr>
+          <p:cNvPr id="4" name="TextBox 3"/>
+          <p:cNvSpPr txBox="1"/>
+          <p:nvPr/>
+        </p:nvSpPr>
+        <p:spPr>
+          <a:xfrm>
+            <a:off x="914400" y="4472134"/>
+            <a:ext cx="2986523" cy="584775"/>
+          </a:xfrm>
+          <a:prstGeom prst="rect">
+            <a:avLst/>
+          </a:prstGeom>
+          <a:noFill/>
+        </p:spPr>
+        <p:txBody>
+          <a:bodyPr wrap="square" rtlCol="0">
+            <a:spAutoFit/>
+          </a:bodyPr>
+          <a:lstStyle/>
+          <a:p>
+            <a:r>
+              <a:rPr lang="en-US" sz="3200" dirty="0" smtClean="0">
+                <a:solidFill>
+                  <a:schemeClr val="bg1"/>
+                </a:solidFill>
+              </a:rPr>
+              <a:t>Angular Material</a:t>
+            </a:r>
+            <a:endParaRPr lang="en-US" sz="3200" dirty="0">
+              <a:solidFill>
+                <a:schemeClr val="bg1"/>
+              </a:solidFill>
+            </a:endParaRPr>
+          </a:p>
+        </p:txBody>
+      </p:sp>
+      <p:pic>
+        <p:nvPicPr>
+          <p:cNvPr id="5" name="Picture 4"/>
+          <p:cNvPicPr>
+            <a:picLocks noChangeAspect="1"/>
+          </p:cNvPicPr>
+          <p:nvPr/>
+        </p:nvPicPr>
+        <p:blipFill>
+          <a:blip r:embed="rId3">
+            <a:extLst>
+              <a:ext uri="{28A0092B-C50C-407E-A947-70E740481C1C}">
+                <a14:useLocalDpi xmlns:a14="http://schemas.microsoft.com/office/drawing/2010/main" val="0"/>
+              </a:ext>
+            </a:extLst>
+          </a:blip>
+          <a:stretch>
+            <a:fillRect/>
+          </a:stretch>
+        </p:blipFill>
+        <p:spPr>
+          <a:xfrm>
+            <a:off x="3200400" y="2256489"/>
+            <a:ext cx="7164734" cy="2821202"/>
+          </a:xfrm>
+          <a:prstGeom prst="rect">
+            <a:avLst/>
+          </a:prstGeom>
+        </p:spPr>
+      </p:pic>
+    </p:spTree>
+    <p:extLst>
+      <p:ext uri="{BB962C8B-B14F-4D97-AF65-F5344CB8AC3E}">
+        <p14:creationId xmlns:p14="http://schemas.microsoft.com/office/powerpoint/2010/main" val="1915065326"/>
+      </p:ext>
+    </p:extLst>
+  </p:cSld>
+  <p:clrMapOvr>
+    <a:masterClrMapping/>
+  </p:clrMapOvr>
+  <p:timing>
+    <p:tnLst>
+      <p:par>
+        <p:cTn id="1" dur="indefinite" restart="never" nodeType="tmRoot"/>
+      </p:par>
+    </p:tnLst>
+  </p:timing>
+</p:sld>
+</file>
+
+<file path=ppt/slides/slide8.xml><?xml version="1.0" encoding="utf-8"?>
+<p:sld xmlns:a="http://schemas.openxmlformats.org/drawingml/2006/main" xmlns:r="http://schemas.openxmlformats.org/officeDocument/2006/relationships" xmlns:p="http://schemas.openxmlformats.org/presentationml/2006/main">
+  <p:cSld>
+    <p:spTree>
+      <p:nvGrpSpPr>
+        <p:cNvPr id="1" name=""/>
+        <p:cNvGrpSpPr/>
+        <p:nvPr/>
+      </p:nvGrpSpPr>
+      <p:grpSpPr>
+        <a:xfrm>
+          <a:off x="0" y="0"/>
+          <a:ext cx="0" cy="0"/>
+          <a:chOff x="0" y="0"/>
+          <a:chExt cx="0" cy="0"/>
+        </a:xfrm>
+      </p:grpSpPr>
+      <p:sp>
+        <p:nvSpPr>
+          <p:cNvPr id="6" name="Title 5"/>
+          <p:cNvSpPr>
+            <a:spLocks noGrp="1"/>
+          </p:cNvSpPr>
+          <p:nvPr>
+            <p:ph type="title"/>
+          </p:nvPr>
+        </p:nvSpPr>
+        <p:spPr>
+          <a:xfrm>
+            <a:off x="457200" y="2209800"/>
+            <a:ext cx="8229600" cy="1143000"/>
+          </a:xfrm>
+        </p:spPr>
+        <p:txBody>
+          <a:bodyPr/>
+          <a:lstStyle/>
+          <a:p>
+            <a:r>
+              <a:rPr lang="bg-BG" b="1" dirty="0" smtClean="0">
+                <a:ln w="9000" cmpd="sng">
+                  <a:solidFill>
+                    <a:schemeClr val="accent4">
+                      <a:shade val="50000"/>
+                      <a:satMod val="120000"/>
+                    </a:schemeClr>
+                  </a:solidFill>
+                  <a:prstDash val="solid"/>
+                </a:ln>
+                <a:solidFill>
+                  <a:srgbClr val="00C853"/>
+                </a:solidFill>
+                <a:effectLst>
+                  <a:reflection blurRad="12700" stA="28000" endPos="45000" dist="1000" dir="5400000" sy="-100000" algn="bl" rotWithShape="0"/>
+                </a:effectLst>
+              </a:rPr>
+              <a:t>Към сайта</a:t>
+            </a:r>
+            <a:endParaRPr lang="de-DE" b="1" dirty="0">
+              <a:ln w="9000" cmpd="sng">
+                <a:solidFill>
+                  <a:schemeClr val="accent4">
+                    <a:shade val="50000"/>
+                    <a:satMod val="120000"/>
+                  </a:schemeClr>
+                </a:solidFill>
+                <a:prstDash val="solid"/>
+              </a:ln>
+              <a:solidFill>
+                <a:srgbClr val="00C853"/>
+              </a:solidFill>
+              <a:effectLst>
+                <a:reflection blurRad="12700" stA="28000" endPos="45000" dist="1000" dir="5400000" sy="-100000" algn="bl" rotWithShape="0"/>
+              </a:effectLst>
+            </a:endParaRPr>
+          </a:p>
+        </p:txBody>
+      </p:sp>
+      <p:sp>
+        <p:nvSpPr>
+          <p:cNvPr id="4" name="Title 5"/>
+          <p:cNvSpPr txBox="1">
+            <a:spLocks/>
+          </p:cNvSpPr>
+          <p:nvPr/>
+        </p:nvSpPr>
+        <p:spPr>
+          <a:xfrm>
+            <a:off x="457200" y="3200400"/>
+            <a:ext cx="8229600" cy="1143000"/>
+          </a:xfrm>
+          <a:prstGeom prst="rect">
+            <a:avLst/>
+          </a:prstGeom>
+        </p:spPr>
+        <p:txBody>
+          <a:bodyPr vert="horz" lIns="91440" tIns="45720" rIns="91440" bIns="45720" rtlCol="0" anchor="ctr">
+            <a:normAutofit/>
+          </a:bodyPr>
+          <a:lstStyle>
+            <a:lvl1pPr algn="ctr" defTabSz="914400" rtl="0" eaLnBrk="1" latinLnBrk="0" hangingPunct="1">
+              <a:spcBef>
+                <a:spcPct val="0"/>
+              </a:spcBef>
+              <a:buNone/>
+              <a:defRPr sz="4400" kern="1200">
+                <a:solidFill>
+                  <a:schemeClr val="tx1"/>
+                </a:solidFill>
+                <a:latin typeface="+mj-lt"/>
+                <a:ea typeface="+mj-ea"/>
+                <a:cs typeface="+mj-cs"/>
+              </a:defRPr>
+            </a:lvl1pPr>
+          </a:lstStyle>
+          <a:p>
+            <a:r>
+              <a:rPr lang="de-DE" b="1" dirty="0" smtClean="0">
+                <a:ln w="9000" cmpd="sng">
+                  <a:solidFill>
+                    <a:schemeClr val="accent4">
+                      <a:shade val="50000"/>
+                      <a:satMod val="120000"/>
+                    </a:schemeClr>
+                  </a:solidFill>
+                  <a:prstDash val="solid"/>
+                </a:ln>
+                <a:solidFill>
+                  <a:srgbClr val="0589E8"/>
+                </a:solidFill>
+                <a:effectLst>
+                  <a:reflection blurRad="12700" stA="28000" endPos="45000" dist="1000" dir="5400000" sy="-100000" algn="bl" rotWithShape="0"/>
+                </a:effectLst>
+                <a:hlinkClick r:id="rId2"/>
+              </a:rPr>
+              <a:t>https://plannerix.eu/</a:t>
+            </a:r>
+            <a:endParaRPr lang="de-DE" b="1" dirty="0">
+              <a:ln w="9000" cmpd="sng">
+                <a:solidFill>
+                  <a:schemeClr val="accent4">
+                    <a:shade val="50000"/>
+                    <a:satMod val="120000"/>
+                  </a:schemeClr>
+                </a:solidFill>
+                <a:prstDash val="solid"/>
+              </a:ln>
+              <a:solidFill>
+                <a:srgbClr val="0589E8"/>
               </a:solidFill>
               <a:effectLst>
                 <a:reflection blurRad="12700" stA="28000" endPos="45000" dist="1000" dir="5400000" sy="-100000" algn="bl" rotWithShape="0"/>

--- a/40.pptx
+++ b/40.pptx
@@ -7158,14 +7158,14 @@
       </p:grpSpPr>
       <p:pic>
         <p:nvPicPr>
-          <p:cNvPr id="2" name="Picture 1"/>
+          <p:cNvPr id="3" name="Picture 2"/>
           <p:cNvPicPr>
             <a:picLocks noChangeAspect="1"/>
           </p:cNvPicPr>
           <p:nvPr/>
         </p:nvPicPr>
         <p:blipFill>
-          <a:blip r:embed="rId2">
+          <a:blip r:embed="rId2" cstate="print">
             <a:extLst>
               <a:ext uri="{28A0092B-C50C-407E-A947-70E740481C1C}">
                 <a14:useLocalDpi xmlns:a14="http://schemas.microsoft.com/office/drawing/2010/main" val="0"/>
@@ -7178,14 +7178,443 @@
         </p:blipFill>
         <p:spPr>
           <a:xfrm>
-            <a:off x="-1082162" y="228600"/>
-            <a:ext cx="11237143" cy="6248400"/>
+            <a:off x="290511" y="3313646"/>
+            <a:ext cx="1143000" cy="1143000"/>
           </a:xfrm>
           <a:prstGeom prst="rect">
             <a:avLst/>
           </a:prstGeom>
         </p:spPr>
       </p:pic>
+      <p:pic>
+        <p:nvPicPr>
+          <p:cNvPr id="4" name="Picture 3"/>
+          <p:cNvPicPr>
+            <a:picLocks noChangeAspect="1"/>
+          </p:cNvPicPr>
+          <p:nvPr/>
+        </p:nvPicPr>
+        <p:blipFill>
+          <a:blip r:embed="rId3" cstate="print">
+            <a:extLst>
+              <a:ext uri="{28A0092B-C50C-407E-A947-70E740481C1C}">
+                <a14:useLocalDpi xmlns:a14="http://schemas.microsoft.com/office/drawing/2010/main" val="0"/>
+              </a:ext>
+            </a:extLst>
+          </a:blip>
+          <a:stretch>
+            <a:fillRect/>
+          </a:stretch>
+        </p:blipFill>
+        <p:spPr>
+          <a:xfrm>
+            <a:off x="3719121" y="3049983"/>
+            <a:ext cx="1295400" cy="1295400"/>
+          </a:xfrm>
+          <a:prstGeom prst="rect">
+            <a:avLst/>
+          </a:prstGeom>
+        </p:spPr>
+      </p:pic>
+      <p:pic>
+        <p:nvPicPr>
+          <p:cNvPr id="5" name="Picture 4"/>
+          <p:cNvPicPr>
+            <a:picLocks noChangeAspect="1"/>
+          </p:cNvPicPr>
+          <p:nvPr/>
+        </p:nvPicPr>
+        <p:blipFill>
+          <a:blip r:embed="rId4" cstate="print">
+            <a:extLst>
+              <a:ext uri="{28A0092B-C50C-407E-A947-70E740481C1C}">
+                <a14:useLocalDpi xmlns:a14="http://schemas.microsoft.com/office/drawing/2010/main" val="0"/>
+              </a:ext>
+            </a:extLst>
+          </a:blip>
+          <a:stretch>
+            <a:fillRect/>
+          </a:stretch>
+        </p:blipFill>
+        <p:spPr>
+          <a:xfrm>
+            <a:off x="7305011" y="4572000"/>
+            <a:ext cx="1031240" cy="1066800"/>
+          </a:xfrm>
+          <a:prstGeom prst="rect">
+            <a:avLst/>
+          </a:prstGeom>
+        </p:spPr>
+      </p:pic>
+      <p:sp>
+        <p:nvSpPr>
+          <p:cNvPr id="10" name="Right Arrow 9"/>
+          <p:cNvSpPr/>
+          <p:nvPr/>
+        </p:nvSpPr>
+        <p:spPr>
+          <a:xfrm rot="1173112">
+            <a:off x="1672325" y="2920307"/>
+            <a:ext cx="2071326" cy="310473"/>
+          </a:xfrm>
+          <a:prstGeom prst="rightArrow">
+            <a:avLst>
+              <a:gd name="adj1" fmla="val 35548"/>
+              <a:gd name="adj2" fmla="val 50000"/>
+            </a:avLst>
+          </a:prstGeom>
+        </p:spPr>
+        <p:style>
+          <a:lnRef idx="2">
+            <a:schemeClr val="accent1">
+              <a:shade val="50000"/>
+            </a:schemeClr>
+          </a:lnRef>
+          <a:fillRef idx="1">
+            <a:schemeClr val="accent1"/>
+          </a:fillRef>
+          <a:effectRef idx="0">
+            <a:schemeClr val="accent1"/>
+          </a:effectRef>
+          <a:fontRef idx="minor">
+            <a:schemeClr val="lt1"/>
+          </a:fontRef>
+        </p:style>
+        <p:txBody>
+          <a:bodyPr rtlCol="0" anchor="ctr"/>
+          <a:lstStyle/>
+          <a:p>
+            <a:pPr algn="ctr"/>
+            <a:endParaRPr lang="en-US" dirty="0"/>
+          </a:p>
+        </p:txBody>
+      </p:sp>
+      <p:pic>
+        <p:nvPicPr>
+          <p:cNvPr id="13" name="Picture 12"/>
+          <p:cNvPicPr>
+            <a:picLocks noChangeAspect="1"/>
+          </p:cNvPicPr>
+          <p:nvPr/>
+        </p:nvPicPr>
+        <p:blipFill>
+          <a:blip r:embed="rId2" cstate="print">
+            <a:extLst>
+              <a:ext uri="{28A0092B-C50C-407E-A947-70E740481C1C}">
+                <a14:useLocalDpi xmlns:a14="http://schemas.microsoft.com/office/drawing/2010/main" val="0"/>
+              </a:ext>
+            </a:extLst>
+          </a:blip>
+          <a:stretch>
+            <a:fillRect/>
+          </a:stretch>
+        </p:blipFill>
+        <p:spPr>
+          <a:xfrm>
+            <a:off x="562124" y="1752600"/>
+            <a:ext cx="1143000" cy="1143000"/>
+          </a:xfrm>
+          <a:prstGeom prst="rect">
+            <a:avLst/>
+          </a:prstGeom>
+        </p:spPr>
+      </p:pic>
+      <p:pic>
+        <p:nvPicPr>
+          <p:cNvPr id="15" name="Picture 14"/>
+          <p:cNvPicPr>
+            <a:picLocks noChangeAspect="1"/>
+          </p:cNvPicPr>
+          <p:nvPr/>
+        </p:nvPicPr>
+        <p:blipFill>
+          <a:blip r:embed="rId2" cstate="print">
+            <a:extLst>
+              <a:ext uri="{28A0092B-C50C-407E-A947-70E740481C1C}">
+                <a14:useLocalDpi xmlns:a14="http://schemas.microsoft.com/office/drawing/2010/main" val="0"/>
+              </a:ext>
+            </a:extLst>
+          </a:blip>
+          <a:stretch>
+            <a:fillRect/>
+          </a:stretch>
+        </p:blipFill>
+        <p:spPr>
+          <a:xfrm>
+            <a:off x="1761663" y="914184"/>
+            <a:ext cx="1143000" cy="1143000"/>
+          </a:xfrm>
+          <a:prstGeom prst="rect">
+            <a:avLst/>
+          </a:prstGeom>
+        </p:spPr>
+      </p:pic>
+      <p:pic>
+        <p:nvPicPr>
+          <p:cNvPr id="16" name="Picture 15"/>
+          <p:cNvPicPr>
+            <a:picLocks noChangeAspect="1"/>
+          </p:cNvPicPr>
+          <p:nvPr/>
+        </p:nvPicPr>
+        <p:blipFill>
+          <a:blip r:embed="rId4" cstate="print">
+            <a:extLst>
+              <a:ext uri="{28A0092B-C50C-407E-A947-70E740481C1C}">
+                <a14:useLocalDpi xmlns:a14="http://schemas.microsoft.com/office/drawing/2010/main" val="0"/>
+              </a:ext>
+            </a:extLst>
+          </a:blip>
+          <a:stretch>
+            <a:fillRect/>
+          </a:stretch>
+        </p:blipFill>
+        <p:spPr>
+          <a:xfrm>
+            <a:off x="7748720" y="3075543"/>
+            <a:ext cx="1031240" cy="1066800"/>
+          </a:xfrm>
+          <a:prstGeom prst="rect">
+            <a:avLst/>
+          </a:prstGeom>
+        </p:spPr>
+      </p:pic>
+      <p:pic>
+        <p:nvPicPr>
+          <p:cNvPr id="17" name="Picture 16"/>
+          <p:cNvPicPr>
+            <a:picLocks noChangeAspect="1"/>
+          </p:cNvPicPr>
+          <p:nvPr/>
+        </p:nvPicPr>
+        <p:blipFill>
+          <a:blip r:embed="rId4" cstate="print">
+            <a:extLst>
+              <a:ext uri="{28A0092B-C50C-407E-A947-70E740481C1C}">
+                <a14:useLocalDpi xmlns:a14="http://schemas.microsoft.com/office/drawing/2010/main" val="0"/>
+              </a:ext>
+            </a:extLst>
+          </a:blip>
+          <a:stretch>
+            <a:fillRect/>
+          </a:stretch>
+        </p:blipFill>
+        <p:spPr>
+          <a:xfrm>
+            <a:off x="6049649" y="5394634"/>
+            <a:ext cx="1031240" cy="1066800"/>
+          </a:xfrm>
+          <a:prstGeom prst="rect">
+            <a:avLst/>
+          </a:prstGeom>
+        </p:spPr>
+      </p:pic>
+      <p:sp>
+        <p:nvSpPr>
+          <p:cNvPr id="18" name="Right Arrow 17"/>
+          <p:cNvSpPr/>
+          <p:nvPr/>
+        </p:nvSpPr>
+        <p:spPr>
+          <a:xfrm>
+            <a:off x="5283575" y="3568424"/>
+            <a:ext cx="2190705" cy="96569"/>
+          </a:xfrm>
+          <a:prstGeom prst="rightArrow">
+            <a:avLst/>
+          </a:prstGeom>
+        </p:spPr>
+        <p:style>
+          <a:lnRef idx="2">
+            <a:schemeClr val="accent1">
+              <a:shade val="50000"/>
+            </a:schemeClr>
+          </a:lnRef>
+          <a:fillRef idx="1">
+            <a:schemeClr val="accent1"/>
+          </a:fillRef>
+          <a:effectRef idx="0">
+            <a:schemeClr val="accent1"/>
+          </a:effectRef>
+          <a:fontRef idx="minor">
+            <a:schemeClr val="lt1"/>
+          </a:fontRef>
+        </p:style>
+        <p:txBody>
+          <a:bodyPr rtlCol="0" anchor="ctr"/>
+          <a:lstStyle/>
+          <a:p>
+            <a:pPr algn="ctr"/>
+            <a:endParaRPr lang="en-US" dirty="0"/>
+          </a:p>
+        </p:txBody>
+      </p:sp>
+      <p:sp>
+        <p:nvSpPr>
+          <p:cNvPr id="19" name="Right Arrow 18"/>
+          <p:cNvSpPr/>
+          <p:nvPr/>
+        </p:nvSpPr>
+        <p:spPr>
+          <a:xfrm rot="2247152">
+            <a:off x="4689326" y="4930541"/>
+            <a:ext cx="1482148" cy="101764"/>
+          </a:xfrm>
+          <a:prstGeom prst="rightArrow">
+            <a:avLst/>
+          </a:prstGeom>
+        </p:spPr>
+        <p:style>
+          <a:lnRef idx="2">
+            <a:schemeClr val="accent1">
+              <a:shade val="50000"/>
+            </a:schemeClr>
+          </a:lnRef>
+          <a:fillRef idx="1">
+            <a:schemeClr val="accent1"/>
+          </a:fillRef>
+          <a:effectRef idx="0">
+            <a:schemeClr val="accent1"/>
+          </a:effectRef>
+          <a:fontRef idx="minor">
+            <a:schemeClr val="lt1"/>
+          </a:fontRef>
+        </p:style>
+        <p:txBody>
+          <a:bodyPr rtlCol="0" anchor="ctr"/>
+          <a:lstStyle/>
+          <a:p>
+            <a:pPr algn="ctr"/>
+            <a:endParaRPr lang="en-US" dirty="0"/>
+          </a:p>
+        </p:txBody>
+      </p:sp>
+      <p:sp>
+        <p:nvSpPr>
+          <p:cNvPr id="20" name="Right Arrow 19"/>
+          <p:cNvSpPr/>
+          <p:nvPr/>
+        </p:nvSpPr>
+        <p:spPr>
+          <a:xfrm rot="2775728">
+            <a:off x="2662893" y="2197779"/>
+            <a:ext cx="1702961" cy="310473"/>
+          </a:xfrm>
+          <a:prstGeom prst="rightArrow">
+            <a:avLst>
+              <a:gd name="adj1" fmla="val 35548"/>
+              <a:gd name="adj2" fmla="val 50000"/>
+            </a:avLst>
+          </a:prstGeom>
+        </p:spPr>
+        <p:style>
+          <a:lnRef idx="2">
+            <a:schemeClr val="accent1">
+              <a:shade val="50000"/>
+            </a:schemeClr>
+          </a:lnRef>
+          <a:fillRef idx="1">
+            <a:schemeClr val="accent1"/>
+          </a:fillRef>
+          <a:effectRef idx="0">
+            <a:schemeClr val="accent1"/>
+          </a:effectRef>
+          <a:fontRef idx="minor">
+            <a:schemeClr val="lt1"/>
+          </a:fontRef>
+        </p:style>
+        <p:txBody>
+          <a:bodyPr rtlCol="0" anchor="ctr"/>
+          <a:lstStyle/>
+          <a:p>
+            <a:pPr algn="ctr"/>
+            <a:endParaRPr lang="en-US" dirty="0"/>
+          </a:p>
+        </p:txBody>
+      </p:sp>
+      <p:sp>
+        <p:nvSpPr>
+          <p:cNvPr id="21" name="Right Arrow 20"/>
+          <p:cNvSpPr/>
+          <p:nvPr/>
+        </p:nvSpPr>
+        <p:spPr>
+          <a:xfrm>
+            <a:off x="1570731" y="3729910"/>
+            <a:ext cx="2071326" cy="310473"/>
+          </a:xfrm>
+          <a:prstGeom prst="rightArrow">
+            <a:avLst>
+              <a:gd name="adj1" fmla="val 35548"/>
+              <a:gd name="adj2" fmla="val 50000"/>
+            </a:avLst>
+          </a:prstGeom>
+        </p:spPr>
+        <p:style>
+          <a:lnRef idx="2">
+            <a:schemeClr val="accent1">
+              <a:shade val="50000"/>
+            </a:schemeClr>
+          </a:lnRef>
+          <a:fillRef idx="1">
+            <a:schemeClr val="accent1"/>
+          </a:fillRef>
+          <a:effectRef idx="0">
+            <a:schemeClr val="accent1"/>
+          </a:effectRef>
+          <a:fontRef idx="minor">
+            <a:schemeClr val="lt1"/>
+          </a:fontRef>
+        </p:style>
+        <p:txBody>
+          <a:bodyPr rtlCol="0" anchor="ctr"/>
+          <a:lstStyle/>
+          <a:p>
+            <a:pPr algn="ctr"/>
+            <a:endParaRPr lang="en-US" dirty="0"/>
+          </a:p>
+        </p:txBody>
+      </p:sp>
+      <p:sp>
+        <p:nvSpPr>
+          <p:cNvPr id="22" name="Right Arrow 21"/>
+          <p:cNvSpPr/>
+          <p:nvPr/>
+        </p:nvSpPr>
+        <p:spPr>
+          <a:xfrm rot="1447017">
+            <a:off x="5167508" y="4391857"/>
+            <a:ext cx="1984516" cy="75756"/>
+          </a:xfrm>
+          <a:prstGeom prst="rightArrow">
+            <a:avLst/>
+          </a:prstGeom>
+        </p:spPr>
+        <p:style>
+          <a:lnRef idx="2">
+            <a:schemeClr val="accent1">
+              <a:shade val="50000"/>
+            </a:schemeClr>
+          </a:lnRef>
+          <a:fillRef idx="1">
+            <a:schemeClr val="accent1"/>
+          </a:fillRef>
+          <a:effectRef idx="0">
+            <a:schemeClr val="accent1"/>
+          </a:effectRef>
+          <a:fontRef idx="minor">
+            <a:schemeClr val="lt1"/>
+          </a:fontRef>
+        </p:style>
+        <p:txBody>
+          <a:bodyPr rtlCol="0" anchor="ctr"/>
+          <a:lstStyle/>
+          <a:p>
+            <a:pPr algn="ctr"/>
+            <a:endParaRPr lang="en-US" dirty="0"/>
+          </a:p>
+        </p:txBody>
+      </p:sp>
     </p:spTree>
     <p:extLst>
       <p:ext uri="{BB962C8B-B14F-4D97-AF65-F5344CB8AC3E}">
@@ -7199,9 +7628,336 @@
   <p:timing>
     <p:tnLst>
       <p:par>
-        <p:cTn id="1" dur="indefinite" restart="never" nodeType="tmRoot"/>
+        <p:cTn id="1" dur="indefinite" restart="never" nodeType="tmRoot">
+          <p:childTnLst>
+            <p:seq concurrent="1" nextAc="seek">
+              <p:cTn id="2" dur="indefinite" nodeType="mainSeq">
+                <p:childTnLst>
+                  <p:par>
+                    <p:cTn id="3" fill="hold">
+                      <p:stCondLst>
+                        <p:cond delay="indefinite"/>
+                      </p:stCondLst>
+                      <p:childTnLst>
+                        <p:par>
+                          <p:cTn id="4" fill="hold">
+                            <p:stCondLst>
+                              <p:cond delay="0"/>
+                            </p:stCondLst>
+                            <p:childTnLst>
+                              <p:par>
+                                <p:cTn id="5" presetID="10" presetClass="entr" presetSubtype="0" fill="hold" nodeType="clickEffect">
+                                  <p:stCondLst>
+                                    <p:cond delay="0"/>
+                                  </p:stCondLst>
+                                  <p:childTnLst>
+                                    <p:set>
+                                      <p:cBhvr>
+                                        <p:cTn id="6" dur="1" fill="hold">
+                                          <p:stCondLst>
+                                            <p:cond delay="0"/>
+                                          </p:stCondLst>
+                                        </p:cTn>
+                                        <p:tgtEl>
+                                          <p:spTgt spid="15"/>
+                                        </p:tgtEl>
+                                        <p:attrNameLst>
+                                          <p:attrName>style.visibility</p:attrName>
+                                        </p:attrNameLst>
+                                      </p:cBhvr>
+                                      <p:to>
+                                        <p:strVal val="visible"/>
+                                      </p:to>
+                                    </p:set>
+                                    <p:animEffect transition="in" filter="fade">
+                                      <p:cBhvr>
+                                        <p:cTn id="7" dur="500"/>
+                                        <p:tgtEl>
+                                          <p:spTgt spid="15"/>
+                                        </p:tgtEl>
+                                      </p:cBhvr>
+                                    </p:animEffect>
+                                  </p:childTnLst>
+                                </p:cTn>
+                              </p:par>
+                              <p:par>
+                                <p:cTn id="8" presetID="10" presetClass="entr" presetSubtype="0" fill="hold" nodeType="withEffect">
+                                  <p:stCondLst>
+                                    <p:cond delay="0"/>
+                                  </p:stCondLst>
+                                  <p:childTnLst>
+                                    <p:set>
+                                      <p:cBhvr>
+                                        <p:cTn id="9" dur="1" fill="hold">
+                                          <p:stCondLst>
+                                            <p:cond delay="0"/>
+                                          </p:stCondLst>
+                                        </p:cTn>
+                                        <p:tgtEl>
+                                          <p:spTgt spid="3"/>
+                                        </p:tgtEl>
+                                        <p:attrNameLst>
+                                          <p:attrName>style.visibility</p:attrName>
+                                        </p:attrNameLst>
+                                      </p:cBhvr>
+                                      <p:to>
+                                        <p:strVal val="visible"/>
+                                      </p:to>
+                                    </p:set>
+                                    <p:animEffect transition="in" filter="fade">
+                                      <p:cBhvr>
+                                        <p:cTn id="10" dur="500"/>
+                                        <p:tgtEl>
+                                          <p:spTgt spid="3"/>
+                                        </p:tgtEl>
+                                      </p:cBhvr>
+                                    </p:animEffect>
+                                  </p:childTnLst>
+                                </p:cTn>
+                              </p:par>
+                              <p:par>
+                                <p:cTn id="11" presetID="10" presetClass="entr" presetSubtype="0" fill="hold" grpId="0" nodeType="withEffect">
+                                  <p:stCondLst>
+                                    <p:cond delay="0"/>
+                                  </p:stCondLst>
+                                  <p:childTnLst>
+                                    <p:set>
+                                      <p:cBhvr>
+                                        <p:cTn id="12" dur="1" fill="hold">
+                                          <p:stCondLst>
+                                            <p:cond delay="0"/>
+                                          </p:stCondLst>
+                                        </p:cTn>
+                                        <p:tgtEl>
+                                          <p:spTgt spid="20"/>
+                                        </p:tgtEl>
+                                        <p:attrNameLst>
+                                          <p:attrName>style.visibility</p:attrName>
+                                        </p:attrNameLst>
+                                      </p:cBhvr>
+                                      <p:to>
+                                        <p:strVal val="visible"/>
+                                      </p:to>
+                                    </p:set>
+                                    <p:animEffect transition="in" filter="fade">
+                                      <p:cBhvr>
+                                        <p:cTn id="13" dur="500"/>
+                                        <p:tgtEl>
+                                          <p:spTgt spid="20"/>
+                                        </p:tgtEl>
+                                      </p:cBhvr>
+                                    </p:animEffect>
+                                  </p:childTnLst>
+                                </p:cTn>
+                              </p:par>
+                              <p:par>
+                                <p:cTn id="14" presetID="10" presetClass="entr" presetSubtype="0" fill="hold" grpId="0" nodeType="withEffect">
+                                  <p:stCondLst>
+                                    <p:cond delay="0"/>
+                                  </p:stCondLst>
+                                  <p:childTnLst>
+                                    <p:set>
+                                      <p:cBhvr>
+                                        <p:cTn id="15" dur="1" fill="hold">
+                                          <p:stCondLst>
+                                            <p:cond delay="0"/>
+                                          </p:stCondLst>
+                                        </p:cTn>
+                                        <p:tgtEl>
+                                          <p:spTgt spid="21"/>
+                                        </p:tgtEl>
+                                        <p:attrNameLst>
+                                          <p:attrName>style.visibility</p:attrName>
+                                        </p:attrNameLst>
+                                      </p:cBhvr>
+                                      <p:to>
+                                        <p:strVal val="visible"/>
+                                      </p:to>
+                                    </p:set>
+                                    <p:animEffect transition="in" filter="fade">
+                                      <p:cBhvr>
+                                        <p:cTn id="16" dur="500"/>
+                                        <p:tgtEl>
+                                          <p:spTgt spid="21"/>
+                                        </p:tgtEl>
+                                      </p:cBhvr>
+                                    </p:animEffect>
+                                  </p:childTnLst>
+                                </p:cTn>
+                              </p:par>
+                              <p:par>
+                                <p:cTn id="17" presetID="10" presetClass="entr" presetSubtype="0" fill="hold" grpId="0" nodeType="withEffect">
+                                  <p:stCondLst>
+                                    <p:cond delay="0"/>
+                                  </p:stCondLst>
+                                  <p:childTnLst>
+                                    <p:set>
+                                      <p:cBhvr>
+                                        <p:cTn id="18" dur="1" fill="hold">
+                                          <p:stCondLst>
+                                            <p:cond delay="0"/>
+                                          </p:stCondLst>
+                                        </p:cTn>
+                                        <p:tgtEl>
+                                          <p:spTgt spid="18"/>
+                                        </p:tgtEl>
+                                        <p:attrNameLst>
+                                          <p:attrName>style.visibility</p:attrName>
+                                        </p:attrNameLst>
+                                      </p:cBhvr>
+                                      <p:to>
+                                        <p:strVal val="visible"/>
+                                      </p:to>
+                                    </p:set>
+                                    <p:animEffect transition="in" filter="fade">
+                                      <p:cBhvr>
+                                        <p:cTn id="19" dur="500"/>
+                                        <p:tgtEl>
+                                          <p:spTgt spid="18"/>
+                                        </p:tgtEl>
+                                      </p:cBhvr>
+                                    </p:animEffect>
+                                  </p:childTnLst>
+                                </p:cTn>
+                              </p:par>
+                              <p:par>
+                                <p:cTn id="20" presetID="10" presetClass="entr" presetSubtype="0" fill="hold" nodeType="withEffect">
+                                  <p:stCondLst>
+                                    <p:cond delay="0"/>
+                                  </p:stCondLst>
+                                  <p:childTnLst>
+                                    <p:set>
+                                      <p:cBhvr>
+                                        <p:cTn id="21" dur="1" fill="hold">
+                                          <p:stCondLst>
+                                            <p:cond delay="0"/>
+                                          </p:stCondLst>
+                                        </p:cTn>
+                                        <p:tgtEl>
+                                          <p:spTgt spid="16"/>
+                                        </p:tgtEl>
+                                        <p:attrNameLst>
+                                          <p:attrName>style.visibility</p:attrName>
+                                        </p:attrNameLst>
+                                      </p:cBhvr>
+                                      <p:to>
+                                        <p:strVal val="visible"/>
+                                      </p:to>
+                                    </p:set>
+                                    <p:animEffect transition="in" filter="fade">
+                                      <p:cBhvr>
+                                        <p:cTn id="22" dur="500"/>
+                                        <p:tgtEl>
+                                          <p:spTgt spid="16"/>
+                                        </p:tgtEl>
+                                      </p:cBhvr>
+                                    </p:animEffect>
+                                  </p:childTnLst>
+                                </p:cTn>
+                              </p:par>
+                              <p:par>
+                                <p:cTn id="23" presetID="10" presetClass="entr" presetSubtype="0" fill="hold" grpId="0" nodeType="withEffect">
+                                  <p:stCondLst>
+                                    <p:cond delay="0"/>
+                                  </p:stCondLst>
+                                  <p:childTnLst>
+                                    <p:set>
+                                      <p:cBhvr>
+                                        <p:cTn id="24" dur="1" fill="hold">
+                                          <p:stCondLst>
+                                            <p:cond delay="0"/>
+                                          </p:stCondLst>
+                                        </p:cTn>
+                                        <p:tgtEl>
+                                          <p:spTgt spid="19"/>
+                                        </p:tgtEl>
+                                        <p:attrNameLst>
+                                          <p:attrName>style.visibility</p:attrName>
+                                        </p:attrNameLst>
+                                      </p:cBhvr>
+                                      <p:to>
+                                        <p:strVal val="visible"/>
+                                      </p:to>
+                                    </p:set>
+                                    <p:animEffect transition="in" filter="fade">
+                                      <p:cBhvr>
+                                        <p:cTn id="25" dur="500"/>
+                                        <p:tgtEl>
+                                          <p:spTgt spid="19"/>
+                                        </p:tgtEl>
+                                      </p:cBhvr>
+                                    </p:animEffect>
+                                  </p:childTnLst>
+                                </p:cTn>
+                              </p:par>
+                              <p:par>
+                                <p:cTn id="26" presetID="10" presetClass="entr" presetSubtype="0" fill="hold" nodeType="withEffect">
+                                  <p:stCondLst>
+                                    <p:cond delay="0"/>
+                                  </p:stCondLst>
+                                  <p:childTnLst>
+                                    <p:set>
+                                      <p:cBhvr>
+                                        <p:cTn id="27" dur="1" fill="hold">
+                                          <p:stCondLst>
+                                            <p:cond delay="0"/>
+                                          </p:stCondLst>
+                                        </p:cTn>
+                                        <p:tgtEl>
+                                          <p:spTgt spid="17"/>
+                                        </p:tgtEl>
+                                        <p:attrNameLst>
+                                          <p:attrName>style.visibility</p:attrName>
+                                        </p:attrNameLst>
+                                      </p:cBhvr>
+                                      <p:to>
+                                        <p:strVal val="visible"/>
+                                      </p:to>
+                                    </p:set>
+                                    <p:animEffect transition="in" filter="fade">
+                                      <p:cBhvr>
+                                        <p:cTn id="28" dur="500"/>
+                                        <p:tgtEl>
+                                          <p:spTgt spid="17"/>
+                                        </p:tgtEl>
+                                      </p:cBhvr>
+                                    </p:animEffect>
+                                  </p:childTnLst>
+                                </p:cTn>
+                              </p:par>
+                            </p:childTnLst>
+                          </p:cTn>
+                        </p:par>
+                      </p:childTnLst>
+                    </p:cTn>
+                  </p:par>
+                </p:childTnLst>
+              </p:cTn>
+              <p:prevCondLst>
+                <p:cond evt="onPrev" delay="0">
+                  <p:tgtEl>
+                    <p:sldTgt/>
+                  </p:tgtEl>
+                </p:cond>
+              </p:prevCondLst>
+              <p:nextCondLst>
+                <p:cond evt="onNext" delay="0">
+                  <p:tgtEl>
+                    <p:sldTgt/>
+                  </p:tgtEl>
+                </p:cond>
+              </p:nextCondLst>
+            </p:seq>
+          </p:childTnLst>
+        </p:cTn>
       </p:par>
     </p:tnLst>
+    <p:bldLst>
+      <p:bldP spid="18" grpId="0" animBg="1"/>
+      <p:bldP spid="19" grpId="0" animBg="1"/>
+      <p:bldP spid="20" grpId="0" animBg="1"/>
+      <p:bldP spid="21" grpId="0" animBg="1"/>
+    </p:bldLst>
   </p:timing>
 </p:sld>
 </file>
@@ -7225,14 +7981,44 @@
       </p:grpSpPr>
       <p:pic>
         <p:nvPicPr>
-          <p:cNvPr id="3" name="Picture 2"/>
+          <p:cNvPr id="4" name="Picture 3"/>
           <p:cNvPicPr>
             <a:picLocks noChangeAspect="1"/>
           </p:cNvPicPr>
           <p:nvPr/>
         </p:nvPicPr>
         <p:blipFill>
-          <a:blip r:embed="rId2">
+          <a:blip r:embed="rId2" cstate="print">
+            <a:extLst>
+              <a:ext uri="{28A0092B-C50C-407E-A947-70E740481C1C}">
+                <a14:useLocalDpi xmlns:a14="http://schemas.microsoft.com/office/drawing/2010/main" val="0"/>
+              </a:ext>
+            </a:extLst>
+          </a:blip>
+          <a:stretch>
+            <a:fillRect/>
+          </a:stretch>
+        </p:blipFill>
+        <p:spPr>
+          <a:xfrm flipH="1">
+            <a:off x="457200" y="1524000"/>
+            <a:ext cx="1600200" cy="1600200"/>
+          </a:xfrm>
+          <a:prstGeom prst="rect">
+            <a:avLst/>
+          </a:prstGeom>
+        </p:spPr>
+      </p:pic>
+      <p:pic>
+        <p:nvPicPr>
+          <p:cNvPr id="5" name="Picture 4"/>
+          <p:cNvPicPr>
+            <a:picLocks noChangeAspect="1"/>
+          </p:cNvPicPr>
+          <p:nvPr/>
+        </p:nvPicPr>
+        <p:blipFill>
+          <a:blip r:embed="rId3" cstate="print">
             <a:extLst>
               <a:ext uri="{28A0092B-C50C-407E-A947-70E740481C1C}">
                 <a14:useLocalDpi xmlns:a14="http://schemas.microsoft.com/office/drawing/2010/main" val="0"/>
@@ -7245,14 +8031,357 @@
         </p:blipFill>
         <p:spPr>
           <a:xfrm>
-            <a:off x="0" y="1170323"/>
-            <a:ext cx="9144000" cy="4517354"/>
+            <a:off x="6909003" y="1295400"/>
+            <a:ext cx="1752600" cy="1752600"/>
           </a:xfrm>
           <a:prstGeom prst="rect">
             <a:avLst/>
           </a:prstGeom>
         </p:spPr>
       </p:pic>
+      <p:pic>
+        <p:nvPicPr>
+          <p:cNvPr id="6" name="Picture 5"/>
+          <p:cNvPicPr>
+            <a:picLocks noChangeAspect="1"/>
+          </p:cNvPicPr>
+          <p:nvPr/>
+        </p:nvPicPr>
+        <p:blipFill>
+          <a:blip r:embed="rId4" cstate="print">
+            <a:extLst>
+              <a:ext uri="{28A0092B-C50C-407E-A947-70E740481C1C}">
+                <a14:useLocalDpi xmlns:a14="http://schemas.microsoft.com/office/drawing/2010/main" val="0"/>
+              </a:ext>
+            </a:extLst>
+          </a:blip>
+          <a:stretch>
+            <a:fillRect/>
+          </a:stretch>
+        </p:blipFill>
+        <p:spPr>
+          <a:xfrm>
+            <a:off x="3743718" y="3336016"/>
+            <a:ext cx="990600" cy="990600"/>
+          </a:xfrm>
+          <a:prstGeom prst="rect">
+            <a:avLst/>
+          </a:prstGeom>
+        </p:spPr>
+      </p:pic>
+      <p:pic>
+        <p:nvPicPr>
+          <p:cNvPr id="8" name="Picture 7"/>
+          <p:cNvPicPr>
+            <a:picLocks noChangeAspect="1"/>
+          </p:cNvPicPr>
+          <p:nvPr/>
+        </p:nvPicPr>
+        <p:blipFill>
+          <a:blip r:embed="rId5" cstate="print">
+            <a:extLst>
+              <a:ext uri="{28A0092B-C50C-407E-A947-70E740481C1C}">
+                <a14:useLocalDpi xmlns:a14="http://schemas.microsoft.com/office/drawing/2010/main" val="0"/>
+              </a:ext>
+            </a:extLst>
+          </a:blip>
+          <a:stretch>
+            <a:fillRect/>
+          </a:stretch>
+        </p:blipFill>
+        <p:spPr>
+          <a:xfrm>
+            <a:off x="7112406" y="5029200"/>
+            <a:ext cx="1345794" cy="1345794"/>
+          </a:xfrm>
+          <a:prstGeom prst="rect">
+            <a:avLst/>
+          </a:prstGeom>
+        </p:spPr>
+      </p:pic>
+      <p:sp>
+        <p:nvSpPr>
+          <p:cNvPr id="26" name="Right Arrow 25"/>
+          <p:cNvSpPr/>
+          <p:nvPr/>
+        </p:nvSpPr>
+        <p:spPr>
+          <a:xfrm>
+            <a:off x="2819400" y="2019300"/>
+            <a:ext cx="3581400" cy="304800"/>
+          </a:xfrm>
+          <a:prstGeom prst="rightArrow">
+            <a:avLst/>
+          </a:prstGeom>
+        </p:spPr>
+        <p:style>
+          <a:lnRef idx="2">
+            <a:schemeClr val="accent1">
+              <a:shade val="50000"/>
+            </a:schemeClr>
+          </a:lnRef>
+          <a:fillRef idx="1">
+            <a:schemeClr val="accent1"/>
+          </a:fillRef>
+          <a:effectRef idx="0">
+            <a:schemeClr val="accent1"/>
+          </a:effectRef>
+          <a:fontRef idx="minor">
+            <a:schemeClr val="lt1"/>
+          </a:fontRef>
+        </p:style>
+        <p:txBody>
+          <a:bodyPr rtlCol="0" anchor="ctr"/>
+          <a:lstStyle/>
+          <a:p>
+            <a:pPr algn="ctr"/>
+            <a:endParaRPr lang="en-US"/>
+          </a:p>
+        </p:txBody>
+      </p:sp>
+      <p:sp>
+        <p:nvSpPr>
+          <p:cNvPr id="27" name="Right Arrow 26"/>
+          <p:cNvSpPr/>
+          <p:nvPr/>
+        </p:nvSpPr>
+        <p:spPr>
+          <a:xfrm rot="9282431">
+            <a:off x="4879778" y="3018634"/>
+            <a:ext cx="2276640" cy="304800"/>
+          </a:xfrm>
+          <a:prstGeom prst="rightArrow">
+            <a:avLst/>
+          </a:prstGeom>
+        </p:spPr>
+        <p:style>
+          <a:lnRef idx="2">
+            <a:schemeClr val="accent1">
+              <a:shade val="50000"/>
+            </a:schemeClr>
+          </a:lnRef>
+          <a:fillRef idx="1">
+            <a:schemeClr val="accent1"/>
+          </a:fillRef>
+          <a:effectRef idx="0">
+            <a:schemeClr val="accent1"/>
+          </a:effectRef>
+          <a:fontRef idx="minor">
+            <a:schemeClr val="lt1"/>
+          </a:fontRef>
+        </p:style>
+        <p:txBody>
+          <a:bodyPr rtlCol="0" anchor="ctr"/>
+          <a:lstStyle/>
+          <a:p>
+            <a:pPr algn="ctr"/>
+            <a:endParaRPr lang="en-US"/>
+          </a:p>
+        </p:txBody>
+      </p:sp>
+      <p:sp>
+        <p:nvSpPr>
+          <p:cNvPr id="28" name="Right Arrow 27"/>
+          <p:cNvSpPr/>
+          <p:nvPr/>
+        </p:nvSpPr>
+        <p:spPr>
+          <a:xfrm rot="1781686">
+            <a:off x="4718574" y="4563902"/>
+            <a:ext cx="2599048" cy="186977"/>
+          </a:xfrm>
+          <a:prstGeom prst="rightArrow">
+            <a:avLst/>
+          </a:prstGeom>
+        </p:spPr>
+        <p:style>
+          <a:lnRef idx="2">
+            <a:schemeClr val="accent1">
+              <a:shade val="50000"/>
+            </a:schemeClr>
+          </a:lnRef>
+          <a:fillRef idx="1">
+            <a:schemeClr val="accent1"/>
+          </a:fillRef>
+          <a:effectRef idx="0">
+            <a:schemeClr val="accent1"/>
+          </a:effectRef>
+          <a:fontRef idx="minor">
+            <a:schemeClr val="lt1"/>
+          </a:fontRef>
+        </p:style>
+        <p:txBody>
+          <a:bodyPr rtlCol="0" anchor="ctr"/>
+          <a:lstStyle/>
+          <a:p>
+            <a:pPr algn="ctr"/>
+            <a:endParaRPr lang="en-US"/>
+          </a:p>
+        </p:txBody>
+      </p:sp>
+      <p:sp>
+        <p:nvSpPr>
+          <p:cNvPr id="29" name="Right Arrow 28"/>
+          <p:cNvSpPr/>
+          <p:nvPr/>
+        </p:nvSpPr>
+        <p:spPr>
+          <a:xfrm rot="12739026">
+            <a:off x="1860895" y="2939370"/>
+            <a:ext cx="1909241" cy="198935"/>
+          </a:xfrm>
+          <a:prstGeom prst="rightArrow">
+            <a:avLst/>
+          </a:prstGeom>
+        </p:spPr>
+        <p:style>
+          <a:lnRef idx="2">
+            <a:schemeClr val="accent1">
+              <a:shade val="50000"/>
+            </a:schemeClr>
+          </a:lnRef>
+          <a:fillRef idx="1">
+            <a:schemeClr val="accent1"/>
+          </a:fillRef>
+          <a:effectRef idx="0">
+            <a:schemeClr val="accent1"/>
+          </a:effectRef>
+          <a:fontRef idx="minor">
+            <a:schemeClr val="lt1"/>
+          </a:fontRef>
+        </p:style>
+        <p:txBody>
+          <a:bodyPr rtlCol="0" anchor="ctr"/>
+          <a:lstStyle/>
+          <a:p>
+            <a:pPr algn="ctr"/>
+            <a:endParaRPr lang="en-US"/>
+          </a:p>
+        </p:txBody>
+      </p:sp>
+      <p:sp>
+        <p:nvSpPr>
+          <p:cNvPr id="31" name="Multiply 30"/>
+          <p:cNvSpPr/>
+          <p:nvPr/>
+        </p:nvSpPr>
+        <p:spPr>
+          <a:xfrm>
+            <a:off x="4152900" y="1812790"/>
+            <a:ext cx="914400" cy="685800"/>
+          </a:xfrm>
+          <a:prstGeom prst="mathMultiply">
+            <a:avLst/>
+          </a:prstGeom>
+          <a:solidFill>
+            <a:schemeClr val="accent2"/>
+          </a:solidFill>
+        </p:spPr>
+        <p:style>
+          <a:lnRef idx="2">
+            <a:schemeClr val="accent1">
+              <a:shade val="50000"/>
+            </a:schemeClr>
+          </a:lnRef>
+          <a:fillRef idx="1">
+            <a:schemeClr val="accent1"/>
+          </a:fillRef>
+          <a:effectRef idx="0">
+            <a:schemeClr val="accent1"/>
+          </a:effectRef>
+          <a:fontRef idx="minor">
+            <a:schemeClr val="lt1"/>
+          </a:fontRef>
+        </p:style>
+        <p:txBody>
+          <a:bodyPr rtlCol="0" anchor="ctr"/>
+          <a:lstStyle/>
+          <a:p>
+            <a:pPr algn="ctr"/>
+            <a:endParaRPr lang="en-US"/>
+          </a:p>
+        </p:txBody>
+      </p:sp>
+      <p:sp>
+        <p:nvSpPr>
+          <p:cNvPr id="32" name="Left Arrow 31"/>
+          <p:cNvSpPr/>
+          <p:nvPr/>
+        </p:nvSpPr>
+        <p:spPr>
+          <a:xfrm rot="1741559">
+            <a:off x="4495651" y="4709372"/>
+            <a:ext cx="2514600" cy="189501"/>
+          </a:xfrm>
+          <a:prstGeom prst="leftArrow">
+            <a:avLst/>
+          </a:prstGeom>
+        </p:spPr>
+        <p:style>
+          <a:lnRef idx="2">
+            <a:schemeClr val="accent1">
+              <a:shade val="50000"/>
+            </a:schemeClr>
+          </a:lnRef>
+          <a:fillRef idx="1">
+            <a:schemeClr val="accent1"/>
+          </a:fillRef>
+          <a:effectRef idx="0">
+            <a:schemeClr val="accent1"/>
+          </a:effectRef>
+          <a:fontRef idx="minor">
+            <a:schemeClr val="lt1"/>
+          </a:fontRef>
+        </p:style>
+        <p:txBody>
+          <a:bodyPr rtlCol="0" anchor="ctr"/>
+          <a:lstStyle/>
+          <a:p>
+            <a:pPr algn="ctr"/>
+            <a:endParaRPr lang="en-US"/>
+          </a:p>
+        </p:txBody>
+      </p:sp>
+      <p:sp>
+        <p:nvSpPr>
+          <p:cNvPr id="33" name="Right Arrow 32"/>
+          <p:cNvSpPr/>
+          <p:nvPr/>
+        </p:nvSpPr>
+        <p:spPr>
+          <a:xfrm rot="1871794">
+            <a:off x="1992365" y="3268334"/>
+            <a:ext cx="1678552" cy="229250"/>
+          </a:xfrm>
+          <a:prstGeom prst="rightArrow">
+            <a:avLst/>
+          </a:prstGeom>
+        </p:spPr>
+        <p:style>
+          <a:lnRef idx="2">
+            <a:schemeClr val="accent1">
+              <a:shade val="50000"/>
+            </a:schemeClr>
+          </a:lnRef>
+          <a:fillRef idx="1">
+            <a:schemeClr val="accent1"/>
+          </a:fillRef>
+          <a:effectRef idx="0">
+            <a:schemeClr val="accent1"/>
+          </a:effectRef>
+          <a:fontRef idx="minor">
+            <a:schemeClr val="lt1"/>
+          </a:fontRef>
+        </p:style>
+        <p:txBody>
+          <a:bodyPr rtlCol="0" anchor="ctr"/>
+          <a:lstStyle/>
+          <a:p>
+            <a:pPr algn="ctr"/>
+            <a:endParaRPr lang="en-US"/>
+          </a:p>
+        </p:txBody>
+      </p:sp>
     </p:spTree>
     <p:extLst>
       <p:ext uri="{BB962C8B-B14F-4D97-AF65-F5344CB8AC3E}">
@@ -7266,9 +8395,394 @@
   <p:timing>
     <p:tnLst>
       <p:par>
-        <p:cTn id="1" dur="indefinite" restart="never" nodeType="tmRoot"/>
+        <p:cTn id="1" dur="indefinite" restart="never" nodeType="tmRoot">
+          <p:childTnLst>
+            <p:seq concurrent="1" nextAc="seek">
+              <p:cTn id="2" dur="indefinite" nodeType="mainSeq">
+                <p:childTnLst>
+                  <p:par>
+                    <p:cTn id="3" fill="hold">
+                      <p:stCondLst>
+                        <p:cond delay="indefinite"/>
+                      </p:stCondLst>
+                      <p:childTnLst>
+                        <p:par>
+                          <p:cTn id="4" fill="hold">
+                            <p:stCondLst>
+                              <p:cond delay="0"/>
+                            </p:stCondLst>
+                            <p:childTnLst>
+                              <p:par>
+                                <p:cTn id="5" presetID="10" presetClass="entr" presetSubtype="0" fill="hold" grpId="0" nodeType="clickEffect">
+                                  <p:stCondLst>
+                                    <p:cond delay="0"/>
+                                  </p:stCondLst>
+                                  <p:childTnLst>
+                                    <p:set>
+                                      <p:cBhvr>
+                                        <p:cTn id="6" dur="1" fill="hold">
+                                          <p:stCondLst>
+                                            <p:cond delay="0"/>
+                                          </p:stCondLst>
+                                        </p:cTn>
+                                        <p:tgtEl>
+                                          <p:spTgt spid="26"/>
+                                        </p:tgtEl>
+                                        <p:attrNameLst>
+                                          <p:attrName>style.visibility</p:attrName>
+                                        </p:attrNameLst>
+                                      </p:cBhvr>
+                                      <p:to>
+                                        <p:strVal val="visible"/>
+                                      </p:to>
+                                    </p:set>
+                                    <p:animEffect transition="in" filter="fade">
+                                      <p:cBhvr>
+                                        <p:cTn id="7" dur="500"/>
+                                        <p:tgtEl>
+                                          <p:spTgt spid="26"/>
+                                        </p:tgtEl>
+                                      </p:cBhvr>
+                                    </p:animEffect>
+                                  </p:childTnLst>
+                                </p:cTn>
+                              </p:par>
+                            </p:childTnLst>
+                          </p:cTn>
+                        </p:par>
+                      </p:childTnLst>
+                    </p:cTn>
+                  </p:par>
+                  <p:par>
+                    <p:cTn id="8" fill="hold">
+                      <p:stCondLst>
+                        <p:cond delay="indefinite"/>
+                      </p:stCondLst>
+                      <p:childTnLst>
+                        <p:par>
+                          <p:cTn id="9" fill="hold">
+                            <p:stCondLst>
+                              <p:cond delay="0"/>
+                            </p:stCondLst>
+                            <p:childTnLst>
+                              <p:par>
+                                <p:cTn id="10" presetID="10" presetClass="entr" presetSubtype="0" fill="hold" grpId="0" nodeType="clickEffect">
+                                  <p:stCondLst>
+                                    <p:cond delay="0"/>
+                                  </p:stCondLst>
+                                  <p:childTnLst>
+                                    <p:set>
+                                      <p:cBhvr>
+                                        <p:cTn id="11" dur="1" fill="hold">
+                                          <p:stCondLst>
+                                            <p:cond delay="0"/>
+                                          </p:stCondLst>
+                                        </p:cTn>
+                                        <p:tgtEl>
+                                          <p:spTgt spid="27"/>
+                                        </p:tgtEl>
+                                        <p:attrNameLst>
+                                          <p:attrName>style.visibility</p:attrName>
+                                        </p:attrNameLst>
+                                      </p:cBhvr>
+                                      <p:to>
+                                        <p:strVal val="visible"/>
+                                      </p:to>
+                                    </p:set>
+                                    <p:animEffect transition="in" filter="fade">
+                                      <p:cBhvr>
+                                        <p:cTn id="12" dur="500"/>
+                                        <p:tgtEl>
+                                          <p:spTgt spid="27"/>
+                                        </p:tgtEl>
+                                      </p:cBhvr>
+                                    </p:animEffect>
+                                  </p:childTnLst>
+                                </p:cTn>
+                              </p:par>
+                            </p:childTnLst>
+                          </p:cTn>
+                        </p:par>
+                        <p:par>
+                          <p:cTn id="13" fill="hold">
+                            <p:stCondLst>
+                              <p:cond delay="500"/>
+                            </p:stCondLst>
+                            <p:childTnLst>
+                              <p:par>
+                                <p:cTn id="14" presetID="10" presetClass="entr" presetSubtype="0" fill="hold" grpId="0" nodeType="afterEffect">
+                                  <p:stCondLst>
+                                    <p:cond delay="0"/>
+                                  </p:stCondLst>
+                                  <p:childTnLst>
+                                    <p:set>
+                                      <p:cBhvr>
+                                        <p:cTn id="15" dur="1" fill="hold">
+                                          <p:stCondLst>
+                                            <p:cond delay="0"/>
+                                          </p:stCondLst>
+                                        </p:cTn>
+                                        <p:tgtEl>
+                                          <p:spTgt spid="28"/>
+                                        </p:tgtEl>
+                                        <p:attrNameLst>
+                                          <p:attrName>style.visibility</p:attrName>
+                                        </p:attrNameLst>
+                                      </p:cBhvr>
+                                      <p:to>
+                                        <p:strVal val="visible"/>
+                                      </p:to>
+                                    </p:set>
+                                    <p:animEffect transition="in" filter="fade">
+                                      <p:cBhvr>
+                                        <p:cTn id="16" dur="500"/>
+                                        <p:tgtEl>
+                                          <p:spTgt spid="28"/>
+                                        </p:tgtEl>
+                                      </p:cBhvr>
+                                    </p:animEffect>
+                                  </p:childTnLst>
+                                </p:cTn>
+                              </p:par>
+                            </p:childTnLst>
+                          </p:cTn>
+                        </p:par>
+                        <p:par>
+                          <p:cTn id="17" fill="hold">
+                            <p:stCondLst>
+                              <p:cond delay="1000"/>
+                            </p:stCondLst>
+                            <p:childTnLst>
+                              <p:par>
+                                <p:cTn id="18" presetID="10" presetClass="entr" presetSubtype="0" fill="hold" grpId="0" nodeType="afterEffect">
+                                  <p:stCondLst>
+                                    <p:cond delay="0"/>
+                                  </p:stCondLst>
+                                  <p:childTnLst>
+                                    <p:set>
+                                      <p:cBhvr>
+                                        <p:cTn id="19" dur="1" fill="hold">
+                                          <p:stCondLst>
+                                            <p:cond delay="0"/>
+                                          </p:stCondLst>
+                                        </p:cTn>
+                                        <p:tgtEl>
+                                          <p:spTgt spid="29"/>
+                                        </p:tgtEl>
+                                        <p:attrNameLst>
+                                          <p:attrName>style.visibility</p:attrName>
+                                        </p:attrNameLst>
+                                      </p:cBhvr>
+                                      <p:to>
+                                        <p:strVal val="visible"/>
+                                      </p:to>
+                                    </p:set>
+                                    <p:animEffect transition="in" filter="fade">
+                                      <p:cBhvr>
+                                        <p:cTn id="20" dur="500"/>
+                                        <p:tgtEl>
+                                          <p:spTgt spid="29"/>
+                                        </p:tgtEl>
+                                      </p:cBhvr>
+                                    </p:animEffect>
+                                  </p:childTnLst>
+                                </p:cTn>
+                              </p:par>
+                            </p:childTnLst>
+                          </p:cTn>
+                        </p:par>
+                      </p:childTnLst>
+                    </p:cTn>
+                  </p:par>
+                  <p:par>
+                    <p:cTn id="21" fill="hold">
+                      <p:stCondLst>
+                        <p:cond delay="indefinite"/>
+                      </p:stCondLst>
+                      <p:childTnLst>
+                        <p:par>
+                          <p:cTn id="22" fill="hold">
+                            <p:stCondLst>
+                              <p:cond delay="0"/>
+                            </p:stCondLst>
+                            <p:childTnLst>
+                              <p:par>
+                                <p:cTn id="23" presetID="10" presetClass="entr" presetSubtype="0" fill="hold" grpId="0" nodeType="clickEffect">
+                                  <p:stCondLst>
+                                    <p:cond delay="0"/>
+                                  </p:stCondLst>
+                                  <p:childTnLst>
+                                    <p:set>
+                                      <p:cBhvr>
+                                        <p:cTn id="24" dur="1" fill="hold">
+                                          <p:stCondLst>
+                                            <p:cond delay="0"/>
+                                          </p:stCondLst>
+                                        </p:cTn>
+                                        <p:tgtEl>
+                                          <p:spTgt spid="31"/>
+                                        </p:tgtEl>
+                                        <p:attrNameLst>
+                                          <p:attrName>style.visibility</p:attrName>
+                                        </p:attrNameLst>
+                                      </p:cBhvr>
+                                      <p:to>
+                                        <p:strVal val="visible"/>
+                                      </p:to>
+                                    </p:set>
+                                    <p:animEffect transition="in" filter="fade">
+                                      <p:cBhvr>
+                                        <p:cTn id="25" dur="500"/>
+                                        <p:tgtEl>
+                                          <p:spTgt spid="31"/>
+                                        </p:tgtEl>
+                                      </p:cBhvr>
+                                    </p:animEffect>
+                                  </p:childTnLst>
+                                </p:cTn>
+                              </p:par>
+                            </p:childTnLst>
+                          </p:cTn>
+                        </p:par>
+                      </p:childTnLst>
+                    </p:cTn>
+                  </p:par>
+                  <p:par>
+                    <p:cTn id="26" fill="hold">
+                      <p:stCondLst>
+                        <p:cond delay="indefinite"/>
+                      </p:stCondLst>
+                      <p:childTnLst>
+                        <p:par>
+                          <p:cTn id="27" fill="hold">
+                            <p:stCondLst>
+                              <p:cond delay="0"/>
+                            </p:stCondLst>
+                            <p:childTnLst>
+                              <p:par>
+                                <p:cTn id="28" presetID="10" presetClass="entr" presetSubtype="0" fill="hold" grpId="0" nodeType="clickEffect">
+                                  <p:stCondLst>
+                                    <p:cond delay="0"/>
+                                  </p:stCondLst>
+                                  <p:childTnLst>
+                                    <p:set>
+                                      <p:cBhvr>
+                                        <p:cTn id="29" dur="1" fill="hold">
+                                          <p:stCondLst>
+                                            <p:cond delay="0"/>
+                                          </p:stCondLst>
+                                        </p:cTn>
+                                        <p:tgtEl>
+                                          <p:spTgt spid="33"/>
+                                        </p:tgtEl>
+                                        <p:attrNameLst>
+                                          <p:attrName>style.visibility</p:attrName>
+                                        </p:attrNameLst>
+                                      </p:cBhvr>
+                                      <p:to>
+                                        <p:strVal val="visible"/>
+                                      </p:to>
+                                    </p:set>
+                                    <p:animEffect transition="in" filter="fade">
+                                      <p:cBhvr>
+                                        <p:cTn id="30" dur="500"/>
+                                        <p:tgtEl>
+                                          <p:spTgt spid="33"/>
+                                        </p:tgtEl>
+                                      </p:cBhvr>
+                                    </p:animEffect>
+                                  </p:childTnLst>
+                                </p:cTn>
+                              </p:par>
+                            </p:childTnLst>
+                          </p:cTn>
+                        </p:par>
+                      </p:childTnLst>
+                    </p:cTn>
+                  </p:par>
+                  <p:par>
+                    <p:cTn id="31" fill="hold">
+                      <p:stCondLst>
+                        <p:cond delay="indefinite"/>
+                      </p:stCondLst>
+                      <p:childTnLst>
+                        <p:par>
+                          <p:cTn id="32" fill="hold">
+                            <p:stCondLst>
+                              <p:cond delay="0"/>
+                            </p:stCondLst>
+                            <p:childTnLst>
+                              <p:par>
+                                <p:cTn id="33" presetID="10" presetClass="entr" presetSubtype="0" fill="hold" grpId="0" nodeType="clickEffect">
+                                  <p:stCondLst>
+                                    <p:cond delay="0"/>
+                                  </p:stCondLst>
+                                  <p:childTnLst>
+                                    <p:set>
+                                      <p:cBhvr>
+                                        <p:cTn id="34" dur="1" fill="hold">
+                                          <p:stCondLst>
+                                            <p:cond delay="0"/>
+                                          </p:stCondLst>
+                                        </p:cTn>
+                                        <p:tgtEl>
+                                          <p:spTgt spid="32"/>
+                                        </p:tgtEl>
+                                        <p:attrNameLst>
+                                          <p:attrName>style.visibility</p:attrName>
+                                        </p:attrNameLst>
+                                      </p:cBhvr>
+                                      <p:to>
+                                        <p:strVal val="visible"/>
+                                      </p:to>
+                                    </p:set>
+                                    <p:animEffect transition="in" filter="fade">
+                                      <p:cBhvr>
+                                        <p:cTn id="35" dur="500"/>
+                                        <p:tgtEl>
+                                          <p:spTgt spid="32"/>
+                                        </p:tgtEl>
+                                      </p:cBhvr>
+                                    </p:animEffect>
+                                  </p:childTnLst>
+                                </p:cTn>
+                              </p:par>
+                            </p:childTnLst>
+                          </p:cTn>
+                        </p:par>
+                      </p:childTnLst>
+                    </p:cTn>
+                  </p:par>
+                </p:childTnLst>
+              </p:cTn>
+              <p:prevCondLst>
+                <p:cond evt="onPrev" delay="0">
+                  <p:tgtEl>
+                    <p:sldTgt/>
+                  </p:tgtEl>
+                </p:cond>
+              </p:prevCondLst>
+              <p:nextCondLst>
+                <p:cond evt="onNext" delay="0">
+                  <p:tgtEl>
+                    <p:sldTgt/>
+                  </p:tgtEl>
+                </p:cond>
+              </p:nextCondLst>
+            </p:seq>
+          </p:childTnLst>
+        </p:cTn>
       </p:par>
     </p:tnLst>
+    <p:bldLst>
+      <p:bldP spid="26" grpId="0" animBg="1"/>
+      <p:bldP spid="27" grpId="0" animBg="1"/>
+      <p:bldP spid="28" grpId="0" animBg="1"/>
+      <p:bldP spid="29" grpId="0" animBg="1"/>
+      <p:bldP spid="31" grpId="0" animBg="1"/>
+      <p:bldP spid="32" grpId="0" animBg="1"/>
+      <p:bldP spid="33" grpId="0" animBg="1"/>
+    </p:bldLst>
   </p:timing>
 </p:sld>
 </file>

--- a/40.pptx
+++ b/40.pptx
@@ -2832,6 +2832,30 @@
           <a:chExt cx="0" cy="0"/>
         </a:xfrm>
       </p:grpSpPr>
+      <p:pic>
+        <p:nvPicPr>
+          <p:cNvPr id="7" name="Picture 6"/>
+          <p:cNvPicPr>
+            <a:picLocks noChangeAspect="1"/>
+          </p:cNvPicPr>
+          <p:nvPr userDrawn="1"/>
+        </p:nvPicPr>
+        <p:blipFill>
+          <a:blip r:embed="rId2"/>
+          <a:stretch>
+            <a:fillRect/>
+          </a:stretch>
+        </p:blipFill>
+        <p:spPr>
+          <a:xfrm>
+            <a:off x="0" y="1"/>
+            <a:ext cx="9144000" cy="1219200"/>
+          </a:xfrm>
+          <a:prstGeom prst="rect">
+            <a:avLst/>
+          </a:prstGeom>
+        </p:spPr>
+      </p:pic>
       <p:sp>
         <p:nvSpPr>
           <p:cNvPr id="2" name="Title 1"/>
@@ -5364,7 +5388,7 @@
     <p:bg>
       <p:bgPr>
         <a:solidFill>
-          <a:srgbClr val="0589E8"/>
+          <a:schemeClr val="bg1"/>
         </a:solidFill>
         <a:effectLst/>
       </p:bgPr>
@@ -5443,38 +5467,38 @@
           <a:p>
             <a:pPr lvl="0"/>
             <a:r>
-              <a:rPr lang="en-US" smtClean="0"/>
+              <a:rPr lang="en-US" dirty="0" smtClean="0"/>
               <a:t>Click to edit Master text styles</a:t>
             </a:r>
           </a:p>
           <a:p>
             <a:pPr lvl="1"/>
             <a:r>
-              <a:rPr lang="en-US" smtClean="0"/>
+              <a:rPr lang="en-US" dirty="0" smtClean="0"/>
               <a:t>Second level</a:t>
             </a:r>
           </a:p>
           <a:p>
             <a:pPr lvl="2"/>
             <a:r>
-              <a:rPr lang="en-US" smtClean="0"/>
+              <a:rPr lang="en-US" dirty="0" smtClean="0"/>
               <a:t>Third level</a:t>
             </a:r>
           </a:p>
           <a:p>
             <a:pPr lvl="3"/>
             <a:r>
-              <a:rPr lang="en-US" smtClean="0"/>
+              <a:rPr lang="en-US" dirty="0" smtClean="0"/>
               <a:t>Fourth level</a:t>
             </a:r>
           </a:p>
           <a:p>
             <a:pPr lvl="4"/>
             <a:r>
-              <a:rPr lang="en-US" smtClean="0"/>
+              <a:rPr lang="en-US" dirty="0" smtClean="0"/>
               <a:t>Fifth level</a:t>
             </a:r>
-            <a:endParaRPr lang="de-DE"/>
+            <a:endParaRPr lang="de-DE" dirty="0"/>
           </a:p>
         </p:txBody>
       </p:sp>
@@ -5877,6 +5901,22 @@
       </a:lvl9pPr>
     </p:otherStyle>
   </p:txStyles>
+  <p:extLst>
+    <p:ext uri="{27BBF7A9-308A-43DC-89C8-2F10F3537804}">
+      <p15:sldGuideLst xmlns:p15="http://schemas.microsoft.com/office/powerpoint/2012/main">
+        <p15:guide id="1" orient="horz" pos="3120" userDrawn="1">
+          <p15:clr>
+            <a:srgbClr val="F26B43"/>
+          </p15:clr>
+        </p15:guide>
+        <p15:guide id="2" orient="horz" pos="4032" userDrawn="1">
+          <p15:clr>
+            <a:srgbClr val="F26B43"/>
+          </p15:clr>
+        </p15:guide>
+      </p15:sldGuideLst>
+    </p:ext>
+  </p:extLst>
 </p:sldMaster>
 </file>
 
@@ -6405,6 +6445,14 @@
 <file path=ppt/slides/slide1.xml><?xml version="1.0" encoding="utf-8"?>
 <p:sld xmlns:a="http://schemas.openxmlformats.org/drawingml/2006/main" xmlns:r="http://schemas.openxmlformats.org/officeDocument/2006/relationships" xmlns:p="http://schemas.openxmlformats.org/presentationml/2006/main">
   <p:cSld>
+    <p:bg>
+      <p:bgPr>
+        <a:solidFill>
+          <a:srgbClr val="0589E8"/>
+        </a:solidFill>
+        <a:effectLst/>
+      </p:bgPr>
+    </p:bg>
     <p:spTree>
       <p:nvGrpSpPr>
         <p:cNvPr id="1" name=""/>
@@ -6534,7 +6582,7 @@
         </p:nvSpPr>
         <p:spPr>
           <a:xfrm>
-            <a:off x="457200" y="381000"/>
+            <a:off x="457200" y="0"/>
             <a:ext cx="8229600" cy="1143000"/>
           </a:xfrm>
         </p:spPr>
@@ -6613,7 +6661,10 @@
             <a:r>
               <a:rPr lang="bg-BG" sz="2800" dirty="0">
                 <a:solidFill>
-                  <a:schemeClr val="bg1"/>
+                  <a:schemeClr val="tx1">
+                    <a:lumMod val="85000"/>
+                    <a:lumOff val="15000"/>
+                  </a:schemeClr>
                 </a:solidFill>
               </a:rPr>
               <a:t>у</a:t>
@@ -6621,14 +6672,20 @@
             <a:r>
               <a:rPr lang="bg-BG" sz="2800" dirty="0" smtClean="0">
                 <a:solidFill>
-                  <a:schemeClr val="bg1"/>
+                  <a:schemeClr val="tx1">
+                    <a:lumMod val="85000"/>
+                    <a:lumOff val="15000"/>
+                  </a:schemeClr>
                 </a:solidFill>
               </a:rPr>
               <a:t>лесняване на организирането на учебната програма</a:t>
             </a:r>
             <a:endParaRPr lang="bg-BG" sz="2800" dirty="0">
               <a:solidFill>
-                <a:schemeClr val="bg1"/>
+                <a:schemeClr val="tx1">
+                  <a:lumMod val="85000"/>
+                  <a:lumOff val="15000"/>
+                </a:schemeClr>
               </a:solidFill>
             </a:endParaRPr>
           </a:p>
@@ -6641,7 +6698,10 @@
             <a:r>
               <a:rPr lang="bg-BG" sz="2800" dirty="0" smtClean="0">
                 <a:solidFill>
-                  <a:schemeClr val="bg1"/>
+                  <a:schemeClr val="tx1">
+                    <a:lumMod val="85000"/>
+                    <a:lumOff val="15000"/>
+                  </a:schemeClr>
                 </a:solidFill>
               </a:rPr>
               <a:t>график с тестове и контролни и лесното им следене</a:t>
@@ -6656,7 +6716,10 @@
             <a:r>
               <a:rPr lang="bg-BG" sz="2800" dirty="0" smtClean="0">
                 <a:solidFill>
-                  <a:schemeClr val="bg1"/>
+                  <a:schemeClr val="tx1">
+                    <a:lumMod val="85000"/>
+                    <a:lumOff val="15000"/>
+                  </a:schemeClr>
                 </a:solidFill>
               </a:rPr>
               <a:t>място за въвеждане на оценки и удобното им организиране</a:t>
@@ -6713,7 +6776,7 @@
         </p:nvSpPr>
         <p:spPr>
           <a:xfrm>
-            <a:off x="457200" y="381000"/>
+            <a:off x="457200" y="0"/>
             <a:ext cx="8229600" cy="1143000"/>
           </a:xfrm>
         </p:spPr>
@@ -6792,7 +6855,10 @@
             <a:r>
               <a:rPr lang="bg-BG" dirty="0" smtClean="0">
                 <a:solidFill>
-                  <a:schemeClr val="bg1"/>
+                  <a:schemeClr val="tx1">
+                    <a:lumMod val="85000"/>
+                    <a:lumOff val="15000"/>
+                  </a:schemeClr>
                 </a:solidFill>
               </a:rPr>
               <a:t>измисляне на водеща идея</a:t>
@@ -6807,7 +6873,10 @@
             <a:r>
               <a:rPr lang="bg-BG" dirty="0" smtClean="0">
                 <a:solidFill>
-                  <a:schemeClr val="bg1"/>
+                  <a:schemeClr val="tx1">
+                    <a:lumMod val="85000"/>
+                    <a:lumOff val="15000"/>
+                  </a:schemeClr>
                 </a:solidFill>
               </a:rPr>
               <a:t>отделяне на време за изучаване и практикуване на нови технологии</a:t>
@@ -6822,14 +6891,20 @@
             <a:r>
               <a:rPr lang="bg-BG" dirty="0" smtClean="0">
                 <a:solidFill>
-                  <a:schemeClr val="bg1"/>
+                  <a:schemeClr val="tx1">
+                    <a:lumMod val="85000"/>
+                    <a:lumOff val="15000"/>
+                  </a:schemeClr>
                 </a:solidFill>
               </a:rPr>
               <a:t>измисляне на мобилен и десктоп дизайн</a:t>
             </a:r>
             <a:endParaRPr lang="bg-BG" dirty="0">
               <a:solidFill>
-                <a:schemeClr val="bg1"/>
+                <a:schemeClr val="tx1">
+                  <a:lumMod val="85000"/>
+                  <a:lumOff val="15000"/>
+                </a:schemeClr>
               </a:solidFill>
             </a:endParaRPr>
           </a:p>
@@ -6842,7 +6917,10 @@
             <a:r>
               <a:rPr lang="bg-BG" dirty="0" smtClean="0">
                 <a:solidFill>
-                  <a:schemeClr val="bg1"/>
+                  <a:schemeClr val="tx1">
+                    <a:lumMod val="85000"/>
+                    <a:lumOff val="15000"/>
+                  </a:schemeClr>
                 </a:solidFill>
               </a:rPr>
               <a:t>изготвяне на план за действие</a:t>
@@ -6857,7 +6935,10 @@
             </a:pPr>
             <a:endParaRPr lang="bg-BG" sz="2400" dirty="0" smtClean="0">
               <a:solidFill>
-                <a:schemeClr val="bg1"/>
+                <a:schemeClr val="tx1">
+                  <a:lumMod val="85000"/>
+                  <a:lumOff val="15000"/>
+                </a:schemeClr>
               </a:solidFill>
             </a:endParaRPr>
           </a:p>
@@ -6912,7 +6993,7 @@
         </p:nvSpPr>
         <p:spPr>
           <a:xfrm>
-            <a:off x="457200" y="444132"/>
+            <a:off x="457200" y="57800"/>
             <a:ext cx="8229600" cy="1143000"/>
           </a:xfrm>
         </p:spPr>
@@ -7178,7 +7259,7 @@
         </p:blipFill>
         <p:spPr>
           <a:xfrm>
-            <a:off x="290511" y="3313646"/>
+            <a:off x="100771" y="3548436"/>
             <a:ext cx="1143000" cy="1143000"/>
           </a:xfrm>
           <a:prstGeom prst="rect">
@@ -7208,7 +7289,7 @@
         </p:blipFill>
         <p:spPr>
           <a:xfrm>
-            <a:off x="3719121" y="3049983"/>
+            <a:off x="3666601" y="3251040"/>
             <a:ext cx="1295400" cy="1295400"/>
           </a:xfrm>
           <a:prstGeom prst="rect">
@@ -7238,7 +7319,7 @@
         </p:blipFill>
         <p:spPr>
           <a:xfrm>
-            <a:off x="7305011" y="4572000"/>
+            <a:off x="7252491" y="4773057"/>
             <a:ext cx="1031240" cy="1066800"/>
           </a:xfrm>
           <a:prstGeom prst="rect">
@@ -7253,8 +7334,8 @@
           <p:nvPr/>
         </p:nvSpPr>
         <p:spPr>
-          <a:xfrm rot="1173112">
-            <a:off x="1672325" y="2920307"/>
+          <a:xfrm rot="1026833">
+            <a:off x="1606875" y="3161114"/>
             <a:ext cx="2071326" cy="310473"/>
           </a:xfrm>
           <a:prstGeom prst="rightArrow">
@@ -7311,7 +7392,7 @@
         </p:blipFill>
         <p:spPr>
           <a:xfrm>
-            <a:off x="562124" y="1752600"/>
+            <a:off x="292671" y="2212220"/>
             <a:ext cx="1143000" cy="1143000"/>
           </a:xfrm>
           <a:prstGeom prst="rect">
@@ -7341,7 +7422,7 @@
         </p:blipFill>
         <p:spPr>
           <a:xfrm>
-            <a:off x="1761663" y="914184"/>
+            <a:off x="1618013" y="1558734"/>
             <a:ext cx="1143000" cy="1143000"/>
           </a:xfrm>
           <a:prstGeom prst="rect">
@@ -7371,7 +7452,7 @@
         </p:blipFill>
         <p:spPr>
           <a:xfrm>
-            <a:off x="7748720" y="3075543"/>
+            <a:off x="7696200" y="3276600"/>
             <a:ext cx="1031240" cy="1066800"/>
           </a:xfrm>
           <a:prstGeom prst="rect">
@@ -7401,7 +7482,7 @@
         </p:blipFill>
         <p:spPr>
           <a:xfrm>
-            <a:off x="6049649" y="5394634"/>
+            <a:off x="5997129" y="5595691"/>
             <a:ext cx="1031240" cy="1066800"/>
           </a:xfrm>
           <a:prstGeom prst="rect">
@@ -7417,7 +7498,7 @@
         </p:nvSpPr>
         <p:spPr>
           <a:xfrm>
-            <a:off x="5283575" y="3568424"/>
+            <a:off x="5231055" y="3769481"/>
             <a:ext cx="2190705" cy="96569"/>
           </a:xfrm>
           <a:prstGeom prst="rightArrow">
@@ -7457,7 +7538,7 @@
         </p:nvSpPr>
         <p:spPr>
           <a:xfrm rot="2247152">
-            <a:off x="4689326" y="4930541"/>
+            <a:off x="4636806" y="5131598"/>
             <a:ext cx="1482148" cy="101764"/>
           </a:xfrm>
           <a:prstGeom prst="rightArrow">
@@ -7496,9 +7577,9 @@
           <p:nvPr/>
         </p:nvSpPr>
         <p:spPr>
-          <a:xfrm rot="2775728">
-            <a:off x="2662893" y="2197779"/>
-            <a:ext cx="1702961" cy="310473"/>
+          <a:xfrm rot="1949023">
+            <a:off x="2638445" y="2664233"/>
+            <a:ext cx="1522692" cy="350954"/>
           </a:xfrm>
           <a:prstGeom prst="rightArrow">
             <a:avLst>
@@ -7540,7 +7621,7 @@
         </p:nvSpPr>
         <p:spPr>
           <a:xfrm>
-            <a:off x="1570731" y="3729910"/>
+            <a:off x="1518211" y="3930967"/>
             <a:ext cx="2071326" cy="310473"/>
           </a:xfrm>
           <a:prstGeom prst="rightArrow">
@@ -7583,7 +7664,7 @@
         </p:nvSpPr>
         <p:spPr>
           <a:xfrm rot="1447017">
-            <a:off x="5167508" y="4391857"/>
+            <a:off x="5114988" y="4592914"/>
             <a:ext cx="1984516" cy="75756"/>
           </a:xfrm>
           <a:prstGeom prst="rightArrow">
@@ -8001,7 +8082,7 @@
         </p:blipFill>
         <p:spPr>
           <a:xfrm flipH="1">
-            <a:off x="457200" y="1524000"/>
+            <a:off x="406197" y="1752600"/>
             <a:ext cx="1600200" cy="1600200"/>
           </a:xfrm>
           <a:prstGeom prst="rect">
@@ -8031,7 +8112,7 @@
         </p:blipFill>
         <p:spPr>
           <a:xfrm>
-            <a:off x="6909003" y="1295400"/>
+            <a:off x="6858000" y="1524000"/>
             <a:ext cx="1752600" cy="1752600"/>
           </a:xfrm>
           <a:prstGeom prst="rect">
@@ -8061,7 +8142,7 @@
         </p:blipFill>
         <p:spPr>
           <a:xfrm>
-            <a:off x="3743718" y="3336016"/>
+            <a:off x="3692715" y="3564616"/>
             <a:ext cx="990600" cy="990600"/>
           </a:xfrm>
           <a:prstGeom prst="rect">
@@ -8091,7 +8172,7 @@
         </p:blipFill>
         <p:spPr>
           <a:xfrm>
-            <a:off x="7112406" y="5029200"/>
+            <a:off x="7061403" y="5257800"/>
             <a:ext cx="1345794" cy="1345794"/>
           </a:xfrm>
           <a:prstGeom prst="rect">
@@ -8107,7 +8188,7 @@
         </p:nvSpPr>
         <p:spPr>
           <a:xfrm>
-            <a:off x="2819400" y="2019300"/>
+            <a:off x="2768397" y="2247900"/>
             <a:ext cx="3581400" cy="304800"/>
           </a:xfrm>
           <a:prstGeom prst="rightArrow">
@@ -8147,7 +8228,7 @@
         </p:nvSpPr>
         <p:spPr>
           <a:xfrm rot="9282431">
-            <a:off x="4879778" y="3018634"/>
+            <a:off x="4828775" y="3247234"/>
             <a:ext cx="2276640" cy="304800"/>
           </a:xfrm>
           <a:prstGeom prst="rightArrow">
@@ -8187,7 +8268,7 @@
         </p:nvSpPr>
         <p:spPr>
           <a:xfrm rot="1781686">
-            <a:off x="4718574" y="4563902"/>
+            <a:off x="4667571" y="4792502"/>
             <a:ext cx="2599048" cy="186977"/>
           </a:xfrm>
           <a:prstGeom prst="rightArrow">
@@ -8227,7 +8308,7 @@
         </p:nvSpPr>
         <p:spPr>
           <a:xfrm rot="12739026">
-            <a:off x="1860895" y="2939370"/>
+            <a:off x="1809892" y="3167970"/>
             <a:ext cx="1909241" cy="198935"/>
           </a:xfrm>
           <a:prstGeom prst="rightArrow">
@@ -8267,7 +8348,7 @@
         </p:nvSpPr>
         <p:spPr>
           <a:xfrm>
-            <a:off x="4152900" y="1812790"/>
+            <a:off x="4101897" y="2041390"/>
             <a:ext cx="914400" cy="685800"/>
           </a:xfrm>
           <a:prstGeom prst="mathMultiply">
@@ -8310,7 +8391,7 @@
         </p:nvSpPr>
         <p:spPr>
           <a:xfrm rot="1741559">
-            <a:off x="4495651" y="4709372"/>
+            <a:off x="4444648" y="4937972"/>
             <a:ext cx="2514600" cy="189501"/>
           </a:xfrm>
           <a:prstGeom prst="leftArrow">
@@ -8350,7 +8431,7 @@
         </p:nvSpPr>
         <p:spPr>
           <a:xfrm rot="1871794">
-            <a:off x="1992365" y="3268334"/>
+            <a:off x="1941362" y="3496934"/>
             <a:ext cx="1678552" cy="229250"/>
           </a:xfrm>
           <a:prstGeom prst="rightArrow">
@@ -8790,6 +8871,14 @@
 <file path=ppt/slides/slide7.xml><?xml version="1.0" encoding="utf-8"?>
 <p:sld xmlns:a="http://schemas.openxmlformats.org/drawingml/2006/main" xmlns:r="http://schemas.openxmlformats.org/officeDocument/2006/relationships" xmlns:p="http://schemas.openxmlformats.org/presentationml/2006/main">
   <p:cSld>
+    <p:bg>
+      <p:bgPr>
+        <a:solidFill>
+          <a:srgbClr val="0589E8"/>
+        </a:solidFill>
+        <a:effectLst/>
+      </p:bgPr>
+    </p:bg>
     <p:spTree>
       <p:nvGrpSpPr>
         <p:cNvPr id="1" name=""/>
@@ -8986,6 +9075,14 @@
 <file path=ppt/slides/slide8.xml><?xml version="1.0" encoding="utf-8"?>
 <p:sld xmlns:a="http://schemas.openxmlformats.org/drawingml/2006/main" xmlns:r="http://schemas.openxmlformats.org/officeDocument/2006/relationships" xmlns:p="http://schemas.openxmlformats.org/presentationml/2006/main">
   <p:cSld>
+    <p:bg>
+      <p:bgPr>
+        <a:solidFill>
+          <a:srgbClr val="0589E8"/>
+        </a:solidFill>
+        <a:effectLst/>
+      </p:bgPr>
+    </p:bg>
     <p:spTree>
       <p:nvGrpSpPr>
         <p:cNvPr id="1" name=""/>
@@ -9162,7 +9259,7 @@
 <file path=ppt/theme/theme1.xml><?xml version="1.0" encoding="utf-8"?>
 <a:theme xmlns:a="http://schemas.openxmlformats.org/drawingml/2006/main" name="Office Theme">
   <a:themeElements>
-    <a:clrScheme name="Office">
+    <a:clrScheme name="Custom 1">
       <a:dk1>
         <a:sysClr val="windowText" lastClr="000000"/>
       </a:dk1>
@@ -9194,7 +9291,7 @@
         <a:srgbClr val="F79646"/>
       </a:accent6>
       <a:hlink>
-        <a:srgbClr val="0000FF"/>
+        <a:srgbClr val="00C853"/>
       </a:hlink>
       <a:folHlink>
         <a:srgbClr val="800080"/>

--- a/40.pptx
+++ b/40.pptx
@@ -6,7 +6,7 @@
     <p:sldMasterId id="2147483660" r:id="rId2"/>
   </p:sldMasterIdLst>
   <p:handoutMasterIdLst>
-    <p:handoutMasterId r:id="rId11"/>
+    <p:handoutMasterId r:id="rId12"/>
   </p:handoutMasterIdLst>
   <p:sldIdLst>
     <p:sldId id="256" r:id="rId3"/>
@@ -17,6 +17,7 @@
     <p:sldId id="271" r:id="rId8"/>
     <p:sldId id="269" r:id="rId9"/>
     <p:sldId id="270" r:id="rId10"/>
+    <p:sldId id="273" r:id="rId11"/>
   </p:sldIdLst>
   <p:sldSz cx="9144000" cy="6858000" type="screen4x3"/>
   <p:notesSz cx="6858000" cy="9144000"/>
@@ -117,18 +118,7 @@
   </p:defaultTextStyle>
   <p:extLst>
     <p:ext uri="{EFAFB233-063F-42B5-8137-9DF3F51BA10A}">
-      <p15:sldGuideLst xmlns:p15="http://schemas.microsoft.com/office/powerpoint/2012/main">
-        <p15:guide id="1" orient="horz" pos="2160">
-          <p15:clr>
-            <a:srgbClr val="A4A3A4"/>
-          </p15:clr>
-        </p15:guide>
-        <p15:guide id="2" pos="2880">
-          <p15:clr>
-            <a:srgbClr val="A4A3A4"/>
-          </p15:clr>
-        </p15:guide>
-      </p15:sldGuideLst>
+      <p15:sldGuideLst xmlns:p15="http://schemas.microsoft.com/office/powerpoint/2012/main"/>
     </p:ext>
     <p:ext uri="{2D200454-40CA-4A62-9FC3-DE9A4176ACB9}">
       <p15:notesGuideLst xmlns:p15="http://schemas.microsoft.com/office/powerpoint/2012/main">
@@ -231,7 +221,7 @@
             <a:fld id="{BF687C3B-A0D7-4DF4-8ABE-AB86F94B7659}" type="datetimeFigureOut">
               <a:rPr lang="de-DE" smtClean="0"/>
               <a:pPr/>
-              <a:t>05.03.2019</a:t>
+              <a:t>06.03.2019</a:t>
             </a:fld>
             <a:endParaRPr lang="de-DE"/>
           </a:p>
@@ -497,7 +487,7 @@
             <a:fld id="{465E5954-C325-41FF-8307-C2ABF66F88AC}" type="datetimeFigureOut">
               <a:rPr lang="de-DE" smtClean="0"/>
               <a:pPr/>
-              <a:t>05.03.2019</a:t>
+              <a:t>06.03.2019</a:t>
             </a:fld>
             <a:endParaRPr lang="de-DE"/>
           </a:p>
@@ -676,7 +666,7 @@
             <a:fld id="{465E5954-C325-41FF-8307-C2ABF66F88AC}" type="datetimeFigureOut">
               <a:rPr lang="de-DE" smtClean="0"/>
               <a:pPr/>
-              <a:t>05.03.2019</a:t>
+              <a:t>06.03.2019</a:t>
             </a:fld>
             <a:endParaRPr lang="de-DE"/>
           </a:p>
@@ -865,7 +855,7 @@
             <a:fld id="{465E5954-C325-41FF-8307-C2ABF66F88AC}" type="datetimeFigureOut">
               <a:rPr lang="de-DE" smtClean="0"/>
               <a:pPr/>
-              <a:t>05.03.2019</a:t>
+              <a:t>06.03.2019</a:t>
             </a:fld>
             <a:endParaRPr lang="de-DE"/>
           </a:p>
@@ -1109,7 +1099,7 @@
             <a:fld id="{BA3302DC-27B2-41BB-AAD9-1F7041790541}" type="datetimeFigureOut">
               <a:rPr lang="de-DE" smtClean="0"/>
               <a:pPr/>
-              <a:t>05.03.2019</a:t>
+              <a:t>06.03.2019</a:t>
             </a:fld>
             <a:endParaRPr lang="de-DE"/>
           </a:p>
@@ -1288,7 +1278,7 @@
             <a:fld id="{BA3302DC-27B2-41BB-AAD9-1F7041790541}" type="datetimeFigureOut">
               <a:rPr lang="de-DE" smtClean="0"/>
               <a:pPr/>
-              <a:t>05.03.2019</a:t>
+              <a:t>06.03.2019</a:t>
             </a:fld>
             <a:endParaRPr lang="de-DE"/>
           </a:p>
@@ -1543,7 +1533,7 @@
             <a:fld id="{BA3302DC-27B2-41BB-AAD9-1F7041790541}" type="datetimeFigureOut">
               <a:rPr lang="de-DE" smtClean="0"/>
               <a:pPr/>
-              <a:t>05.03.2019</a:t>
+              <a:t>06.03.2019</a:t>
             </a:fld>
             <a:endParaRPr lang="de-DE"/>
           </a:p>
@@ -1833,7 +1823,7 @@
             <a:fld id="{BA3302DC-27B2-41BB-AAD9-1F7041790541}" type="datetimeFigureOut">
               <a:rPr lang="de-DE" smtClean="0"/>
               <a:pPr/>
-              <a:t>05.03.2019</a:t>
+              <a:t>06.03.2019</a:t>
             </a:fld>
             <a:endParaRPr lang="de-DE"/>
           </a:p>
@@ -2257,7 +2247,7 @@
             <a:fld id="{BA3302DC-27B2-41BB-AAD9-1F7041790541}" type="datetimeFigureOut">
               <a:rPr lang="de-DE" smtClean="0"/>
               <a:pPr/>
-              <a:t>05.03.2019</a:t>
+              <a:t>06.03.2019</a:t>
             </a:fld>
             <a:endParaRPr lang="de-DE"/>
           </a:p>
@@ -2377,7 +2367,7 @@
             <a:fld id="{BA3302DC-27B2-41BB-AAD9-1F7041790541}" type="datetimeFigureOut">
               <a:rPr lang="de-DE" smtClean="0"/>
               <a:pPr/>
-              <a:t>05.03.2019</a:t>
+              <a:t>06.03.2019</a:t>
             </a:fld>
             <a:endParaRPr lang="de-DE"/>
           </a:p>
@@ -2474,7 +2464,7 @@
             <a:fld id="{BA3302DC-27B2-41BB-AAD9-1F7041790541}" type="datetimeFigureOut">
               <a:rPr lang="de-DE" smtClean="0"/>
               <a:pPr/>
-              <a:t>05.03.2019</a:t>
+              <a:t>06.03.2019</a:t>
             </a:fld>
             <a:endParaRPr lang="de-DE"/>
           </a:p>
@@ -2753,7 +2743,7 @@
             <a:fld id="{BA3302DC-27B2-41BB-AAD9-1F7041790541}" type="datetimeFigureOut">
               <a:rPr lang="de-DE" smtClean="0"/>
               <a:pPr/>
-              <a:t>05.03.2019</a:t>
+              <a:t>06.03.2019</a:t>
             </a:fld>
             <a:endParaRPr lang="de-DE"/>
           </a:p>
@@ -2949,7 +2939,7 @@
             <a:fld id="{465E5954-C325-41FF-8307-C2ABF66F88AC}" type="datetimeFigureOut">
               <a:rPr lang="de-DE" smtClean="0"/>
               <a:pPr/>
-              <a:t>05.03.2019</a:t>
+              <a:t>06.03.2019</a:t>
             </a:fld>
             <a:endParaRPr lang="de-DE"/>
           </a:p>
@@ -3211,7 +3201,7 @@
             <a:fld id="{BA3302DC-27B2-41BB-AAD9-1F7041790541}" type="datetimeFigureOut">
               <a:rPr lang="de-DE" smtClean="0"/>
               <a:pPr/>
-              <a:t>05.03.2019</a:t>
+              <a:t>06.03.2019</a:t>
             </a:fld>
             <a:endParaRPr lang="de-DE"/>
           </a:p>
@@ -3383,7 +3373,7 @@
             <a:fld id="{BA3302DC-27B2-41BB-AAD9-1F7041790541}" type="datetimeFigureOut">
               <a:rPr lang="de-DE" smtClean="0"/>
               <a:pPr/>
-              <a:t>05.03.2019</a:t>
+              <a:t>06.03.2019</a:t>
             </a:fld>
             <a:endParaRPr lang="de-DE"/>
           </a:p>
@@ -3565,7 +3555,7 @@
             <a:fld id="{BA3302DC-27B2-41BB-AAD9-1F7041790541}" type="datetimeFigureOut">
               <a:rPr lang="de-DE" smtClean="0"/>
               <a:pPr/>
-              <a:t>05.03.2019</a:t>
+              <a:t>06.03.2019</a:t>
             </a:fld>
             <a:endParaRPr lang="de-DE"/>
           </a:p>
@@ -3813,7 +3803,7 @@
             <a:fld id="{465E5954-C325-41FF-8307-C2ABF66F88AC}" type="datetimeFigureOut">
               <a:rPr lang="de-DE" smtClean="0"/>
               <a:pPr/>
-              <a:t>05.03.2019</a:t>
+              <a:t>06.03.2019</a:t>
             </a:fld>
             <a:endParaRPr lang="de-DE"/>
           </a:p>
@@ -4110,7 +4100,7 @@
             <a:fld id="{465E5954-C325-41FF-8307-C2ABF66F88AC}" type="datetimeFigureOut">
               <a:rPr lang="de-DE" smtClean="0"/>
               <a:pPr/>
-              <a:t>05.03.2019</a:t>
+              <a:t>06.03.2019</a:t>
             </a:fld>
             <a:endParaRPr lang="de-DE"/>
           </a:p>
@@ -4534,7 +4524,7 @@
             <a:fld id="{465E5954-C325-41FF-8307-C2ABF66F88AC}" type="datetimeFigureOut">
               <a:rPr lang="de-DE" smtClean="0"/>
               <a:pPr/>
-              <a:t>05.03.2019</a:t>
+              <a:t>06.03.2019</a:t>
             </a:fld>
             <a:endParaRPr lang="de-DE"/>
           </a:p>
@@ -4661,7 +4651,7 @@
             <a:fld id="{465E5954-C325-41FF-8307-C2ABF66F88AC}" type="datetimeFigureOut">
               <a:rPr lang="de-DE" smtClean="0"/>
               <a:pPr/>
-              <a:t>05.03.2019</a:t>
+              <a:t>06.03.2019</a:t>
             </a:fld>
             <a:endParaRPr lang="de-DE"/>
           </a:p>
@@ -4765,7 +4755,7 @@
             <a:fld id="{465E5954-C325-41FF-8307-C2ABF66F88AC}" type="datetimeFigureOut">
               <a:rPr lang="de-DE" smtClean="0"/>
               <a:pPr/>
-              <a:t>05.03.2019</a:t>
+              <a:t>06.03.2019</a:t>
             </a:fld>
             <a:endParaRPr lang="de-DE"/>
           </a:p>
@@ -5051,7 +5041,7 @@
             <a:fld id="{465E5954-C325-41FF-8307-C2ABF66F88AC}" type="datetimeFigureOut">
               <a:rPr lang="de-DE" smtClean="0"/>
               <a:pPr/>
-              <a:t>05.03.2019</a:t>
+              <a:t>06.03.2019</a:t>
             </a:fld>
             <a:endParaRPr lang="de-DE"/>
           </a:p>
@@ -5313,7 +5303,7 @@
             <a:fld id="{465E5954-C325-41FF-8307-C2ABF66F88AC}" type="datetimeFigureOut">
               <a:rPr lang="de-DE" smtClean="0"/>
               <a:pPr/>
-              <a:t>05.03.2019</a:t>
+              <a:t>06.03.2019</a:t>
             </a:fld>
             <a:endParaRPr lang="de-DE"/>
           </a:p>
@@ -5538,7 +5528,7 @@
             <a:fld id="{465E5954-C325-41FF-8307-C2ABF66F88AC}" type="datetimeFigureOut">
               <a:rPr lang="de-DE" smtClean="0"/>
               <a:pPr/>
-              <a:t>05.03.2019</a:t>
+              <a:t>06.03.2019</a:t>
             </a:fld>
             <a:endParaRPr lang="de-DE"/>
           </a:p>
@@ -6076,7 +6066,7 @@
             <a:fld id="{BA3302DC-27B2-41BB-AAD9-1F7041790541}" type="datetimeFigureOut">
               <a:rPr lang="de-DE" smtClean="0"/>
               <a:pPr/>
-              <a:t>05.03.2019</a:t>
+              <a:t>06.03.2019</a:t>
             </a:fld>
             <a:endParaRPr lang="de-DE"/>
           </a:p>
@@ -9240,6 +9230,218 @@
     <p:extLst>
       <p:ext uri="{BB962C8B-B14F-4D97-AF65-F5344CB8AC3E}">
         <p14:creationId xmlns:p14="http://schemas.microsoft.com/office/powerpoint/2010/main" val="2609491997"/>
+      </p:ext>
+    </p:extLst>
+  </p:cSld>
+  <p:clrMapOvr>
+    <a:masterClrMapping/>
+  </p:clrMapOvr>
+  <p:timing>
+    <p:tnLst>
+      <p:par>
+        <p:cTn id="1" dur="indefinite" restart="never" nodeType="tmRoot"/>
+      </p:par>
+    </p:tnLst>
+  </p:timing>
+</p:sld>
+</file>
+
+<file path=ppt/slides/slide9.xml><?xml version="1.0" encoding="utf-8"?>
+<p:sld xmlns:a="http://schemas.openxmlformats.org/drawingml/2006/main" xmlns:r="http://schemas.openxmlformats.org/officeDocument/2006/relationships" xmlns:p="http://schemas.openxmlformats.org/presentationml/2006/main">
+  <p:cSld>
+    <p:spTree>
+      <p:nvGrpSpPr>
+        <p:cNvPr id="1" name=""/>
+        <p:cNvGrpSpPr/>
+        <p:nvPr/>
+      </p:nvGrpSpPr>
+      <p:grpSpPr>
+        <a:xfrm>
+          <a:off x="0" y="0"/>
+          <a:ext cx="0" cy="0"/>
+          <a:chOff x="0" y="0"/>
+          <a:chExt cx="0" cy="0"/>
+        </a:xfrm>
+      </p:grpSpPr>
+      <p:sp>
+        <p:nvSpPr>
+          <p:cNvPr id="6" name="Title 5"/>
+          <p:cNvSpPr>
+            <a:spLocks noGrp="1"/>
+          </p:cNvSpPr>
+          <p:nvPr>
+            <p:ph type="title"/>
+          </p:nvPr>
+        </p:nvSpPr>
+        <p:spPr>
+          <a:xfrm>
+            <a:off x="-1066800" y="34636"/>
+            <a:ext cx="8229600" cy="1143000"/>
+          </a:xfrm>
+        </p:spPr>
+        <p:txBody>
+          <a:bodyPr/>
+          <a:lstStyle/>
+          <a:p>
+            <a:r>
+              <a:rPr lang="bg-BG" b="1" dirty="0" smtClean="0">
+                <a:ln w="9000" cmpd="sng">
+                  <a:solidFill>
+                    <a:schemeClr val="accent4">
+                      <a:shade val="50000"/>
+                      <a:satMod val="120000"/>
+                    </a:schemeClr>
+                  </a:solidFill>
+                  <a:prstDash val="solid"/>
+                </a:ln>
+                <a:solidFill>
+                  <a:srgbClr val="00C853"/>
+                </a:solidFill>
+                <a:effectLst>
+                  <a:reflection blurRad="12700" stA="28000" endPos="45000" dist="1000" dir="5400000" sy="-100000" algn="bl" rotWithShape="0"/>
+                </a:effectLst>
+              </a:rPr>
+              <a:t>Планове за бъдещето</a:t>
+            </a:r>
+            <a:endParaRPr lang="de-DE" b="1" dirty="0">
+              <a:ln w="9000" cmpd="sng">
+                <a:solidFill>
+                  <a:schemeClr val="accent4">
+                    <a:shade val="50000"/>
+                    <a:satMod val="120000"/>
+                  </a:schemeClr>
+                </a:solidFill>
+                <a:prstDash val="solid"/>
+              </a:ln>
+              <a:solidFill>
+                <a:srgbClr val="00C853"/>
+              </a:solidFill>
+              <a:effectLst>
+                <a:reflection blurRad="12700" stA="28000" endPos="45000" dist="1000" dir="5400000" sy="-100000" algn="bl" rotWithShape="0"/>
+              </a:effectLst>
+            </a:endParaRPr>
+          </a:p>
+        </p:txBody>
+      </p:sp>
+      <p:sp>
+        <p:nvSpPr>
+          <p:cNvPr id="5" name="Content Placeholder 6"/>
+          <p:cNvSpPr>
+            <a:spLocks noGrp="1"/>
+          </p:cNvSpPr>
+          <p:nvPr>
+            <p:ph idx="1"/>
+          </p:nvPr>
+        </p:nvSpPr>
+        <p:spPr>
+          <a:xfrm>
+            <a:off x="457200" y="1676400"/>
+            <a:ext cx="8229600" cy="4525963"/>
+          </a:xfrm>
+        </p:spPr>
+        <p:txBody>
+          <a:bodyPr>
+            <a:normAutofit/>
+          </a:bodyPr>
+          <a:lstStyle/>
+          <a:p>
+            <a:pPr>
+              <a:buClr>
+                <a:srgbClr val="0070C0"/>
+              </a:buClr>
+            </a:pPr>
+            <a:r>
+              <a:rPr lang="bg-BG" dirty="0" smtClean="0">
+                <a:solidFill>
+                  <a:schemeClr val="tx1">
+                    <a:lumMod val="85000"/>
+                    <a:lumOff val="15000"/>
+                  </a:schemeClr>
+                </a:solidFill>
+              </a:rPr>
+              <a:t>групи</a:t>
+            </a:r>
+          </a:p>
+          <a:p>
+            <a:pPr>
+              <a:buClr>
+                <a:srgbClr val="0070C0"/>
+              </a:buClr>
+            </a:pPr>
+            <a:r>
+              <a:rPr lang="bg-BG" dirty="0" smtClean="0">
+                <a:solidFill>
+                  <a:schemeClr val="tx1">
+                    <a:lumMod val="85000"/>
+                    <a:lumOff val="15000"/>
+                  </a:schemeClr>
+                </a:solidFill>
+              </a:rPr>
+              <a:t>нива на потребители</a:t>
+            </a:r>
+          </a:p>
+          <a:p>
+            <a:pPr>
+              <a:buClr>
+                <a:srgbClr val="0070C0"/>
+              </a:buClr>
+            </a:pPr>
+            <a:r>
+              <a:rPr lang="bg-BG" dirty="0" smtClean="0">
+                <a:solidFill>
+                  <a:schemeClr val="tx1">
+                    <a:lumMod val="85000"/>
+                    <a:lumOff val="15000"/>
+                  </a:schemeClr>
+                </a:solidFill>
+              </a:rPr>
+              <a:t>статистика</a:t>
+            </a:r>
+            <a:endParaRPr lang="bg-BG" dirty="0">
+              <a:solidFill>
+                <a:schemeClr val="tx1">
+                  <a:lumMod val="85000"/>
+                  <a:lumOff val="15000"/>
+                </a:schemeClr>
+              </a:solidFill>
+            </a:endParaRPr>
+          </a:p>
+        </p:txBody>
+      </p:sp>
+      <p:pic>
+        <p:nvPicPr>
+          <p:cNvPr id="3" name="Picture 2"/>
+          <p:cNvPicPr>
+            <a:picLocks noChangeAspect="1"/>
+          </p:cNvPicPr>
+          <p:nvPr/>
+        </p:nvPicPr>
+        <p:blipFill>
+          <a:blip r:embed="rId2">
+            <a:extLst>
+              <a:ext uri="{28A0092B-C50C-407E-A947-70E740481C1C}">
+                <a14:useLocalDpi xmlns:a14="http://schemas.microsoft.com/office/drawing/2010/main" val="0"/>
+              </a:ext>
+            </a:extLst>
+          </a:blip>
+          <a:stretch>
+            <a:fillRect/>
+          </a:stretch>
+        </p:blipFill>
+        <p:spPr>
+          <a:xfrm rot="19652077">
+            <a:off x="5993877" y="1778397"/>
+            <a:ext cx="5561905" cy="6349206"/>
+          </a:xfrm>
+          <a:prstGeom prst="rect">
+            <a:avLst/>
+          </a:prstGeom>
+        </p:spPr>
+      </p:pic>
+    </p:spTree>
+    <p:extLst>
+      <p:ext uri="{BB962C8B-B14F-4D97-AF65-F5344CB8AC3E}">
+        <p14:creationId xmlns:p14="http://schemas.microsoft.com/office/powerpoint/2010/main" val="3543253785"/>
       </p:ext>
     </p:extLst>
   </p:cSld>
